--- a/Model Pretnji.pptx
+++ b/Model Pretnji.pptx
@@ -12,6 +12,13 @@
     <p:sldId id="260" r:id="rId6"/>
     <p:sldId id="261" r:id="rId7"/>
     <p:sldId id="262" r:id="rId8"/>
+    <p:sldId id="263" r:id="rId9"/>
+    <p:sldId id="264" r:id="rId10"/>
+    <p:sldId id="265" r:id="rId11"/>
+    <p:sldId id="266" r:id="rId12"/>
+    <p:sldId id="267" r:id="rId13"/>
+    <p:sldId id="268" r:id="rId14"/>
+    <p:sldId id="269" r:id="rId15"/>
   </p:sldIdLst>
   <p:sldSz cx="9144000" cy="6858000" type="screen4x3"/>
   <p:notesSz cx="6858000" cy="9144000"/>
@@ -110,6 +117,22 @@
       </a:defRPr>
     </a:lvl9pPr>
   </p:defaultTextStyle>
+  <p:extLst>
+    <p:ext uri="{EFAFB233-063F-42B5-8137-9DF3F51BA10A}">
+      <p15:sldGuideLst xmlns:p15="http://schemas.microsoft.com/office/powerpoint/2012/main">
+        <p15:guide id="1" orient="horz" pos="2160">
+          <p15:clr>
+            <a:srgbClr val="A4A3A4"/>
+          </p15:clr>
+        </p15:guide>
+        <p15:guide id="2" pos="2880">
+          <p15:clr>
+            <a:srgbClr val="A4A3A4"/>
+          </p15:clr>
+        </p15:guide>
+      </p15:sldGuideLst>
+    </p:ext>
+  </p:extLst>
 </p:presentation>
 </file>
 
@@ -225,7 +248,7 @@
             <a:fld id="{1D8BD707-D9CF-40AE-B4C6-C98DA3205C09}" type="datetimeFigureOut">
               <a:rPr lang="en-US" smtClean="0"/>
               <a:pPr/>
-              <a:t>5/12/2016</a:t>
+              <a:t>13-May-16</a:t>
             </a:fld>
             <a:endParaRPr lang="en-US"/>
           </a:p>
@@ -453,7 +476,7 @@
             <a:fld id="{1D8BD707-D9CF-40AE-B4C6-C98DA3205C09}" type="datetimeFigureOut">
               <a:rPr lang="en-US" smtClean="0"/>
               <a:pPr/>
-              <a:t>5/12/2016</a:t>
+              <a:t>13-May-16</a:t>
             </a:fld>
             <a:endParaRPr lang="en-US"/>
           </a:p>
@@ -630,7 +653,7 @@
             <a:fld id="{1D8BD707-D9CF-40AE-B4C6-C98DA3205C09}" type="datetimeFigureOut">
               <a:rPr lang="en-US" smtClean="0"/>
               <a:pPr/>
-              <a:t>5/12/2016</a:t>
+              <a:t>13-May-16</a:t>
             </a:fld>
             <a:endParaRPr lang="en-US"/>
           </a:p>
@@ -797,7 +820,7 @@
             <a:fld id="{1D8BD707-D9CF-40AE-B4C6-C98DA3205C09}" type="datetimeFigureOut">
               <a:rPr lang="en-US" smtClean="0"/>
               <a:pPr/>
-              <a:t>5/12/2016</a:t>
+              <a:t>13-May-16</a:t>
             </a:fld>
             <a:endParaRPr lang="en-US"/>
           </a:p>
@@ -1038,7 +1061,7 @@
             <a:fld id="{1D8BD707-D9CF-40AE-B4C6-C98DA3205C09}" type="datetimeFigureOut">
               <a:rPr lang="en-US" smtClean="0"/>
               <a:pPr/>
-              <a:t>5/12/2016</a:t>
+              <a:t>13-May-16</a:t>
             </a:fld>
             <a:endParaRPr lang="en-US"/>
           </a:p>
@@ -1304,7 +1327,7 @@
             <a:fld id="{1D8BD707-D9CF-40AE-B4C6-C98DA3205C09}" type="datetimeFigureOut">
               <a:rPr lang="en-US" smtClean="0"/>
               <a:pPr/>
-              <a:t>5/12/2016</a:t>
+              <a:t>13-May-16</a:t>
             </a:fld>
             <a:endParaRPr lang="en-US"/>
           </a:p>
@@ -1680,7 +1703,7 @@
             <a:fld id="{1D8BD707-D9CF-40AE-B4C6-C98DA3205C09}" type="datetimeFigureOut">
               <a:rPr lang="en-US" smtClean="0"/>
               <a:pPr/>
-              <a:t>5/12/2016</a:t>
+              <a:t>13-May-16</a:t>
             </a:fld>
             <a:endParaRPr lang="en-US"/>
           </a:p>
@@ -1795,7 +1818,7 @@
             <a:fld id="{1D8BD707-D9CF-40AE-B4C6-C98DA3205C09}" type="datetimeFigureOut">
               <a:rPr lang="en-US" smtClean="0"/>
               <a:pPr/>
-              <a:t>5/12/2016</a:t>
+              <a:t>13-May-16</a:t>
             </a:fld>
             <a:endParaRPr lang="en-US"/>
           </a:p>
@@ -1887,7 +1910,7 @@
             <a:fld id="{1D8BD707-D9CF-40AE-B4C6-C98DA3205C09}" type="datetimeFigureOut">
               <a:rPr lang="en-US" smtClean="0"/>
               <a:pPr/>
-              <a:t>5/12/2016</a:t>
+              <a:t>13-May-16</a:t>
             </a:fld>
             <a:endParaRPr lang="en-US"/>
           </a:p>
@@ -2147,7 +2170,7 @@
             <a:fld id="{1D8BD707-D9CF-40AE-B4C6-C98DA3205C09}" type="datetimeFigureOut">
               <a:rPr lang="en-US" smtClean="0"/>
               <a:pPr/>
-              <a:t>5/12/2016</a:t>
+              <a:t>13-May-16</a:t>
             </a:fld>
             <a:endParaRPr lang="en-US"/>
           </a:p>
@@ -2413,7 +2436,7 @@
             <a:fld id="{1D8BD707-D9CF-40AE-B4C6-C98DA3205C09}" type="datetimeFigureOut">
               <a:rPr lang="en-US" smtClean="0"/>
               <a:pPr/>
-              <a:t>5/12/2016</a:t>
+              <a:t>13-May-16</a:t>
             </a:fld>
             <a:endParaRPr lang="en-US"/>
           </a:p>
@@ -2632,7 +2655,7 @@
             <a:fld id="{1D8BD707-D9CF-40AE-B4C6-C98DA3205C09}" type="datetimeFigureOut">
               <a:rPr lang="en-US" smtClean="0"/>
               <a:pPr/>
-              <a:t>5/12/2016</a:t>
+              <a:t>13-May-16</a:t>
             </a:fld>
             <a:endParaRPr lang="en-US"/>
           </a:p>
@@ -3148,18 +3171,1045 @@
   <p:clrMapOvr>
     <a:masterClrMapping/>
   </p:clrMapOvr>
-  <mc:AlternateContent xmlns:mc="http://schemas.openxmlformats.org/markup-compatibility/2006">
-    <mc:Choice xmlns:p14="http://schemas.microsoft.com/office/powerpoint/2010/main" Requires="p14">
+  <mc:AlternateContent xmlns:mc="http://schemas.openxmlformats.org/markup-compatibility/2006" xmlns:p14="http://schemas.microsoft.com/office/powerpoint/2010/main">
+    <mc:Choice Requires="p14">
       <p:transition spd="med" p14:dur="700">
         <p:fade/>
       </p:transition>
     </mc:Choice>
-    <mc:Fallback>
+    <mc:Fallback xmlns="">
       <p:transition spd="med">
         <p:fade/>
       </p:transition>
     </mc:Fallback>
   </mc:AlternateContent>
+  <p:timing>
+    <p:tnLst>
+      <p:par>
+        <p:cTn id="1" dur="indefinite" restart="never" nodeType="tmRoot"/>
+      </p:par>
+    </p:tnLst>
+  </p:timing>
+</p:sld>
+</file>
+
+<file path=ppt/slides/slide10.xml><?xml version="1.0" encoding="utf-8"?>
+<p:sld xmlns:a="http://schemas.openxmlformats.org/drawingml/2006/main" xmlns:r="http://schemas.openxmlformats.org/officeDocument/2006/relationships" xmlns:p="http://schemas.openxmlformats.org/presentationml/2006/main">
+  <p:cSld>
+    <p:spTree>
+      <p:nvGrpSpPr>
+        <p:cNvPr id="1" name=""/>
+        <p:cNvGrpSpPr/>
+        <p:nvPr/>
+      </p:nvGrpSpPr>
+      <p:grpSpPr>
+        <a:xfrm>
+          <a:off x="0" y="0"/>
+          <a:ext cx="0" cy="0"/>
+          <a:chOff x="0" y="0"/>
+          <a:chExt cx="0" cy="0"/>
+        </a:xfrm>
+      </p:grpSpPr>
+      <p:sp>
+        <p:nvSpPr>
+          <p:cNvPr id="4" name="TextBox 3"/>
+          <p:cNvSpPr txBox="1"/>
+          <p:nvPr/>
+        </p:nvSpPr>
+        <p:spPr>
+          <a:xfrm>
+            <a:off x="762000" y="457200"/>
+            <a:ext cx="6705600" cy="369332"/>
+          </a:xfrm>
+          <a:prstGeom prst="rect">
+            <a:avLst/>
+          </a:prstGeom>
+          <a:noFill/>
+        </p:spPr>
+        <p:txBody>
+          <a:bodyPr wrap="square" rtlCol="0">
+            <a:spAutoFit/>
+          </a:bodyPr>
+          <a:lstStyle/>
+          <a:p>
+            <a:r>
+              <a:rPr lang="en-US" u="sng" dirty="0" smtClean="0">
+                <a:latin typeface="Verdana" panose="020B0604030504040204" pitchFamily="34" charset="0"/>
+                <a:ea typeface="Verdana" panose="020B0604030504040204" pitchFamily="34" charset="0"/>
+                <a:cs typeface="Verdana" panose="020B0604030504040204" pitchFamily="34" charset="0"/>
+              </a:rPr>
+              <a:t>4. Data flow </a:t>
+            </a:r>
+            <a:r>
+              <a:rPr lang="en-US" u="sng" dirty="0" err="1" smtClean="0">
+                <a:latin typeface="Verdana" panose="020B0604030504040204" pitchFamily="34" charset="0"/>
+                <a:ea typeface="Verdana" panose="020B0604030504040204" pitchFamily="34" charset="0"/>
+                <a:cs typeface="Verdana" panose="020B0604030504040204" pitchFamily="34" charset="0"/>
+              </a:rPr>
+              <a:t>diagrami</a:t>
+            </a:r>
+            <a:endParaRPr lang="en-US" u="sng" dirty="0">
+              <a:latin typeface="Verdana" panose="020B0604030504040204" pitchFamily="34" charset="0"/>
+              <a:ea typeface="Verdana" panose="020B0604030504040204" pitchFamily="34" charset="0"/>
+              <a:cs typeface="Verdana" panose="020B0604030504040204" pitchFamily="34" charset="0"/>
+            </a:endParaRPr>
+          </a:p>
+        </p:txBody>
+      </p:sp>
+      <p:pic>
+        <p:nvPicPr>
+          <p:cNvPr id="5" name="Picture 4"/>
+          <p:cNvPicPr>
+            <a:picLocks noChangeAspect="1"/>
+          </p:cNvPicPr>
+          <p:nvPr/>
+        </p:nvPicPr>
+        <p:blipFill>
+          <a:blip r:embed="rId2">
+            <a:extLst>
+              <a:ext uri="{28A0092B-C50C-407E-A947-70E740481C1C}">
+                <a14:useLocalDpi xmlns:a14="http://schemas.microsoft.com/office/drawing/2010/main" val="0"/>
+              </a:ext>
+            </a:extLst>
+          </a:blip>
+          <a:stretch>
+            <a:fillRect/>
+          </a:stretch>
+        </p:blipFill>
+        <p:spPr>
+          <a:xfrm>
+            <a:off x="761999" y="1727775"/>
+            <a:ext cx="7682091" cy="4139625"/>
+          </a:xfrm>
+          <a:prstGeom prst="rect">
+            <a:avLst/>
+          </a:prstGeom>
+        </p:spPr>
+      </p:pic>
+      <p:sp>
+        <p:nvSpPr>
+          <p:cNvPr id="6" name="TextBox 5"/>
+          <p:cNvSpPr txBox="1"/>
+          <p:nvPr/>
+        </p:nvSpPr>
+        <p:spPr>
+          <a:xfrm>
+            <a:off x="914400" y="1143000"/>
+            <a:ext cx="7239000" cy="584775"/>
+          </a:xfrm>
+          <a:prstGeom prst="rect">
+            <a:avLst/>
+          </a:prstGeom>
+          <a:noFill/>
+        </p:spPr>
+        <p:txBody>
+          <a:bodyPr wrap="square" rtlCol="0">
+            <a:spAutoFit/>
+          </a:bodyPr>
+          <a:lstStyle/>
+          <a:p>
+            <a:r>
+              <a:rPr lang="en-US" sz="1600" dirty="0" smtClean="0">
+                <a:latin typeface="Verdana" panose="020B0604030504040204" pitchFamily="34" charset="0"/>
+                <a:ea typeface="Verdana" panose="020B0604030504040204" pitchFamily="34" charset="0"/>
+                <a:cs typeface="Verdana" panose="020B0604030504040204" pitchFamily="34" charset="0"/>
+              </a:rPr>
+              <a:t>Diagram </a:t>
+            </a:r>
+            <a:r>
+              <a:rPr lang="en-US" sz="1600" dirty="0" err="1" smtClean="0">
+                <a:latin typeface="Verdana" panose="020B0604030504040204" pitchFamily="34" charset="0"/>
+                <a:ea typeface="Verdana" panose="020B0604030504040204" pitchFamily="34" charset="0"/>
+                <a:cs typeface="Verdana" panose="020B0604030504040204" pitchFamily="34" charset="0"/>
+              </a:rPr>
+              <a:t>predstavlja</a:t>
+            </a:r>
+            <a:r>
+              <a:rPr lang="en-US" sz="1600" dirty="0" smtClean="0">
+                <a:latin typeface="Verdana" panose="020B0604030504040204" pitchFamily="34" charset="0"/>
+                <a:ea typeface="Verdana" panose="020B0604030504040204" pitchFamily="34" charset="0"/>
+                <a:cs typeface="Verdana" panose="020B0604030504040204" pitchFamily="34" charset="0"/>
+              </a:rPr>
+              <a:t> </a:t>
+            </a:r>
+            <a:r>
+              <a:rPr lang="en-US" sz="1600" dirty="0" err="1" smtClean="0">
+                <a:latin typeface="Verdana" panose="020B0604030504040204" pitchFamily="34" charset="0"/>
+                <a:ea typeface="Verdana" panose="020B0604030504040204" pitchFamily="34" charset="0"/>
+                <a:cs typeface="Verdana" panose="020B0604030504040204" pitchFamily="34" charset="0"/>
+              </a:rPr>
+              <a:t>pristup</a:t>
+            </a:r>
+            <a:r>
+              <a:rPr lang="en-US" sz="1600" dirty="0" smtClean="0">
+                <a:latin typeface="Verdana" panose="020B0604030504040204" pitchFamily="34" charset="0"/>
+                <a:ea typeface="Verdana" panose="020B0604030504040204" pitchFamily="34" charset="0"/>
+                <a:cs typeface="Verdana" panose="020B0604030504040204" pitchFamily="34" charset="0"/>
+              </a:rPr>
+              <a:t> </a:t>
+            </a:r>
+            <a:r>
+              <a:rPr lang="en-US" sz="1600" dirty="0" err="1" smtClean="0">
+                <a:latin typeface="Verdana" panose="020B0604030504040204" pitchFamily="34" charset="0"/>
+                <a:ea typeface="Verdana" panose="020B0604030504040204" pitchFamily="34" charset="0"/>
+                <a:cs typeface="Verdana" panose="020B0604030504040204" pitchFamily="34" charset="0"/>
+              </a:rPr>
+              <a:t>aplikaciji</a:t>
+            </a:r>
+            <a:r>
+              <a:rPr lang="en-US" sz="1600" dirty="0" smtClean="0">
+                <a:latin typeface="Verdana" panose="020B0604030504040204" pitchFamily="34" charset="0"/>
+                <a:ea typeface="Verdana" panose="020B0604030504040204" pitchFamily="34" charset="0"/>
+                <a:cs typeface="Verdana" panose="020B0604030504040204" pitchFamily="34" charset="0"/>
+              </a:rPr>
+              <a:t> </a:t>
+            </a:r>
+            <a:r>
+              <a:rPr lang="en-US" sz="1600" dirty="0" err="1" smtClean="0">
+                <a:latin typeface="Verdana" panose="020B0604030504040204" pitchFamily="34" charset="0"/>
+                <a:ea typeface="Verdana" panose="020B0604030504040204" pitchFamily="34" charset="0"/>
+                <a:cs typeface="Verdana" panose="020B0604030504040204" pitchFamily="34" charset="0"/>
+              </a:rPr>
+              <a:t>i</a:t>
+            </a:r>
+            <a:r>
+              <a:rPr lang="en-US" sz="1600" dirty="0" smtClean="0">
+                <a:latin typeface="Verdana" panose="020B0604030504040204" pitchFamily="34" charset="0"/>
+                <a:ea typeface="Verdana" panose="020B0604030504040204" pitchFamily="34" charset="0"/>
+                <a:cs typeface="Verdana" panose="020B0604030504040204" pitchFamily="34" charset="0"/>
+              </a:rPr>
+              <a:t> </a:t>
+            </a:r>
+            <a:r>
+              <a:rPr lang="en-US" sz="1600" dirty="0" err="1" smtClean="0">
+                <a:latin typeface="Verdana" panose="020B0604030504040204" pitchFamily="34" charset="0"/>
+                <a:ea typeface="Verdana" panose="020B0604030504040204" pitchFamily="34" charset="0"/>
+                <a:cs typeface="Verdana" panose="020B0604030504040204" pitchFamily="34" charset="0"/>
+              </a:rPr>
+              <a:t>kretanje</a:t>
+            </a:r>
+            <a:r>
+              <a:rPr lang="en-US" sz="1600" dirty="0" smtClean="0">
+                <a:latin typeface="Verdana" panose="020B0604030504040204" pitchFamily="34" charset="0"/>
+                <a:ea typeface="Verdana" panose="020B0604030504040204" pitchFamily="34" charset="0"/>
+                <a:cs typeface="Verdana" panose="020B0604030504040204" pitchFamily="34" charset="0"/>
+              </a:rPr>
+              <a:t> </a:t>
+            </a:r>
+            <a:r>
+              <a:rPr lang="en-US" sz="1600" dirty="0" err="1" smtClean="0">
+                <a:latin typeface="Verdana" panose="020B0604030504040204" pitchFamily="34" charset="0"/>
+                <a:ea typeface="Verdana" panose="020B0604030504040204" pitchFamily="34" charset="0"/>
+                <a:cs typeface="Verdana" panose="020B0604030504040204" pitchFamily="34" charset="0"/>
+              </a:rPr>
+              <a:t>podataka</a:t>
+            </a:r>
+            <a:r>
+              <a:rPr lang="en-US" sz="1600" dirty="0" smtClean="0">
+                <a:latin typeface="Verdana" panose="020B0604030504040204" pitchFamily="34" charset="0"/>
+                <a:ea typeface="Verdana" panose="020B0604030504040204" pitchFamily="34" charset="0"/>
+                <a:cs typeface="Verdana" panose="020B0604030504040204" pitchFamily="34" charset="0"/>
+              </a:rPr>
+              <a:t> od </a:t>
+            </a:r>
+            <a:r>
+              <a:rPr lang="en-US" sz="1600" dirty="0" err="1" smtClean="0">
+                <a:latin typeface="Verdana" panose="020B0604030504040204" pitchFamily="34" charset="0"/>
+                <a:ea typeface="Verdana" panose="020B0604030504040204" pitchFamily="34" charset="0"/>
+                <a:cs typeface="Verdana" panose="020B0604030504040204" pitchFamily="34" charset="0"/>
+              </a:rPr>
+              <a:t>trenutka</a:t>
+            </a:r>
+            <a:r>
+              <a:rPr lang="en-US" sz="1600" dirty="0" smtClean="0">
+                <a:latin typeface="Verdana" panose="020B0604030504040204" pitchFamily="34" charset="0"/>
+                <a:ea typeface="Verdana" panose="020B0604030504040204" pitchFamily="34" charset="0"/>
+                <a:cs typeface="Verdana" panose="020B0604030504040204" pitchFamily="34" charset="0"/>
+              </a:rPr>
+              <a:t> </a:t>
+            </a:r>
+            <a:r>
+              <a:rPr lang="en-US" sz="1600" dirty="0" err="1" smtClean="0">
+                <a:latin typeface="Verdana" panose="020B0604030504040204" pitchFamily="34" charset="0"/>
+                <a:ea typeface="Verdana" panose="020B0604030504040204" pitchFamily="34" charset="0"/>
+                <a:cs typeface="Verdana" panose="020B0604030504040204" pitchFamily="34" charset="0"/>
+              </a:rPr>
+              <a:t>pristupa</a:t>
+            </a:r>
+            <a:r>
+              <a:rPr lang="en-US" sz="1600" dirty="0" smtClean="0">
+                <a:latin typeface="Verdana" panose="020B0604030504040204" pitchFamily="34" charset="0"/>
+                <a:ea typeface="Verdana" panose="020B0604030504040204" pitchFamily="34" charset="0"/>
+                <a:cs typeface="Verdana" panose="020B0604030504040204" pitchFamily="34" charset="0"/>
+              </a:rPr>
+              <a:t> </a:t>
+            </a:r>
+            <a:r>
+              <a:rPr lang="en-US" sz="1600" dirty="0" err="1" smtClean="0">
+                <a:latin typeface="Verdana" panose="020B0604030504040204" pitchFamily="34" charset="0"/>
+                <a:ea typeface="Verdana" panose="020B0604030504040204" pitchFamily="34" charset="0"/>
+                <a:cs typeface="Verdana" panose="020B0604030504040204" pitchFamily="34" charset="0"/>
+              </a:rPr>
+              <a:t>i</a:t>
+            </a:r>
+            <a:r>
+              <a:rPr lang="en-US" sz="1600" dirty="0" smtClean="0">
+                <a:latin typeface="Verdana" panose="020B0604030504040204" pitchFamily="34" charset="0"/>
+                <a:ea typeface="Verdana" panose="020B0604030504040204" pitchFamily="34" charset="0"/>
+                <a:cs typeface="Verdana" panose="020B0604030504040204" pitchFamily="34" charset="0"/>
+              </a:rPr>
+              <a:t> </a:t>
+            </a:r>
+            <a:r>
+              <a:rPr lang="en-US" sz="1600" dirty="0" err="1" smtClean="0">
+                <a:latin typeface="Verdana" panose="020B0604030504040204" pitchFamily="34" charset="0"/>
+                <a:ea typeface="Verdana" panose="020B0604030504040204" pitchFamily="34" charset="0"/>
+                <a:cs typeface="Verdana" panose="020B0604030504040204" pitchFamily="34" charset="0"/>
+              </a:rPr>
+              <a:t>odgovora</a:t>
+            </a:r>
+            <a:r>
+              <a:rPr lang="en-US" sz="1600" dirty="0" smtClean="0">
+                <a:latin typeface="Verdana" panose="020B0604030504040204" pitchFamily="34" charset="0"/>
+                <a:ea typeface="Verdana" panose="020B0604030504040204" pitchFamily="34" charset="0"/>
+                <a:cs typeface="Verdana" panose="020B0604030504040204" pitchFamily="34" charset="0"/>
+              </a:rPr>
+              <a:t> </a:t>
+            </a:r>
+            <a:r>
+              <a:rPr lang="sr-Latn-RS" sz="1600" dirty="0" smtClean="0">
+                <a:latin typeface="Verdana" panose="020B0604030504040204" pitchFamily="34" charset="0"/>
+                <a:ea typeface="Verdana" panose="020B0604030504040204" pitchFamily="34" charset="0"/>
+                <a:cs typeface="Verdana" panose="020B0604030504040204" pitchFamily="34" charset="0"/>
+              </a:rPr>
+              <a:t>web aplikacije </a:t>
+            </a:r>
+            <a:r>
+              <a:rPr lang="en-US" sz="1600" dirty="0" err="1" smtClean="0">
+                <a:latin typeface="Verdana" panose="020B0604030504040204" pitchFamily="34" charset="0"/>
+                <a:ea typeface="Verdana" panose="020B0604030504040204" pitchFamily="34" charset="0"/>
+                <a:cs typeface="Verdana" panose="020B0604030504040204" pitchFamily="34" charset="0"/>
+              </a:rPr>
+              <a:t>korisniku</a:t>
+            </a:r>
+            <a:r>
+              <a:rPr lang="en-US" sz="1600" dirty="0" smtClean="0">
+                <a:latin typeface="Verdana" panose="020B0604030504040204" pitchFamily="34" charset="0"/>
+                <a:ea typeface="Verdana" panose="020B0604030504040204" pitchFamily="34" charset="0"/>
+                <a:cs typeface="Verdana" panose="020B0604030504040204" pitchFamily="34" charset="0"/>
+              </a:rPr>
+              <a:t>.</a:t>
+            </a:r>
+            <a:endParaRPr lang="en-US" sz="1600" dirty="0">
+              <a:latin typeface="Verdana" panose="020B0604030504040204" pitchFamily="34" charset="0"/>
+              <a:ea typeface="Verdana" panose="020B0604030504040204" pitchFamily="34" charset="0"/>
+              <a:cs typeface="Verdana" panose="020B0604030504040204" pitchFamily="34" charset="0"/>
+            </a:endParaRPr>
+          </a:p>
+        </p:txBody>
+      </p:sp>
+    </p:spTree>
+    <p:extLst>
+      <p:ext uri="{BB962C8B-B14F-4D97-AF65-F5344CB8AC3E}">
+        <p14:creationId xmlns:p14="http://schemas.microsoft.com/office/powerpoint/2010/main" val="2071022993"/>
+      </p:ext>
+    </p:extLst>
+  </p:cSld>
+  <p:clrMapOvr>
+    <a:masterClrMapping/>
+  </p:clrMapOvr>
+  <p:timing>
+    <p:tnLst>
+      <p:par>
+        <p:cTn id="1" dur="indefinite" restart="never" nodeType="tmRoot"/>
+      </p:par>
+    </p:tnLst>
+  </p:timing>
+</p:sld>
+</file>
+
+<file path=ppt/slides/slide11.xml><?xml version="1.0" encoding="utf-8"?>
+<p:sld xmlns:a="http://schemas.openxmlformats.org/drawingml/2006/main" xmlns:r="http://schemas.openxmlformats.org/officeDocument/2006/relationships" xmlns:p="http://schemas.openxmlformats.org/presentationml/2006/main">
+  <p:cSld>
+    <p:spTree>
+      <p:nvGrpSpPr>
+        <p:cNvPr id="1" name=""/>
+        <p:cNvGrpSpPr/>
+        <p:nvPr/>
+      </p:nvGrpSpPr>
+      <p:grpSpPr>
+        <a:xfrm>
+          <a:off x="0" y="0"/>
+          <a:ext cx="0" cy="0"/>
+          <a:chOff x="0" y="0"/>
+          <a:chExt cx="0" cy="0"/>
+        </a:xfrm>
+      </p:grpSpPr>
+      <p:pic>
+        <p:nvPicPr>
+          <p:cNvPr id="4" name="Picture 3"/>
+          <p:cNvPicPr>
+            <a:picLocks noChangeAspect="1"/>
+          </p:cNvPicPr>
+          <p:nvPr/>
+        </p:nvPicPr>
+        <p:blipFill>
+          <a:blip r:embed="rId2">
+            <a:extLst>
+              <a:ext uri="{28A0092B-C50C-407E-A947-70E740481C1C}">
+                <a14:useLocalDpi xmlns:a14="http://schemas.microsoft.com/office/drawing/2010/main" val="0"/>
+              </a:ext>
+            </a:extLst>
+          </a:blip>
+          <a:stretch>
+            <a:fillRect/>
+          </a:stretch>
+        </p:blipFill>
+        <p:spPr>
+          <a:xfrm>
+            <a:off x="798394" y="1295400"/>
+            <a:ext cx="7543800" cy="5293163"/>
+          </a:xfrm>
+          <a:prstGeom prst="rect">
+            <a:avLst/>
+          </a:prstGeom>
+        </p:spPr>
+      </p:pic>
+      <p:sp>
+        <p:nvSpPr>
+          <p:cNvPr id="5" name="TextBox 4"/>
+          <p:cNvSpPr txBox="1"/>
+          <p:nvPr/>
+        </p:nvSpPr>
+        <p:spPr>
+          <a:xfrm>
+            <a:off x="762000" y="228600"/>
+            <a:ext cx="7315200" cy="738664"/>
+          </a:xfrm>
+          <a:prstGeom prst="rect">
+            <a:avLst/>
+          </a:prstGeom>
+          <a:noFill/>
+        </p:spPr>
+        <p:txBody>
+          <a:bodyPr wrap="square" rtlCol="0">
+            <a:spAutoFit/>
+          </a:bodyPr>
+          <a:lstStyle/>
+          <a:p>
+            <a:r>
+              <a:rPr lang="en-US" sz="1400" dirty="0" smtClean="0">
+                <a:latin typeface="Verdana" panose="020B0604030504040204" pitchFamily="34" charset="0"/>
+                <a:ea typeface="Verdana" panose="020B0604030504040204" pitchFamily="34" charset="0"/>
+                <a:cs typeface="Verdana" panose="020B0604030504040204" pitchFamily="34" charset="0"/>
+              </a:rPr>
+              <a:t>Diagram </a:t>
+            </a:r>
+            <a:r>
+              <a:rPr lang="en-US" sz="1400" dirty="0" err="1" smtClean="0">
+                <a:latin typeface="Verdana" panose="020B0604030504040204" pitchFamily="34" charset="0"/>
+                <a:ea typeface="Verdana" panose="020B0604030504040204" pitchFamily="34" charset="0"/>
+                <a:cs typeface="Verdana" panose="020B0604030504040204" pitchFamily="34" charset="0"/>
+              </a:rPr>
+              <a:t>predstavlja</a:t>
+            </a:r>
+            <a:r>
+              <a:rPr lang="en-US" sz="1400" dirty="0" smtClean="0">
+                <a:latin typeface="Verdana" panose="020B0604030504040204" pitchFamily="34" charset="0"/>
+                <a:ea typeface="Verdana" panose="020B0604030504040204" pitchFamily="34" charset="0"/>
+                <a:cs typeface="Verdana" panose="020B0604030504040204" pitchFamily="34" charset="0"/>
+              </a:rPr>
+              <a:t> </a:t>
+            </a:r>
+            <a:r>
+              <a:rPr lang="en-US" sz="1400" dirty="0" err="1" smtClean="0">
+                <a:latin typeface="Verdana" panose="020B0604030504040204" pitchFamily="34" charset="0"/>
+                <a:ea typeface="Verdana" panose="020B0604030504040204" pitchFamily="34" charset="0"/>
+                <a:cs typeface="Verdana" panose="020B0604030504040204" pitchFamily="34" charset="0"/>
+              </a:rPr>
+              <a:t>pristup</a:t>
+            </a:r>
+            <a:r>
+              <a:rPr lang="en-US" sz="1400" dirty="0" smtClean="0">
+                <a:latin typeface="Verdana" panose="020B0604030504040204" pitchFamily="34" charset="0"/>
+                <a:ea typeface="Verdana" panose="020B0604030504040204" pitchFamily="34" charset="0"/>
+                <a:cs typeface="Verdana" panose="020B0604030504040204" pitchFamily="34" charset="0"/>
+              </a:rPr>
+              <a:t> </a:t>
+            </a:r>
+            <a:r>
+              <a:rPr lang="en-US" sz="1400" dirty="0" err="1" smtClean="0">
+                <a:latin typeface="Verdana" panose="020B0604030504040204" pitchFamily="34" charset="0"/>
+                <a:ea typeface="Verdana" panose="020B0604030504040204" pitchFamily="34" charset="0"/>
+                <a:cs typeface="Verdana" panose="020B0604030504040204" pitchFamily="34" charset="0"/>
+              </a:rPr>
+              <a:t>aplikaciji</a:t>
+            </a:r>
+            <a:r>
+              <a:rPr lang="en-US" sz="1400" dirty="0" smtClean="0">
+                <a:latin typeface="Verdana" panose="020B0604030504040204" pitchFamily="34" charset="0"/>
+                <a:ea typeface="Verdana" panose="020B0604030504040204" pitchFamily="34" charset="0"/>
+                <a:cs typeface="Verdana" panose="020B0604030504040204" pitchFamily="34" charset="0"/>
+              </a:rPr>
+              <a:t> od </a:t>
+            </a:r>
+            <a:r>
+              <a:rPr lang="en-US" sz="1400" dirty="0" err="1" smtClean="0">
+                <a:latin typeface="Verdana" panose="020B0604030504040204" pitchFamily="34" charset="0"/>
+                <a:ea typeface="Verdana" panose="020B0604030504040204" pitchFamily="34" charset="0"/>
+                <a:cs typeface="Verdana" panose="020B0604030504040204" pitchFamily="34" charset="0"/>
+              </a:rPr>
+              <a:t>strane</a:t>
+            </a:r>
+            <a:r>
+              <a:rPr lang="en-US" sz="1400" dirty="0" smtClean="0">
+                <a:latin typeface="Verdana" panose="020B0604030504040204" pitchFamily="34" charset="0"/>
+                <a:ea typeface="Verdana" panose="020B0604030504040204" pitchFamily="34" charset="0"/>
+                <a:cs typeface="Verdana" panose="020B0604030504040204" pitchFamily="34" charset="0"/>
+              </a:rPr>
+              <a:t> </a:t>
+            </a:r>
+            <a:r>
+              <a:rPr lang="en-US" sz="1400" dirty="0" err="1" smtClean="0">
+                <a:latin typeface="Verdana" panose="020B0604030504040204" pitchFamily="34" charset="0"/>
+                <a:ea typeface="Verdana" panose="020B0604030504040204" pitchFamily="34" charset="0"/>
+                <a:cs typeface="Verdana" panose="020B0604030504040204" pitchFamily="34" charset="0"/>
+              </a:rPr>
+              <a:t>korisnika</a:t>
+            </a:r>
+            <a:r>
+              <a:rPr lang="en-US" sz="1400" dirty="0" smtClean="0">
+                <a:latin typeface="Verdana" panose="020B0604030504040204" pitchFamily="34" charset="0"/>
+                <a:ea typeface="Verdana" panose="020B0604030504040204" pitchFamily="34" charset="0"/>
+                <a:cs typeface="Verdana" panose="020B0604030504040204" pitchFamily="34" charset="0"/>
+              </a:rPr>
+              <a:t> </a:t>
+            </a:r>
+            <a:r>
+              <a:rPr lang="en-US" sz="1400" dirty="0" err="1" smtClean="0">
+                <a:latin typeface="Verdana" panose="020B0604030504040204" pitchFamily="34" charset="0"/>
+                <a:ea typeface="Verdana" panose="020B0604030504040204" pitchFamily="34" charset="0"/>
+                <a:cs typeface="Verdana" panose="020B0604030504040204" pitchFamily="34" charset="0"/>
+              </a:rPr>
+              <a:t>koji</a:t>
+            </a:r>
+            <a:r>
+              <a:rPr lang="en-US" sz="1400" dirty="0" smtClean="0">
+                <a:latin typeface="Verdana" panose="020B0604030504040204" pitchFamily="34" charset="0"/>
+                <a:ea typeface="Verdana" panose="020B0604030504040204" pitchFamily="34" charset="0"/>
+                <a:cs typeface="Verdana" panose="020B0604030504040204" pitchFamily="34" charset="0"/>
+              </a:rPr>
+              <a:t> </a:t>
+            </a:r>
+            <a:r>
+              <a:rPr lang="en-US" sz="1400" dirty="0" err="1" smtClean="0">
+                <a:latin typeface="Verdana" panose="020B0604030504040204" pitchFamily="34" charset="0"/>
+                <a:ea typeface="Verdana" panose="020B0604030504040204" pitchFamily="34" charset="0"/>
+                <a:cs typeface="Verdana" panose="020B0604030504040204" pitchFamily="34" charset="0"/>
+              </a:rPr>
+              <a:t>mogu</a:t>
+            </a:r>
+            <a:r>
+              <a:rPr lang="en-US" sz="1400" dirty="0" smtClean="0">
+                <a:latin typeface="Verdana" panose="020B0604030504040204" pitchFamily="34" charset="0"/>
+                <a:ea typeface="Verdana" panose="020B0604030504040204" pitchFamily="34" charset="0"/>
+                <a:cs typeface="Verdana" panose="020B0604030504040204" pitchFamily="34" charset="0"/>
+              </a:rPr>
+              <a:t> da se </a:t>
+            </a:r>
+            <a:r>
+              <a:rPr lang="en-US" sz="1400" dirty="0" err="1" smtClean="0">
+                <a:latin typeface="Verdana" panose="020B0604030504040204" pitchFamily="34" charset="0"/>
+                <a:ea typeface="Verdana" panose="020B0604030504040204" pitchFamily="34" charset="0"/>
+                <a:cs typeface="Verdana" panose="020B0604030504040204" pitchFamily="34" charset="0"/>
+              </a:rPr>
+              <a:t>uloguju</a:t>
+            </a:r>
+            <a:r>
+              <a:rPr lang="en-US" sz="1400" dirty="0" smtClean="0">
+                <a:latin typeface="Verdana" panose="020B0604030504040204" pitchFamily="34" charset="0"/>
+                <a:ea typeface="Verdana" panose="020B0604030504040204" pitchFamily="34" charset="0"/>
+                <a:cs typeface="Verdana" panose="020B0604030504040204" pitchFamily="34" charset="0"/>
+              </a:rPr>
+              <a:t> </a:t>
+            </a:r>
+            <a:r>
+              <a:rPr lang="en-US" sz="1400" dirty="0" err="1" smtClean="0">
+                <a:latin typeface="Verdana" panose="020B0604030504040204" pitchFamily="34" charset="0"/>
+                <a:ea typeface="Verdana" panose="020B0604030504040204" pitchFamily="34" charset="0"/>
+                <a:cs typeface="Verdana" panose="020B0604030504040204" pitchFamily="34" charset="0"/>
+              </a:rPr>
+              <a:t>i</a:t>
+            </a:r>
+            <a:r>
+              <a:rPr lang="en-US" sz="1400" dirty="0" smtClean="0">
+                <a:latin typeface="Verdana" panose="020B0604030504040204" pitchFamily="34" charset="0"/>
+                <a:ea typeface="Verdana" panose="020B0604030504040204" pitchFamily="34" charset="0"/>
+                <a:cs typeface="Verdana" panose="020B0604030504040204" pitchFamily="34" charset="0"/>
+              </a:rPr>
+              <a:t> </a:t>
+            </a:r>
+            <a:r>
+              <a:rPr lang="en-US" sz="1400" dirty="0" err="1" smtClean="0">
+                <a:latin typeface="Verdana" panose="020B0604030504040204" pitchFamily="34" charset="0"/>
+                <a:ea typeface="Verdana" panose="020B0604030504040204" pitchFamily="34" charset="0"/>
+                <a:cs typeface="Verdana" panose="020B0604030504040204" pitchFamily="34" charset="0"/>
+              </a:rPr>
+              <a:t>slanje</a:t>
+            </a:r>
+            <a:r>
+              <a:rPr lang="en-US" sz="1400" dirty="0" smtClean="0">
+                <a:latin typeface="Verdana" panose="020B0604030504040204" pitchFamily="34" charset="0"/>
+                <a:ea typeface="Verdana" panose="020B0604030504040204" pitchFamily="34" charset="0"/>
+                <a:cs typeface="Verdana" panose="020B0604030504040204" pitchFamily="34" charset="0"/>
+              </a:rPr>
+              <a:t> </a:t>
+            </a:r>
+            <a:r>
+              <a:rPr lang="en-US" sz="1400" dirty="0" err="1" smtClean="0">
+                <a:latin typeface="Verdana" panose="020B0604030504040204" pitchFamily="34" charset="0"/>
+                <a:ea typeface="Verdana" panose="020B0604030504040204" pitchFamily="34" charset="0"/>
+                <a:cs typeface="Verdana" panose="020B0604030504040204" pitchFamily="34" charset="0"/>
+              </a:rPr>
+              <a:t>kredencijala</a:t>
+            </a:r>
+            <a:r>
+              <a:rPr lang="en-US" sz="1400" dirty="0" smtClean="0">
+                <a:latin typeface="Verdana" panose="020B0604030504040204" pitchFamily="34" charset="0"/>
+                <a:ea typeface="Verdana" panose="020B0604030504040204" pitchFamily="34" charset="0"/>
+                <a:cs typeface="Verdana" panose="020B0604030504040204" pitchFamily="34" charset="0"/>
+              </a:rPr>
+              <a:t>. </a:t>
+            </a:r>
+            <a:r>
+              <a:rPr lang="en-US" sz="1400" dirty="0" err="1" smtClean="0">
+                <a:latin typeface="Verdana" panose="020B0604030504040204" pitchFamily="34" charset="0"/>
+                <a:ea typeface="Verdana" panose="020B0604030504040204" pitchFamily="34" charset="0"/>
+                <a:cs typeface="Verdana" panose="020B0604030504040204" pitchFamily="34" charset="0"/>
+              </a:rPr>
+              <a:t>Nakon</a:t>
+            </a:r>
+            <a:r>
+              <a:rPr lang="en-US" sz="1400" dirty="0" smtClean="0">
+                <a:latin typeface="Verdana" panose="020B0604030504040204" pitchFamily="34" charset="0"/>
+                <a:ea typeface="Verdana" panose="020B0604030504040204" pitchFamily="34" charset="0"/>
+                <a:cs typeface="Verdana" panose="020B0604030504040204" pitchFamily="34" charset="0"/>
+              </a:rPr>
+              <a:t> </a:t>
+            </a:r>
+            <a:r>
+              <a:rPr lang="en-US" sz="1400" dirty="0" err="1" smtClean="0">
+                <a:latin typeface="Verdana" panose="020B0604030504040204" pitchFamily="34" charset="0"/>
+                <a:ea typeface="Verdana" panose="020B0604030504040204" pitchFamily="34" charset="0"/>
+                <a:cs typeface="Verdana" panose="020B0604030504040204" pitchFamily="34" charset="0"/>
+              </a:rPr>
+              <a:t>odgovora</a:t>
+            </a:r>
+            <a:r>
+              <a:rPr lang="en-US" sz="1400" dirty="0" smtClean="0">
+                <a:latin typeface="Verdana" panose="020B0604030504040204" pitchFamily="34" charset="0"/>
+                <a:ea typeface="Verdana" panose="020B0604030504040204" pitchFamily="34" charset="0"/>
+                <a:cs typeface="Verdana" panose="020B0604030504040204" pitchFamily="34" charset="0"/>
+              </a:rPr>
+              <a:t> Login </a:t>
+            </a:r>
+            <a:r>
+              <a:rPr lang="en-US" sz="1400" dirty="0" err="1" smtClean="0">
+                <a:latin typeface="Verdana" panose="020B0604030504040204" pitchFamily="34" charset="0"/>
+                <a:ea typeface="Verdana" panose="020B0604030504040204" pitchFamily="34" charset="0"/>
+                <a:cs typeface="Verdana" panose="020B0604030504040204" pitchFamily="34" charset="0"/>
+              </a:rPr>
+              <a:t>servisa</a:t>
+            </a:r>
+            <a:r>
+              <a:rPr lang="sr-Latn-RS" sz="1400" dirty="0">
+                <a:latin typeface="Verdana" panose="020B0604030504040204" pitchFamily="34" charset="0"/>
+                <a:ea typeface="Verdana" panose="020B0604030504040204" pitchFamily="34" charset="0"/>
+                <a:cs typeface="Verdana" panose="020B0604030504040204" pitchFamily="34" charset="0"/>
+              </a:rPr>
+              <a:t> </a:t>
+            </a:r>
+            <a:r>
+              <a:rPr lang="sr-Latn-RS" sz="1400" dirty="0" smtClean="0">
+                <a:latin typeface="Verdana" panose="020B0604030504040204" pitchFamily="34" charset="0"/>
+                <a:ea typeface="Verdana" panose="020B0604030504040204" pitchFamily="34" charset="0"/>
+                <a:cs typeface="Verdana" panose="020B0604030504040204" pitchFamily="34" charset="0"/>
+              </a:rPr>
+              <a:t>aplikacija </a:t>
+            </a:r>
+            <a:r>
+              <a:rPr lang="en-US" sz="1400" dirty="0" err="1" smtClean="0">
+                <a:latin typeface="Verdana" panose="020B0604030504040204" pitchFamily="34" charset="0"/>
+                <a:ea typeface="Verdana" panose="020B0604030504040204" pitchFamily="34" charset="0"/>
+                <a:cs typeface="Verdana" panose="020B0604030504040204" pitchFamily="34" charset="0"/>
+              </a:rPr>
+              <a:t>preusmerava</a:t>
+            </a:r>
+            <a:r>
+              <a:rPr lang="en-US" sz="1400" dirty="0" smtClean="0">
+                <a:latin typeface="Verdana" panose="020B0604030504040204" pitchFamily="34" charset="0"/>
+                <a:ea typeface="Verdana" panose="020B0604030504040204" pitchFamily="34" charset="0"/>
+                <a:cs typeface="Verdana" panose="020B0604030504040204" pitchFamily="34" charset="0"/>
+              </a:rPr>
+              <a:t> </a:t>
+            </a:r>
+            <a:r>
+              <a:rPr lang="en-US" sz="1400" dirty="0" err="1" smtClean="0">
+                <a:latin typeface="Verdana" panose="020B0604030504040204" pitchFamily="34" charset="0"/>
+                <a:ea typeface="Verdana" panose="020B0604030504040204" pitchFamily="34" charset="0"/>
+                <a:cs typeface="Verdana" panose="020B0604030504040204" pitchFamily="34" charset="0"/>
+              </a:rPr>
+              <a:t>dalje</a:t>
+            </a:r>
+            <a:r>
+              <a:rPr lang="en-US" sz="1400" dirty="0" smtClean="0">
+                <a:latin typeface="Verdana" panose="020B0604030504040204" pitchFamily="34" charset="0"/>
+                <a:ea typeface="Verdana" panose="020B0604030504040204" pitchFamily="34" charset="0"/>
+                <a:cs typeface="Verdana" panose="020B0604030504040204" pitchFamily="34" charset="0"/>
+              </a:rPr>
+              <a:t> </a:t>
+            </a:r>
+            <a:r>
+              <a:rPr lang="sr-Latn-RS" sz="1400" dirty="0" smtClean="0">
+                <a:latin typeface="Verdana" panose="020B0604030504040204" pitchFamily="34" charset="0"/>
+                <a:ea typeface="Verdana" panose="020B0604030504040204" pitchFamily="34" charset="0"/>
+                <a:cs typeface="Verdana" panose="020B0604030504040204" pitchFamily="34" charset="0"/>
+              </a:rPr>
+              <a:t>rad aplikacije.</a:t>
+            </a:r>
+            <a:endParaRPr lang="en-US" sz="1400" dirty="0">
+              <a:latin typeface="Verdana" panose="020B0604030504040204" pitchFamily="34" charset="0"/>
+              <a:ea typeface="Verdana" panose="020B0604030504040204" pitchFamily="34" charset="0"/>
+              <a:cs typeface="Verdana" panose="020B0604030504040204" pitchFamily="34" charset="0"/>
+            </a:endParaRPr>
+          </a:p>
+        </p:txBody>
+      </p:sp>
+    </p:spTree>
+    <p:extLst>
+      <p:ext uri="{BB962C8B-B14F-4D97-AF65-F5344CB8AC3E}">
+        <p14:creationId xmlns:p14="http://schemas.microsoft.com/office/powerpoint/2010/main" val="2902391099"/>
+      </p:ext>
+    </p:extLst>
+  </p:cSld>
+  <p:clrMapOvr>
+    <a:masterClrMapping/>
+  </p:clrMapOvr>
+  <p:timing>
+    <p:tnLst>
+      <p:par>
+        <p:cTn id="1" dur="indefinite" restart="never" nodeType="tmRoot"/>
+      </p:par>
+    </p:tnLst>
+  </p:timing>
+</p:sld>
+</file>
+
+<file path=ppt/slides/slide12.xml><?xml version="1.0" encoding="utf-8"?>
+<p:sld xmlns:a="http://schemas.openxmlformats.org/drawingml/2006/main" xmlns:r="http://schemas.openxmlformats.org/officeDocument/2006/relationships" xmlns:p="http://schemas.openxmlformats.org/presentationml/2006/main">
+  <p:cSld>
+    <p:spTree>
+      <p:nvGrpSpPr>
+        <p:cNvPr id="1" name=""/>
+        <p:cNvGrpSpPr/>
+        <p:nvPr/>
+      </p:nvGrpSpPr>
+      <p:grpSpPr>
+        <a:xfrm>
+          <a:off x="0" y="0"/>
+          <a:ext cx="0" cy="0"/>
+          <a:chOff x="0" y="0"/>
+          <a:chExt cx="0" cy="0"/>
+        </a:xfrm>
+      </p:grpSpPr>
+      <p:pic>
+        <p:nvPicPr>
+          <p:cNvPr id="4" name="Picture 3"/>
+          <p:cNvPicPr>
+            <a:picLocks noChangeAspect="1"/>
+          </p:cNvPicPr>
+          <p:nvPr/>
+        </p:nvPicPr>
+        <p:blipFill>
+          <a:blip r:embed="rId2">
+            <a:extLst>
+              <a:ext uri="{28A0092B-C50C-407E-A947-70E740481C1C}">
+                <a14:useLocalDpi xmlns:a14="http://schemas.microsoft.com/office/drawing/2010/main" val="0"/>
+              </a:ext>
+            </a:extLst>
+          </a:blip>
+          <a:stretch>
+            <a:fillRect/>
+          </a:stretch>
+        </p:blipFill>
+        <p:spPr>
+          <a:xfrm>
+            <a:off x="762000" y="1524000"/>
+            <a:ext cx="7662352" cy="4724400"/>
+          </a:xfrm>
+          <a:prstGeom prst="rect">
+            <a:avLst/>
+          </a:prstGeom>
+        </p:spPr>
+      </p:pic>
+      <p:sp>
+        <p:nvSpPr>
+          <p:cNvPr id="5" name="TextBox 4"/>
+          <p:cNvSpPr txBox="1"/>
+          <p:nvPr/>
+        </p:nvSpPr>
+        <p:spPr>
+          <a:xfrm>
+            <a:off x="762000" y="457200"/>
+            <a:ext cx="7467600" cy="523220"/>
+          </a:xfrm>
+          <a:prstGeom prst="rect">
+            <a:avLst/>
+          </a:prstGeom>
+          <a:noFill/>
+        </p:spPr>
+        <p:txBody>
+          <a:bodyPr wrap="square" rtlCol="0">
+            <a:spAutoFit/>
+          </a:bodyPr>
+          <a:lstStyle/>
+          <a:p>
+            <a:r>
+              <a:rPr lang="sr-Latn-RS" sz="1400" dirty="0" smtClean="0">
+                <a:latin typeface="Verdana" panose="020B0604030504040204" pitchFamily="34" charset="0"/>
+                <a:ea typeface="Verdana" panose="020B0604030504040204" pitchFamily="34" charset="0"/>
+                <a:cs typeface="Verdana" panose="020B0604030504040204" pitchFamily="34" charset="0"/>
+              </a:rPr>
+              <a:t>Diagram pokazuje tok podataka kada običan korisnik pristupi web aplikaciji i prikaz podataka koji se dobije sa baze.</a:t>
+            </a:r>
+            <a:endParaRPr lang="en-US" sz="1400" dirty="0">
+              <a:latin typeface="Verdana" panose="020B0604030504040204" pitchFamily="34" charset="0"/>
+              <a:ea typeface="Verdana" panose="020B0604030504040204" pitchFamily="34" charset="0"/>
+              <a:cs typeface="Verdana" panose="020B0604030504040204" pitchFamily="34" charset="0"/>
+            </a:endParaRPr>
+          </a:p>
+        </p:txBody>
+      </p:sp>
+    </p:spTree>
+    <p:extLst>
+      <p:ext uri="{BB962C8B-B14F-4D97-AF65-F5344CB8AC3E}">
+        <p14:creationId xmlns:p14="http://schemas.microsoft.com/office/powerpoint/2010/main" val="1168503168"/>
+      </p:ext>
+    </p:extLst>
+  </p:cSld>
+  <p:clrMapOvr>
+    <a:masterClrMapping/>
+  </p:clrMapOvr>
+  <p:timing>
+    <p:tnLst>
+      <p:par>
+        <p:cTn id="1" dur="indefinite" restart="never" nodeType="tmRoot"/>
+      </p:par>
+    </p:tnLst>
+  </p:timing>
+</p:sld>
+</file>
+
+<file path=ppt/slides/slide13.xml><?xml version="1.0" encoding="utf-8"?>
+<p:sld xmlns:a="http://schemas.openxmlformats.org/drawingml/2006/main" xmlns:r="http://schemas.openxmlformats.org/officeDocument/2006/relationships" xmlns:p="http://schemas.openxmlformats.org/presentationml/2006/main">
+  <p:cSld>
+    <p:spTree>
+      <p:nvGrpSpPr>
+        <p:cNvPr id="1" name=""/>
+        <p:cNvGrpSpPr/>
+        <p:nvPr/>
+      </p:nvGrpSpPr>
+      <p:grpSpPr>
+        <a:xfrm>
+          <a:off x="0" y="0"/>
+          <a:ext cx="0" cy="0"/>
+          <a:chOff x="0" y="0"/>
+          <a:chExt cx="0" cy="0"/>
+        </a:xfrm>
+      </p:grpSpPr>
+      <p:pic>
+        <p:nvPicPr>
+          <p:cNvPr id="4" name="Picture 3"/>
+          <p:cNvPicPr>
+            <a:picLocks noChangeAspect="1"/>
+          </p:cNvPicPr>
+          <p:nvPr/>
+        </p:nvPicPr>
+        <p:blipFill>
+          <a:blip r:embed="rId2">
+            <a:extLst>
+              <a:ext uri="{28A0092B-C50C-407E-A947-70E740481C1C}">
+                <a14:useLocalDpi xmlns:a14="http://schemas.microsoft.com/office/drawing/2010/main" val="0"/>
+              </a:ext>
+            </a:extLst>
+          </a:blip>
+          <a:stretch>
+            <a:fillRect/>
+          </a:stretch>
+        </p:blipFill>
+        <p:spPr>
+          <a:xfrm>
+            <a:off x="838200" y="990600"/>
+            <a:ext cx="7538988" cy="4953000"/>
+          </a:xfrm>
+          <a:prstGeom prst="rect">
+            <a:avLst/>
+          </a:prstGeom>
+        </p:spPr>
+      </p:pic>
+      <p:sp>
+        <p:nvSpPr>
+          <p:cNvPr id="5" name="TextBox 4"/>
+          <p:cNvSpPr txBox="1"/>
+          <p:nvPr/>
+        </p:nvSpPr>
+        <p:spPr>
+          <a:xfrm>
+            <a:off x="838200" y="304800"/>
+            <a:ext cx="7467600" cy="523220"/>
+          </a:xfrm>
+          <a:prstGeom prst="rect">
+            <a:avLst/>
+          </a:prstGeom>
+          <a:noFill/>
+        </p:spPr>
+        <p:txBody>
+          <a:bodyPr wrap="square" rtlCol="0">
+            <a:spAutoFit/>
+          </a:bodyPr>
+          <a:lstStyle/>
+          <a:p>
+            <a:r>
+              <a:rPr lang="sr-Latn-RS" sz="1400" dirty="0" smtClean="0">
+                <a:latin typeface="Verdana" panose="020B0604030504040204" pitchFamily="34" charset="0"/>
+                <a:ea typeface="Verdana" panose="020B0604030504040204" pitchFamily="34" charset="0"/>
+                <a:cs typeface="Verdana" panose="020B0604030504040204" pitchFamily="34" charset="0"/>
+              </a:rPr>
+              <a:t>Diagram pokazuje tok podataka kada ulogovani odbornik zatraži resurse sa baze i kada želi da predloži novi amandman ili akt. </a:t>
+            </a:r>
+            <a:endParaRPr lang="en-US" sz="1400" dirty="0">
+              <a:latin typeface="Verdana" panose="020B0604030504040204" pitchFamily="34" charset="0"/>
+              <a:ea typeface="Verdana" panose="020B0604030504040204" pitchFamily="34" charset="0"/>
+              <a:cs typeface="Verdana" panose="020B0604030504040204" pitchFamily="34" charset="0"/>
+            </a:endParaRPr>
+          </a:p>
+        </p:txBody>
+      </p:sp>
+    </p:spTree>
+    <p:extLst>
+      <p:ext uri="{BB962C8B-B14F-4D97-AF65-F5344CB8AC3E}">
+        <p14:creationId xmlns:p14="http://schemas.microsoft.com/office/powerpoint/2010/main" val="2022975913"/>
+      </p:ext>
+    </p:extLst>
+  </p:cSld>
+  <p:clrMapOvr>
+    <a:masterClrMapping/>
+  </p:clrMapOvr>
+  <p:timing>
+    <p:tnLst>
+      <p:par>
+        <p:cTn id="1" dur="indefinite" restart="never" nodeType="tmRoot"/>
+      </p:par>
+    </p:tnLst>
+  </p:timing>
+</p:sld>
+</file>
+
+<file path=ppt/slides/slide14.xml><?xml version="1.0" encoding="utf-8"?>
+<p:sld xmlns:a="http://schemas.openxmlformats.org/drawingml/2006/main" xmlns:r="http://schemas.openxmlformats.org/officeDocument/2006/relationships" xmlns:p="http://schemas.openxmlformats.org/presentationml/2006/main">
+  <p:cSld>
+    <p:spTree>
+      <p:nvGrpSpPr>
+        <p:cNvPr id="1" name=""/>
+        <p:cNvGrpSpPr/>
+        <p:nvPr/>
+      </p:nvGrpSpPr>
+      <p:grpSpPr>
+        <a:xfrm>
+          <a:off x="0" y="0"/>
+          <a:ext cx="0" cy="0"/>
+          <a:chOff x="0" y="0"/>
+          <a:chExt cx="0" cy="0"/>
+        </a:xfrm>
+      </p:grpSpPr>
+      <p:pic>
+        <p:nvPicPr>
+          <p:cNvPr id="2" name="Picture 1"/>
+          <p:cNvPicPr>
+            <a:picLocks noChangeAspect="1"/>
+          </p:cNvPicPr>
+          <p:nvPr/>
+        </p:nvPicPr>
+        <p:blipFill>
+          <a:blip r:embed="rId2">
+            <a:extLst>
+              <a:ext uri="{28A0092B-C50C-407E-A947-70E740481C1C}">
+                <a14:useLocalDpi xmlns:a14="http://schemas.microsoft.com/office/drawing/2010/main" val="0"/>
+              </a:ext>
+            </a:extLst>
+          </a:blip>
+          <a:stretch>
+            <a:fillRect/>
+          </a:stretch>
+        </p:blipFill>
+        <p:spPr>
+          <a:xfrm>
+            <a:off x="685800" y="1371600"/>
+            <a:ext cx="7774846" cy="4495800"/>
+          </a:xfrm>
+          <a:prstGeom prst="rect">
+            <a:avLst/>
+          </a:prstGeom>
+        </p:spPr>
+      </p:pic>
+      <p:sp>
+        <p:nvSpPr>
+          <p:cNvPr id="3" name="TextBox 2"/>
+          <p:cNvSpPr txBox="1"/>
+          <p:nvPr/>
+        </p:nvSpPr>
+        <p:spPr>
+          <a:xfrm>
+            <a:off x="685800" y="381000"/>
+            <a:ext cx="7543800" cy="738664"/>
+          </a:xfrm>
+          <a:prstGeom prst="rect">
+            <a:avLst/>
+          </a:prstGeom>
+          <a:noFill/>
+        </p:spPr>
+        <p:txBody>
+          <a:bodyPr wrap="square" rtlCol="0">
+            <a:spAutoFit/>
+          </a:bodyPr>
+          <a:lstStyle/>
+          <a:p>
+            <a:r>
+              <a:rPr lang="sr-Latn-RS" sz="1400" dirty="0" smtClean="0">
+                <a:latin typeface="Verdana" panose="020B0604030504040204" pitchFamily="34" charset="0"/>
+                <a:ea typeface="Verdana" panose="020B0604030504040204" pitchFamily="34" charset="0"/>
+                <a:cs typeface="Verdana" panose="020B0604030504040204" pitchFamily="34" charset="0"/>
+              </a:rPr>
+              <a:t>Diagram predstavlja tok podataka kada se ulogovani predsednik skupštine obrati web aplikaciji i kada pregleda predložene amandmane ili akte i kada odlučuje da li će biti prihvaćeni ili ne.</a:t>
+            </a:r>
+            <a:endParaRPr lang="en-US" sz="1400" dirty="0">
+              <a:latin typeface="Verdana" panose="020B0604030504040204" pitchFamily="34" charset="0"/>
+              <a:ea typeface="Verdana" panose="020B0604030504040204" pitchFamily="34" charset="0"/>
+              <a:cs typeface="Verdana" panose="020B0604030504040204" pitchFamily="34" charset="0"/>
+            </a:endParaRPr>
+          </a:p>
+        </p:txBody>
+      </p:sp>
+    </p:spTree>
+    <p:extLst>
+      <p:ext uri="{BB962C8B-B14F-4D97-AF65-F5344CB8AC3E}">
+        <p14:creationId xmlns:p14="http://schemas.microsoft.com/office/powerpoint/2010/main" val="3795377931"/>
+      </p:ext>
+    </p:extLst>
+  </p:cSld>
+  <p:clrMapOvr>
+    <a:masterClrMapping/>
+  </p:clrMapOvr>
   <p:timing>
     <p:tnLst>
       <p:par>
@@ -4215,13 +5265,13 @@
   <p:clrMapOvr>
     <a:masterClrMapping/>
   </p:clrMapOvr>
-  <mc:AlternateContent xmlns:mc="http://schemas.openxmlformats.org/markup-compatibility/2006">
-    <mc:Choice xmlns:p14="http://schemas.microsoft.com/office/powerpoint/2010/main" Requires="p14">
+  <mc:AlternateContent xmlns:mc="http://schemas.openxmlformats.org/markup-compatibility/2006" xmlns:p14="http://schemas.microsoft.com/office/powerpoint/2010/main">
+    <mc:Choice Requires="p14">
       <p:transition spd="med" p14:dur="700">
         <p:fade/>
       </p:transition>
     </mc:Choice>
-    <mc:Fallback>
+    <mc:Fallback xmlns="">
       <p:transition spd="med">
         <p:fade/>
       </p:transition>
@@ -5303,13 +6353,13 @@
   <p:clrMapOvr>
     <a:masterClrMapping/>
   </p:clrMapOvr>
-  <mc:AlternateContent xmlns:mc="http://schemas.openxmlformats.org/markup-compatibility/2006">
-    <mc:Choice xmlns:p14="http://schemas.microsoft.com/office/powerpoint/2010/main" Requires="p14">
+  <mc:AlternateContent xmlns:mc="http://schemas.openxmlformats.org/markup-compatibility/2006" xmlns:p14="http://schemas.microsoft.com/office/powerpoint/2010/main">
+    <mc:Choice Requires="p14">
       <p:transition spd="med" p14:dur="700">
         <p:fade/>
       </p:transition>
     </mc:Choice>
-    <mc:Fallback>
+    <mc:Fallback xmlns="">
       <p:transition spd="med">
         <p:fade/>
       </p:transition>
@@ -5956,13 +7006,13 @@
   <p:clrMapOvr>
     <a:masterClrMapping/>
   </p:clrMapOvr>
-  <mc:AlternateContent xmlns:mc="http://schemas.openxmlformats.org/markup-compatibility/2006">
-    <mc:Choice xmlns:p14="http://schemas.microsoft.com/office/powerpoint/2010/main" Requires="p14">
+  <mc:AlternateContent xmlns:mc="http://schemas.openxmlformats.org/markup-compatibility/2006" xmlns:p14="http://schemas.microsoft.com/office/powerpoint/2010/main">
+    <mc:Choice Requires="p14">
       <p:transition spd="med" p14:dur="700">
         <p:fade/>
       </p:transition>
     </mc:Choice>
-    <mc:Fallback>
+    <mc:Fallback xmlns="">
       <p:transition spd="med">
         <p:fade/>
       </p:transition>
@@ -7616,13 +8666,13 @@
   <p:clrMapOvr>
     <a:masterClrMapping/>
   </p:clrMapOvr>
-  <mc:AlternateContent xmlns:mc="http://schemas.openxmlformats.org/markup-compatibility/2006">
-    <mc:Choice xmlns:p14="http://schemas.microsoft.com/office/powerpoint/2010/main" Requires="p14">
+  <mc:AlternateContent xmlns:mc="http://schemas.openxmlformats.org/markup-compatibility/2006" xmlns:p14="http://schemas.microsoft.com/office/powerpoint/2010/main">
+    <mc:Choice Requires="p14">
       <p:transition spd="med" p14:dur="700">
         <p:fade/>
       </p:transition>
     </mc:Choice>
-    <mc:Fallback>
+    <mc:Fallback xmlns="">
       <p:transition spd="med">
         <p:fade/>
       </p:transition>
@@ -9390,13 +10440,13 @@
   <p:clrMapOvr>
     <a:masterClrMapping/>
   </p:clrMapOvr>
-  <mc:AlternateContent xmlns:mc="http://schemas.openxmlformats.org/markup-compatibility/2006">
-    <mc:Choice xmlns:p14="http://schemas.microsoft.com/office/powerpoint/2010/main" Requires="p14">
+  <mc:AlternateContent xmlns:mc="http://schemas.openxmlformats.org/markup-compatibility/2006" xmlns:p14="http://schemas.microsoft.com/office/powerpoint/2010/main">
+    <mc:Choice Requires="p14">
       <p:transition spd="med" p14:dur="700">
         <p:fade/>
       </p:transition>
     </mc:Choice>
-    <mc:Fallback>
+    <mc:Fallback xmlns="">
       <p:transition spd="med">
         <p:fade/>
       </p:transition>
@@ -10589,18 +11639,6 @@
                     <a:p>
                       <a:pPr algn="l"/>
                       <a:r>
-                        <a:rPr kumimoji="0" lang="en-US" sz="1600" kern="1200" smtClean="0">
-                          <a:solidFill>
-                            <a:schemeClr val="dk1"/>
-                          </a:solidFill>
-                          <a:effectLst/>
-                          <a:latin typeface="Verdana" panose="020B0604030504040204" pitchFamily="34" charset="0"/>
-                          <a:ea typeface="Verdana" panose="020B0604030504040204" pitchFamily="34" charset="0"/>
-                          <a:cs typeface="Verdana" panose="020B0604030504040204" pitchFamily="34" charset="0"/>
-                        </a:rPr>
-                        <a:t>4</a:t>
-                      </a:r>
-                      <a:r>
                         <a:rPr kumimoji="0" lang="en-US" sz="1600" kern="1200" dirty="0" smtClean="0">
                           <a:solidFill>
                             <a:schemeClr val="dk1"/>
@@ -10610,7 +11648,7 @@
                           <a:ea typeface="Verdana" panose="020B0604030504040204" pitchFamily="34" charset="0"/>
                           <a:cs typeface="Verdana" panose="020B0604030504040204" pitchFamily="34" charset="0"/>
                         </a:rPr>
-                        <a:t>.   </a:t>
+                        <a:t>4.   </a:t>
                       </a:r>
                       <a:r>
                         <a:rPr kumimoji="0" lang="en-US" sz="1600" kern="1200" dirty="0" err="1" smtClean="0">
@@ -10720,18 +11758,3950 @@
   <p:clrMapOvr>
     <a:masterClrMapping/>
   </p:clrMapOvr>
-  <mc:AlternateContent xmlns:mc="http://schemas.openxmlformats.org/markup-compatibility/2006">
-    <mc:Choice xmlns:p14="http://schemas.microsoft.com/office/powerpoint/2010/main" Requires="p14">
+  <mc:AlternateContent xmlns:mc="http://schemas.openxmlformats.org/markup-compatibility/2006" xmlns:p14="http://schemas.microsoft.com/office/powerpoint/2010/main">
+    <mc:Choice Requires="p14">
       <p:transition spd="med" p14:dur="700">
         <p:fade/>
       </p:transition>
     </mc:Choice>
-    <mc:Fallback>
+    <mc:Fallback xmlns="">
       <p:transition spd="med">
         <p:fade/>
       </p:transition>
     </mc:Fallback>
   </mc:AlternateContent>
+  <p:timing>
+    <p:tnLst>
+      <p:par>
+        <p:cTn id="1" dur="indefinite" restart="never" nodeType="tmRoot"/>
+      </p:par>
+    </p:tnLst>
+  </p:timing>
+</p:sld>
+</file>
+
+<file path=ppt/slides/slide8.xml><?xml version="1.0" encoding="utf-8"?>
+<p:sld xmlns:a="http://schemas.openxmlformats.org/drawingml/2006/main" xmlns:r="http://schemas.openxmlformats.org/officeDocument/2006/relationships" xmlns:p="http://schemas.openxmlformats.org/presentationml/2006/main">
+  <p:cSld>
+    <p:spTree>
+      <p:nvGrpSpPr>
+        <p:cNvPr id="1" name=""/>
+        <p:cNvGrpSpPr/>
+        <p:nvPr/>
+      </p:nvGrpSpPr>
+      <p:grpSpPr>
+        <a:xfrm>
+          <a:off x="0" y="0"/>
+          <a:ext cx="0" cy="0"/>
+          <a:chOff x="0" y="0"/>
+          <a:chExt cx="0" cy="0"/>
+        </a:xfrm>
+      </p:grpSpPr>
+      <p:sp>
+        <p:nvSpPr>
+          <p:cNvPr id="5" name="TextBox 4"/>
+          <p:cNvSpPr txBox="1"/>
+          <p:nvPr/>
+        </p:nvSpPr>
+        <p:spPr>
+          <a:xfrm>
+            <a:off x="762000" y="304800"/>
+            <a:ext cx="7620000" cy="369332"/>
+          </a:xfrm>
+          <a:prstGeom prst="rect">
+            <a:avLst/>
+          </a:prstGeom>
+          <a:noFill/>
+        </p:spPr>
+        <p:txBody>
+          <a:bodyPr wrap="square" rtlCol="0">
+            <a:spAutoFit/>
+          </a:bodyPr>
+          <a:lstStyle/>
+          <a:p>
+            <a:r>
+              <a:rPr lang="en-US" u="sng" dirty="0" smtClean="0">
+                <a:latin typeface="Verdana" panose="020B0604030504040204" pitchFamily="34" charset="0"/>
+                <a:ea typeface="Verdana" panose="020B0604030504040204" pitchFamily="34" charset="0"/>
+                <a:cs typeface="Verdana" panose="020B0604030504040204" pitchFamily="34" charset="0"/>
+              </a:rPr>
+              <a:t>3</a:t>
+            </a:r>
+            <a:r>
+              <a:rPr lang="sr-Latn-RS" u="sng" dirty="0" smtClean="0">
+                <a:latin typeface="Verdana" panose="020B0604030504040204" pitchFamily="34" charset="0"/>
+                <a:ea typeface="Verdana" panose="020B0604030504040204" pitchFamily="34" charset="0"/>
+                <a:cs typeface="Verdana" panose="020B0604030504040204" pitchFamily="34" charset="0"/>
+              </a:rPr>
+              <a:t>. </a:t>
+            </a:r>
+            <a:r>
+              <a:rPr lang="en-US" u="sng" dirty="0" err="1" smtClean="0">
+                <a:latin typeface="Verdana" panose="020B0604030504040204" pitchFamily="34" charset="0"/>
+                <a:ea typeface="Verdana" panose="020B0604030504040204" pitchFamily="34" charset="0"/>
+                <a:cs typeface="Verdana" panose="020B0604030504040204" pitchFamily="34" charset="0"/>
+              </a:rPr>
+              <a:t>Permisije</a:t>
+            </a:r>
+            <a:endParaRPr lang="en-US" sz="2000" u="sng" dirty="0" smtClean="0">
+              <a:latin typeface="Verdana" panose="020B0604030504040204" pitchFamily="34" charset="0"/>
+              <a:ea typeface="Verdana" panose="020B0604030504040204" pitchFamily="34" charset="0"/>
+              <a:cs typeface="Verdana" panose="020B0604030504040204" pitchFamily="34" charset="0"/>
+            </a:endParaRPr>
+          </a:p>
+        </p:txBody>
+      </p:sp>
+      <p:graphicFrame>
+        <p:nvGraphicFramePr>
+          <p:cNvPr id="6" name="Table 5"/>
+          <p:cNvGraphicFramePr>
+            <a:graphicFrameLocks noGrp="1"/>
+          </p:cNvGraphicFramePr>
+          <p:nvPr>
+            <p:extLst>
+              <p:ext uri="{D42A27DB-BD31-4B8C-83A1-F6EECF244321}">
+                <p14:modId xmlns:p14="http://schemas.microsoft.com/office/powerpoint/2010/main" val="671456529"/>
+              </p:ext>
+            </p:extLst>
+          </p:nvPr>
+        </p:nvGraphicFramePr>
+        <p:xfrm>
+          <a:off x="914400" y="1295400"/>
+          <a:ext cx="7467600" cy="4894580"/>
+        </p:xfrm>
+        <a:graphic>
+          <a:graphicData uri="http://schemas.openxmlformats.org/drawingml/2006/table">
+            <a:tbl>
+              <a:tblPr firstRow="1" bandRow="1">
+                <a:tableStyleId>{5C22544A-7EE6-4342-B048-85BDC9FD1C3A}</a:tableStyleId>
+              </a:tblPr>
+              <a:tblGrid>
+                <a:gridCol w="838200"/>
+                <a:gridCol w="2667000"/>
+                <a:gridCol w="3962400"/>
+              </a:tblGrid>
+              <a:tr h="383540">
+                <a:tc>
+                  <a:txBody>
+                    <a:bodyPr/>
+                    <a:lstStyle/>
+                    <a:p>
+                      <a:pPr algn="ctr"/>
+                      <a:r>
+                        <a:rPr lang="en-US" baseline="0" dirty="0" smtClean="0">
+                          <a:solidFill>
+                            <a:schemeClr val="tx1"/>
+                          </a:solidFill>
+                          <a:latin typeface="Verdana" panose="020B0604030504040204" pitchFamily="34" charset="0"/>
+                          <a:ea typeface="Verdana" panose="020B0604030504040204" pitchFamily="34" charset="0"/>
+                          <a:cs typeface="Verdana" panose="020B0604030504040204" pitchFamily="34" charset="0"/>
+                        </a:rPr>
+                        <a:t>ID</a:t>
+                      </a:r>
+                      <a:endParaRPr lang="en-US" baseline="0" dirty="0">
+                        <a:solidFill>
+                          <a:schemeClr val="tx1"/>
+                        </a:solidFill>
+                        <a:latin typeface="Verdana" panose="020B0604030504040204" pitchFamily="34" charset="0"/>
+                        <a:ea typeface="Verdana" panose="020B0604030504040204" pitchFamily="34" charset="0"/>
+                        <a:cs typeface="Verdana" panose="020B0604030504040204" pitchFamily="34" charset="0"/>
+                      </a:endParaRPr>
+                    </a:p>
+                  </a:txBody>
+                  <a:tcPr/>
+                </a:tc>
+                <a:tc>
+                  <a:txBody>
+                    <a:bodyPr/>
+                    <a:lstStyle/>
+                    <a:p>
+                      <a:pPr algn="ctr"/>
+                      <a:r>
+                        <a:rPr lang="en-US" baseline="0" dirty="0" err="1" smtClean="0">
+                          <a:solidFill>
+                            <a:schemeClr val="tx1"/>
+                          </a:solidFill>
+                          <a:latin typeface="Verdana" panose="020B0604030504040204" pitchFamily="34" charset="0"/>
+                          <a:ea typeface="Verdana" panose="020B0604030504040204" pitchFamily="34" charset="0"/>
+                          <a:cs typeface="Verdana" panose="020B0604030504040204" pitchFamily="34" charset="0"/>
+                        </a:rPr>
+                        <a:t>Naziv</a:t>
+                      </a:r>
+                      <a:endParaRPr lang="en-US" baseline="0" dirty="0">
+                        <a:solidFill>
+                          <a:schemeClr val="tx1"/>
+                        </a:solidFill>
+                        <a:latin typeface="Verdana" panose="020B0604030504040204" pitchFamily="34" charset="0"/>
+                        <a:ea typeface="Verdana" panose="020B0604030504040204" pitchFamily="34" charset="0"/>
+                        <a:cs typeface="Verdana" panose="020B0604030504040204" pitchFamily="34" charset="0"/>
+                      </a:endParaRPr>
+                    </a:p>
+                  </a:txBody>
+                  <a:tcPr/>
+                </a:tc>
+                <a:tc>
+                  <a:txBody>
+                    <a:bodyPr/>
+                    <a:lstStyle/>
+                    <a:p>
+                      <a:pPr algn="ctr"/>
+                      <a:r>
+                        <a:rPr lang="en-US" baseline="0" dirty="0" err="1" smtClean="0">
+                          <a:solidFill>
+                            <a:schemeClr val="tx1"/>
+                          </a:solidFill>
+                          <a:latin typeface="Verdana" panose="020B0604030504040204" pitchFamily="34" charset="0"/>
+                          <a:ea typeface="Verdana" panose="020B0604030504040204" pitchFamily="34" charset="0"/>
+                          <a:cs typeface="Verdana" panose="020B0604030504040204" pitchFamily="34" charset="0"/>
+                        </a:rPr>
+                        <a:t>Opis</a:t>
+                      </a:r>
+                      <a:endParaRPr lang="en-US" baseline="0" dirty="0">
+                        <a:solidFill>
+                          <a:schemeClr val="tx1"/>
+                        </a:solidFill>
+                        <a:latin typeface="Verdana" panose="020B0604030504040204" pitchFamily="34" charset="0"/>
+                      </a:endParaRPr>
+                    </a:p>
+                  </a:txBody>
+                  <a:tcPr/>
+                </a:tc>
+              </a:tr>
+              <a:tr h="383540">
+                <a:tc>
+                  <a:txBody>
+                    <a:bodyPr/>
+                    <a:lstStyle/>
+                    <a:p>
+                      <a:pPr algn="ctr"/>
+                      <a:r>
+                        <a:rPr lang="en-US" dirty="0" smtClean="0">
+                          <a:latin typeface="Verdana" panose="020B0604030504040204" pitchFamily="34" charset="0"/>
+                          <a:ea typeface="Verdana" panose="020B0604030504040204" pitchFamily="34" charset="0"/>
+                          <a:cs typeface="Verdana" panose="020B0604030504040204" pitchFamily="34" charset="0"/>
+                        </a:rPr>
+                        <a:t>1</a:t>
+                      </a:r>
+                      <a:endParaRPr lang="en-US" dirty="0">
+                        <a:latin typeface="Verdana" panose="020B0604030504040204" pitchFamily="34" charset="0"/>
+                        <a:ea typeface="Verdana" panose="020B0604030504040204" pitchFamily="34" charset="0"/>
+                        <a:cs typeface="Verdana" panose="020B0604030504040204" pitchFamily="34" charset="0"/>
+                      </a:endParaRPr>
+                    </a:p>
+                  </a:txBody>
+                  <a:tcPr/>
+                </a:tc>
+                <a:tc>
+                  <a:txBody>
+                    <a:bodyPr/>
+                    <a:lstStyle/>
+                    <a:p>
+                      <a:r>
+                        <a:rPr kumimoji="0" lang="en-US" sz="1400" kern="1200" baseline="0" dirty="0" err="1" smtClean="0">
+                          <a:solidFill>
+                            <a:schemeClr val="dk1"/>
+                          </a:solidFill>
+                          <a:effectLst/>
+                          <a:latin typeface="Verdana" panose="020B0604030504040204" pitchFamily="34" charset="0"/>
+                          <a:ea typeface="Verdana" panose="020B0604030504040204" pitchFamily="34" charset="0"/>
+                          <a:cs typeface="Verdana" panose="020B0604030504040204" pitchFamily="34" charset="0"/>
+                        </a:rPr>
+                        <a:t>Bilo</a:t>
+                      </a:r>
+                      <a:r>
+                        <a:rPr kumimoji="0" lang="en-US" sz="1400" kern="1200" baseline="0" dirty="0" smtClean="0">
+                          <a:solidFill>
+                            <a:schemeClr val="dk1"/>
+                          </a:solidFill>
+                          <a:effectLst/>
+                          <a:latin typeface="Verdana" panose="020B0604030504040204" pitchFamily="34" charset="0"/>
+                          <a:ea typeface="Verdana" panose="020B0604030504040204" pitchFamily="34" charset="0"/>
+                          <a:cs typeface="Verdana" panose="020B0604030504040204" pitchFamily="34" charset="0"/>
+                        </a:rPr>
+                        <a:t> </a:t>
+                      </a:r>
+                      <a:r>
+                        <a:rPr kumimoji="0" lang="en-US" sz="1400" kern="1200" baseline="0" dirty="0" err="1" smtClean="0">
+                          <a:solidFill>
+                            <a:schemeClr val="dk1"/>
+                          </a:solidFill>
+                          <a:effectLst/>
+                          <a:latin typeface="Verdana" panose="020B0604030504040204" pitchFamily="34" charset="0"/>
+                          <a:ea typeface="Verdana" panose="020B0604030504040204" pitchFamily="34" charset="0"/>
+                          <a:cs typeface="Verdana" panose="020B0604030504040204" pitchFamily="34" charset="0"/>
+                        </a:rPr>
+                        <a:t>koji</a:t>
+                      </a:r>
+                      <a:r>
+                        <a:rPr kumimoji="0" lang="en-US" sz="1400" kern="1200" baseline="0" dirty="0" smtClean="0">
+                          <a:solidFill>
+                            <a:schemeClr val="dk1"/>
+                          </a:solidFill>
+                          <a:effectLst/>
+                          <a:latin typeface="Verdana" panose="020B0604030504040204" pitchFamily="34" charset="0"/>
+                          <a:ea typeface="Verdana" panose="020B0604030504040204" pitchFamily="34" charset="0"/>
+                          <a:cs typeface="Verdana" panose="020B0604030504040204" pitchFamily="34" charset="0"/>
+                        </a:rPr>
+                        <a:t> WEB </a:t>
+                      </a:r>
+                      <a:r>
+                        <a:rPr kumimoji="0" lang="en-US" sz="1400" kern="1200" baseline="0" dirty="0" err="1" smtClean="0">
+                          <a:solidFill>
+                            <a:schemeClr val="dk1"/>
+                          </a:solidFill>
+                          <a:effectLst/>
+                          <a:latin typeface="Verdana" panose="020B0604030504040204" pitchFamily="34" charset="0"/>
+                          <a:ea typeface="Verdana" panose="020B0604030504040204" pitchFamily="34" charset="0"/>
+                          <a:cs typeface="Verdana" panose="020B0604030504040204" pitchFamily="34" charset="0"/>
+                        </a:rPr>
+                        <a:t>korisnik</a:t>
+                      </a:r>
+                      <a:endParaRPr lang="en-US" sz="1400" baseline="0" dirty="0">
+                        <a:latin typeface="Verdana" panose="020B0604030504040204" pitchFamily="34" charset="0"/>
+                        <a:ea typeface="Verdana" panose="020B0604030504040204" pitchFamily="34" charset="0"/>
+                        <a:cs typeface="Verdana" panose="020B0604030504040204" pitchFamily="34" charset="0"/>
+                      </a:endParaRPr>
+                    </a:p>
+                  </a:txBody>
+                  <a:tcPr/>
+                </a:tc>
+                <a:tc>
+                  <a:txBody>
+                    <a:bodyPr/>
+                    <a:lstStyle/>
+                    <a:p>
+                      <a:r>
+                        <a:rPr kumimoji="0" lang="en-US" sz="1600" kern="1200" baseline="0" dirty="0" err="1" smtClean="0">
+                          <a:solidFill>
+                            <a:schemeClr val="dk1"/>
+                          </a:solidFill>
+                          <a:effectLst/>
+                          <a:latin typeface="Verdana" panose="020B0604030504040204" pitchFamily="34" charset="0"/>
+                          <a:ea typeface="+mn-ea"/>
+                          <a:cs typeface="+mn-cs"/>
+                        </a:rPr>
+                        <a:t>Korisnik</a:t>
+                      </a:r>
+                      <a:r>
+                        <a:rPr kumimoji="0" lang="en-US" sz="1600" kern="1200" baseline="0" dirty="0" smtClean="0">
+                          <a:solidFill>
+                            <a:schemeClr val="dk1"/>
+                          </a:solidFill>
+                          <a:effectLst/>
+                          <a:latin typeface="Verdana" panose="020B0604030504040204" pitchFamily="34" charset="0"/>
+                          <a:ea typeface="+mn-ea"/>
+                          <a:cs typeface="+mn-cs"/>
+                        </a:rPr>
+                        <a:t> </a:t>
+                      </a:r>
+                      <a:r>
+                        <a:rPr kumimoji="0" lang="en-US" sz="1600" kern="1200" baseline="0" dirty="0" err="1" smtClean="0">
+                          <a:solidFill>
+                            <a:schemeClr val="dk1"/>
+                          </a:solidFill>
+                          <a:effectLst/>
+                          <a:latin typeface="Verdana" panose="020B0604030504040204" pitchFamily="34" charset="0"/>
+                          <a:ea typeface="+mn-ea"/>
+                          <a:cs typeface="+mn-cs"/>
+                        </a:rPr>
+                        <a:t>koji</a:t>
+                      </a:r>
+                      <a:r>
+                        <a:rPr kumimoji="0" lang="en-US" sz="1600" kern="1200" baseline="0" dirty="0" smtClean="0">
+                          <a:solidFill>
+                            <a:schemeClr val="dk1"/>
+                          </a:solidFill>
+                          <a:effectLst/>
+                          <a:latin typeface="Verdana" panose="020B0604030504040204" pitchFamily="34" charset="0"/>
+                          <a:ea typeface="+mn-ea"/>
+                          <a:cs typeface="+mn-cs"/>
+                        </a:rPr>
+                        <a:t> je </a:t>
+                      </a:r>
+                      <a:r>
+                        <a:rPr kumimoji="0" lang="en-US" sz="1600" kern="1200" baseline="0" dirty="0" err="1" smtClean="0">
+                          <a:solidFill>
+                            <a:schemeClr val="dk1"/>
+                          </a:solidFill>
+                          <a:effectLst/>
+                          <a:latin typeface="Verdana" panose="020B0604030504040204" pitchFamily="34" charset="0"/>
+                          <a:ea typeface="+mn-ea"/>
+                          <a:cs typeface="+mn-cs"/>
+                        </a:rPr>
+                        <a:t>konektovan</a:t>
+                      </a:r>
+                      <a:r>
+                        <a:rPr kumimoji="0" lang="en-US" sz="1600" kern="1200" baseline="0" dirty="0" smtClean="0">
+                          <a:solidFill>
+                            <a:schemeClr val="dk1"/>
+                          </a:solidFill>
+                          <a:effectLst/>
+                          <a:latin typeface="Verdana" panose="020B0604030504040204" pitchFamily="34" charset="0"/>
+                          <a:ea typeface="+mn-ea"/>
+                          <a:cs typeface="+mn-cs"/>
+                        </a:rPr>
+                        <a:t> </a:t>
+                      </a:r>
+                      <a:r>
+                        <a:rPr kumimoji="0" lang="en-US" sz="1600" kern="1200" baseline="0" dirty="0" err="1" smtClean="0">
+                          <a:solidFill>
+                            <a:schemeClr val="dk1"/>
+                          </a:solidFill>
+                          <a:effectLst/>
+                          <a:latin typeface="Verdana" panose="020B0604030504040204" pitchFamily="34" charset="0"/>
+                          <a:ea typeface="+mn-ea"/>
+                          <a:cs typeface="+mn-cs"/>
+                        </a:rPr>
+                        <a:t>na</a:t>
+                      </a:r>
+                      <a:r>
+                        <a:rPr kumimoji="0" lang="en-US" sz="1600" kern="1200" baseline="0" dirty="0" smtClean="0">
+                          <a:solidFill>
+                            <a:schemeClr val="dk1"/>
+                          </a:solidFill>
+                          <a:effectLst/>
+                          <a:latin typeface="Verdana" panose="020B0604030504040204" pitchFamily="34" charset="0"/>
+                          <a:ea typeface="+mn-ea"/>
+                          <a:cs typeface="+mn-cs"/>
+                        </a:rPr>
+                        <a:t> </a:t>
+                      </a:r>
+                      <a:r>
+                        <a:rPr kumimoji="0" lang="en-US" sz="1600" kern="1200" baseline="0" dirty="0" err="1" smtClean="0">
+                          <a:solidFill>
+                            <a:schemeClr val="dk1"/>
+                          </a:solidFill>
+                          <a:effectLst/>
+                          <a:latin typeface="Verdana" panose="020B0604030504040204" pitchFamily="34" charset="0"/>
+                          <a:ea typeface="+mn-ea"/>
+                          <a:cs typeface="+mn-cs"/>
+                        </a:rPr>
+                        <a:t>informacioni</a:t>
+                      </a:r>
+                      <a:r>
+                        <a:rPr kumimoji="0" lang="en-US" sz="1600" kern="1200" baseline="0" dirty="0" smtClean="0">
+                          <a:solidFill>
+                            <a:schemeClr val="dk1"/>
+                          </a:solidFill>
+                          <a:effectLst/>
+                          <a:latin typeface="Verdana" panose="020B0604030504040204" pitchFamily="34" charset="0"/>
+                          <a:ea typeface="+mn-ea"/>
+                          <a:cs typeface="+mn-cs"/>
+                        </a:rPr>
+                        <a:t> </a:t>
+                      </a:r>
+                      <a:r>
+                        <a:rPr kumimoji="0" lang="en-US" sz="1600" kern="1200" baseline="0" dirty="0" err="1" smtClean="0">
+                          <a:solidFill>
+                            <a:schemeClr val="dk1"/>
+                          </a:solidFill>
+                          <a:effectLst/>
+                          <a:latin typeface="Verdana" panose="020B0604030504040204" pitchFamily="34" charset="0"/>
+                          <a:ea typeface="+mn-ea"/>
+                          <a:cs typeface="+mn-cs"/>
+                        </a:rPr>
+                        <a:t>sistem</a:t>
+                      </a:r>
+                      <a:r>
+                        <a:rPr kumimoji="0" lang="en-US" sz="1600" kern="1200" baseline="0" dirty="0" smtClean="0">
+                          <a:solidFill>
+                            <a:schemeClr val="dk1"/>
+                          </a:solidFill>
+                          <a:effectLst/>
+                          <a:latin typeface="Verdana" panose="020B0604030504040204" pitchFamily="34" charset="0"/>
+                          <a:ea typeface="+mn-ea"/>
+                          <a:cs typeface="+mn-cs"/>
+                        </a:rPr>
+                        <a:t> </a:t>
+                      </a:r>
+                      <a:r>
+                        <a:rPr kumimoji="0" lang="en-US" sz="1600" kern="1200" baseline="0" dirty="0" err="1" smtClean="0">
+                          <a:solidFill>
+                            <a:schemeClr val="dk1"/>
+                          </a:solidFill>
+                          <a:effectLst/>
+                          <a:latin typeface="Verdana" panose="020B0604030504040204" pitchFamily="34" charset="0"/>
+                          <a:ea typeface="+mn-ea"/>
+                          <a:cs typeface="+mn-cs"/>
+                        </a:rPr>
+                        <a:t>grada</a:t>
+                      </a:r>
+                      <a:r>
+                        <a:rPr kumimoji="0" lang="en-US" sz="1600" kern="1200" baseline="0" dirty="0" smtClean="0">
+                          <a:solidFill>
+                            <a:schemeClr val="dk1"/>
+                          </a:solidFill>
+                          <a:effectLst/>
+                          <a:latin typeface="Verdana" panose="020B0604030504040204" pitchFamily="34" charset="0"/>
+                          <a:ea typeface="+mn-ea"/>
+                          <a:cs typeface="+mn-cs"/>
+                        </a:rPr>
+                        <a:t> </a:t>
+                      </a:r>
+                      <a:r>
+                        <a:rPr kumimoji="0" lang="en-US" sz="1600" kern="1200" baseline="0" dirty="0" err="1" smtClean="0">
+                          <a:solidFill>
+                            <a:schemeClr val="dk1"/>
+                          </a:solidFill>
+                          <a:effectLst/>
+                          <a:latin typeface="Verdana" panose="020B0604030504040204" pitchFamily="34" charset="0"/>
+                          <a:ea typeface="+mn-ea"/>
+                          <a:cs typeface="+mn-cs"/>
+                        </a:rPr>
+                        <a:t>Novog</a:t>
+                      </a:r>
+                      <a:r>
+                        <a:rPr kumimoji="0" lang="en-US" sz="1600" kern="1200" baseline="0" dirty="0" smtClean="0">
+                          <a:solidFill>
+                            <a:schemeClr val="dk1"/>
+                          </a:solidFill>
+                          <a:effectLst/>
+                          <a:latin typeface="Verdana" panose="020B0604030504040204" pitchFamily="34" charset="0"/>
+                          <a:ea typeface="+mn-ea"/>
+                          <a:cs typeface="+mn-cs"/>
+                        </a:rPr>
+                        <a:t> </a:t>
+                      </a:r>
+                      <a:r>
+                        <a:rPr kumimoji="0" lang="en-US" sz="1600" kern="1200" baseline="0" dirty="0" err="1" smtClean="0">
+                          <a:solidFill>
+                            <a:schemeClr val="dk1"/>
+                          </a:solidFill>
+                          <a:effectLst/>
+                          <a:latin typeface="Verdana" panose="020B0604030504040204" pitchFamily="34" charset="0"/>
+                          <a:ea typeface="+mn-ea"/>
+                          <a:cs typeface="+mn-cs"/>
+                        </a:rPr>
+                        <a:t>Sada</a:t>
+                      </a:r>
+                      <a:r>
+                        <a:rPr kumimoji="0" lang="en-US" sz="1600" kern="1200" baseline="0" dirty="0" smtClean="0">
+                          <a:solidFill>
+                            <a:schemeClr val="dk1"/>
+                          </a:solidFill>
+                          <a:effectLst/>
+                          <a:latin typeface="Verdana" panose="020B0604030504040204" pitchFamily="34" charset="0"/>
+                          <a:ea typeface="+mn-ea"/>
+                          <a:cs typeface="+mn-cs"/>
+                        </a:rPr>
+                        <a:t>, </a:t>
+                      </a:r>
+                      <a:r>
+                        <a:rPr kumimoji="0" lang="en-US" sz="1600" kern="1200" baseline="0" dirty="0" err="1" smtClean="0">
+                          <a:solidFill>
+                            <a:schemeClr val="dk1"/>
+                          </a:solidFill>
+                          <a:effectLst/>
+                          <a:latin typeface="Verdana" panose="020B0604030504040204" pitchFamily="34" charset="0"/>
+                          <a:ea typeface="+mn-ea"/>
+                          <a:cs typeface="+mn-cs"/>
+                        </a:rPr>
+                        <a:t>ali</a:t>
+                      </a:r>
+                      <a:r>
+                        <a:rPr kumimoji="0" lang="en-US" sz="1600" kern="1200" baseline="0" dirty="0" smtClean="0">
+                          <a:solidFill>
+                            <a:schemeClr val="dk1"/>
+                          </a:solidFill>
+                          <a:effectLst/>
+                          <a:latin typeface="Verdana" panose="020B0604030504040204" pitchFamily="34" charset="0"/>
+                          <a:ea typeface="+mn-ea"/>
+                          <a:cs typeface="+mn-cs"/>
+                        </a:rPr>
+                        <a:t> </a:t>
+                      </a:r>
+                      <a:r>
+                        <a:rPr kumimoji="0" lang="en-US" sz="1600" kern="1200" baseline="0" dirty="0" err="1" smtClean="0">
+                          <a:solidFill>
+                            <a:schemeClr val="dk1"/>
+                          </a:solidFill>
+                          <a:effectLst/>
+                          <a:latin typeface="Verdana" panose="020B0604030504040204" pitchFamily="34" charset="0"/>
+                          <a:ea typeface="+mn-ea"/>
+                          <a:cs typeface="+mn-cs"/>
+                        </a:rPr>
+                        <a:t>nema</a:t>
+                      </a:r>
+                      <a:r>
+                        <a:rPr kumimoji="0" lang="en-US" sz="1600" kern="1200" baseline="0" dirty="0" smtClean="0">
+                          <a:solidFill>
+                            <a:schemeClr val="dk1"/>
+                          </a:solidFill>
+                          <a:effectLst/>
+                          <a:latin typeface="Verdana" panose="020B0604030504040204" pitchFamily="34" charset="0"/>
+                          <a:ea typeface="+mn-ea"/>
+                          <a:cs typeface="+mn-cs"/>
+                        </a:rPr>
+                        <a:t> </a:t>
+                      </a:r>
+                      <a:r>
+                        <a:rPr kumimoji="0" lang="en-US" sz="1600" kern="1200" baseline="0" dirty="0" err="1" smtClean="0">
+                          <a:solidFill>
+                            <a:schemeClr val="dk1"/>
+                          </a:solidFill>
+                          <a:effectLst/>
+                          <a:latin typeface="Verdana" panose="020B0604030504040204" pitchFamily="34" charset="0"/>
+                          <a:ea typeface="+mn-ea"/>
+                          <a:cs typeface="+mn-cs"/>
+                        </a:rPr>
+                        <a:t>validne</a:t>
+                      </a:r>
+                      <a:r>
+                        <a:rPr kumimoji="0" lang="en-US" sz="1600" kern="1200" baseline="0" dirty="0" smtClean="0">
+                          <a:solidFill>
+                            <a:schemeClr val="dk1"/>
+                          </a:solidFill>
+                          <a:effectLst/>
+                          <a:latin typeface="Verdana" panose="020B0604030504040204" pitchFamily="34" charset="0"/>
+                          <a:ea typeface="+mn-ea"/>
+                          <a:cs typeface="+mn-cs"/>
+                        </a:rPr>
+                        <a:t> </a:t>
+                      </a:r>
+                      <a:r>
+                        <a:rPr kumimoji="0" lang="en-US" sz="1600" kern="1200" baseline="0" dirty="0" err="1" smtClean="0">
+                          <a:solidFill>
+                            <a:schemeClr val="dk1"/>
+                          </a:solidFill>
+                          <a:effectLst/>
+                          <a:latin typeface="Verdana" panose="020B0604030504040204" pitchFamily="34" charset="0"/>
+                          <a:ea typeface="+mn-ea"/>
+                          <a:cs typeface="+mn-cs"/>
+                        </a:rPr>
+                        <a:t>kredencijale</a:t>
+                      </a:r>
+                      <a:r>
+                        <a:rPr kumimoji="0" lang="en-US" sz="1600" kern="1200" baseline="0" dirty="0" smtClean="0">
+                          <a:solidFill>
+                            <a:schemeClr val="dk1"/>
+                          </a:solidFill>
+                          <a:effectLst/>
+                          <a:latin typeface="Verdana" panose="020B0604030504040204" pitchFamily="34" charset="0"/>
+                          <a:ea typeface="+mn-ea"/>
+                          <a:cs typeface="+mn-cs"/>
+                        </a:rPr>
+                        <a:t> </a:t>
+                      </a:r>
+                      <a:r>
+                        <a:rPr kumimoji="0" lang="en-US" sz="1600" kern="1200" baseline="0" dirty="0" err="1" smtClean="0">
+                          <a:solidFill>
+                            <a:schemeClr val="dk1"/>
+                          </a:solidFill>
+                          <a:effectLst/>
+                          <a:latin typeface="Verdana" panose="020B0604030504040204" pitchFamily="34" charset="0"/>
+                          <a:ea typeface="+mn-ea"/>
+                          <a:cs typeface="+mn-cs"/>
+                        </a:rPr>
+                        <a:t>ili</a:t>
+                      </a:r>
+                      <a:r>
+                        <a:rPr kumimoji="0" lang="en-US" sz="1600" kern="1200" baseline="0" dirty="0" smtClean="0">
+                          <a:solidFill>
+                            <a:schemeClr val="dk1"/>
+                          </a:solidFill>
+                          <a:effectLst/>
+                          <a:latin typeface="Verdana" panose="020B0604030504040204" pitchFamily="34" charset="0"/>
+                          <a:ea typeface="+mn-ea"/>
+                          <a:cs typeface="+mn-cs"/>
+                        </a:rPr>
+                        <a:t> </a:t>
+                      </a:r>
+                      <a:r>
+                        <a:rPr kumimoji="0" lang="en-US" sz="1600" kern="1200" baseline="0" dirty="0" err="1" smtClean="0">
+                          <a:solidFill>
+                            <a:schemeClr val="dk1"/>
+                          </a:solidFill>
+                          <a:effectLst/>
+                          <a:latin typeface="Verdana" panose="020B0604030504040204" pitchFamily="34" charset="0"/>
+                          <a:ea typeface="+mn-ea"/>
+                          <a:cs typeface="+mn-cs"/>
+                        </a:rPr>
+                        <a:t>nije</a:t>
+                      </a:r>
+                      <a:r>
+                        <a:rPr kumimoji="0" lang="en-US" sz="1600" kern="1200" baseline="0" dirty="0" smtClean="0">
+                          <a:solidFill>
+                            <a:schemeClr val="dk1"/>
+                          </a:solidFill>
+                          <a:effectLst/>
+                          <a:latin typeface="Verdana" panose="020B0604030504040204" pitchFamily="34" charset="0"/>
+                          <a:ea typeface="+mn-ea"/>
+                          <a:cs typeface="+mn-cs"/>
+                        </a:rPr>
+                        <a:t> </a:t>
+                      </a:r>
+                      <a:r>
+                        <a:rPr kumimoji="0" lang="en-US" sz="1600" kern="1200" baseline="0" dirty="0" err="1" smtClean="0">
+                          <a:solidFill>
+                            <a:schemeClr val="dk1"/>
+                          </a:solidFill>
+                          <a:effectLst/>
+                          <a:latin typeface="Verdana" panose="020B0604030504040204" pitchFamily="34" charset="0"/>
+                          <a:ea typeface="+mn-ea"/>
+                          <a:cs typeface="+mn-cs"/>
+                        </a:rPr>
+                        <a:t>ulogovan</a:t>
+                      </a:r>
+                      <a:r>
+                        <a:rPr kumimoji="0" lang="en-US" sz="1600" kern="1200" baseline="0" dirty="0" smtClean="0">
+                          <a:solidFill>
+                            <a:schemeClr val="dk1"/>
+                          </a:solidFill>
+                          <a:effectLst/>
+                          <a:latin typeface="Verdana" panose="020B0604030504040204" pitchFamily="34" charset="0"/>
+                          <a:ea typeface="+mn-ea"/>
+                          <a:cs typeface="+mn-cs"/>
+                        </a:rPr>
+                        <a:t> </a:t>
+                      </a:r>
+                      <a:r>
+                        <a:rPr kumimoji="0" lang="en-US" sz="1600" kern="1200" baseline="0" dirty="0" err="1" smtClean="0">
+                          <a:solidFill>
+                            <a:schemeClr val="dk1"/>
+                          </a:solidFill>
+                          <a:effectLst/>
+                          <a:latin typeface="Verdana" panose="020B0604030504040204" pitchFamily="34" charset="0"/>
+                          <a:ea typeface="+mn-ea"/>
+                          <a:cs typeface="+mn-cs"/>
+                        </a:rPr>
+                        <a:t>na</a:t>
+                      </a:r>
+                      <a:r>
+                        <a:rPr kumimoji="0" lang="en-US" sz="1600" kern="1200" baseline="0" dirty="0" smtClean="0">
+                          <a:solidFill>
+                            <a:schemeClr val="dk1"/>
+                          </a:solidFill>
+                          <a:effectLst/>
+                          <a:latin typeface="Verdana" panose="020B0604030504040204" pitchFamily="34" charset="0"/>
+                          <a:ea typeface="+mn-ea"/>
+                          <a:cs typeface="+mn-cs"/>
+                        </a:rPr>
+                        <a:t> </a:t>
+                      </a:r>
+                      <a:r>
+                        <a:rPr kumimoji="0" lang="en-US" sz="1600" kern="1200" baseline="0" dirty="0" err="1" smtClean="0">
+                          <a:solidFill>
+                            <a:schemeClr val="dk1"/>
+                          </a:solidFill>
+                          <a:effectLst/>
+                          <a:latin typeface="Verdana" panose="020B0604030504040204" pitchFamily="34" charset="0"/>
+                          <a:ea typeface="+mn-ea"/>
+                          <a:cs typeface="+mn-cs"/>
+                        </a:rPr>
+                        <a:t>sistem</a:t>
+                      </a:r>
+                      <a:r>
+                        <a:rPr kumimoji="0" lang="en-US" sz="1600" kern="1200" baseline="0" dirty="0" smtClean="0">
+                          <a:solidFill>
+                            <a:schemeClr val="dk1"/>
+                          </a:solidFill>
+                          <a:effectLst/>
+                          <a:latin typeface="Verdana" panose="020B0604030504040204" pitchFamily="34" charset="0"/>
+                          <a:ea typeface="+mn-ea"/>
+                          <a:cs typeface="+mn-cs"/>
+                        </a:rPr>
+                        <a:t>.</a:t>
+                      </a:r>
+                      <a:endParaRPr lang="en-US" sz="1600" baseline="0" dirty="0">
+                        <a:solidFill>
+                          <a:schemeClr val="tx1"/>
+                        </a:solidFill>
+                        <a:latin typeface="Verdana" panose="020B0604030504040204" pitchFamily="34" charset="0"/>
+                      </a:endParaRPr>
+                    </a:p>
+                  </a:txBody>
+                  <a:tcPr/>
+                </a:tc>
+              </a:tr>
+              <a:tr h="383540">
+                <a:tc>
+                  <a:txBody>
+                    <a:bodyPr/>
+                    <a:lstStyle/>
+                    <a:p>
+                      <a:pPr algn="ctr"/>
+                      <a:r>
+                        <a:rPr lang="en-US" baseline="0" dirty="0" smtClean="0">
+                          <a:solidFill>
+                            <a:schemeClr val="tx1"/>
+                          </a:solidFill>
+                          <a:latin typeface="Verdana" panose="020B0604030504040204" pitchFamily="34" charset="0"/>
+                        </a:rPr>
+                        <a:t>2</a:t>
+                      </a:r>
+                      <a:endParaRPr lang="en-US" baseline="0" dirty="0">
+                        <a:solidFill>
+                          <a:schemeClr val="tx1"/>
+                        </a:solidFill>
+                        <a:latin typeface="Verdana" panose="020B0604030504040204" pitchFamily="34" charset="0"/>
+                      </a:endParaRPr>
+                    </a:p>
+                  </a:txBody>
+                  <a:tcPr/>
+                </a:tc>
+                <a:tc>
+                  <a:txBody>
+                    <a:bodyPr/>
+                    <a:lstStyle/>
+                    <a:p>
+                      <a:r>
+                        <a:rPr kumimoji="0" lang="en-US" sz="1400" kern="1200" baseline="0" dirty="0" err="1" smtClean="0">
+                          <a:solidFill>
+                            <a:schemeClr val="dk1"/>
+                          </a:solidFill>
+                          <a:effectLst/>
+                          <a:latin typeface="Verdana" panose="020B0604030504040204" pitchFamily="34" charset="0"/>
+                          <a:ea typeface="Verdana" panose="020B0604030504040204" pitchFamily="34" charset="0"/>
+                          <a:cs typeface="Verdana" panose="020B0604030504040204" pitchFamily="34" charset="0"/>
+                        </a:rPr>
+                        <a:t>Korisnik</a:t>
+                      </a:r>
+                      <a:r>
+                        <a:rPr kumimoji="0" lang="en-US" sz="1400" kern="1200" baseline="0" dirty="0" smtClean="0">
+                          <a:solidFill>
+                            <a:schemeClr val="dk1"/>
+                          </a:solidFill>
+                          <a:effectLst/>
+                          <a:latin typeface="Verdana" panose="020B0604030504040204" pitchFamily="34" charset="0"/>
+                          <a:ea typeface="Verdana" panose="020B0604030504040204" pitchFamily="34" charset="0"/>
+                          <a:cs typeface="Verdana" panose="020B0604030504040204" pitchFamily="34" charset="0"/>
+                        </a:rPr>
+                        <a:t> </a:t>
+                      </a:r>
+                      <a:r>
+                        <a:rPr kumimoji="0" lang="en-US" sz="1400" kern="1200" baseline="0" dirty="0" err="1" smtClean="0">
+                          <a:solidFill>
+                            <a:schemeClr val="dk1"/>
+                          </a:solidFill>
+                          <a:effectLst/>
+                          <a:latin typeface="Verdana" panose="020B0604030504040204" pitchFamily="34" charset="0"/>
+                          <a:ea typeface="Verdana" panose="020B0604030504040204" pitchFamily="34" charset="0"/>
+                          <a:cs typeface="Verdana" panose="020B0604030504040204" pitchFamily="34" charset="0"/>
+                        </a:rPr>
+                        <a:t>sa</a:t>
+                      </a:r>
+                      <a:r>
+                        <a:rPr kumimoji="0" lang="en-US" sz="1400" kern="1200" baseline="0" dirty="0" smtClean="0">
+                          <a:solidFill>
+                            <a:schemeClr val="dk1"/>
+                          </a:solidFill>
+                          <a:effectLst/>
+                          <a:latin typeface="Verdana" panose="020B0604030504040204" pitchFamily="34" charset="0"/>
+                          <a:ea typeface="Verdana" panose="020B0604030504040204" pitchFamily="34" charset="0"/>
+                          <a:cs typeface="Verdana" panose="020B0604030504040204" pitchFamily="34" charset="0"/>
+                        </a:rPr>
+                        <a:t> </a:t>
+                      </a:r>
+                      <a:r>
+                        <a:rPr kumimoji="0" lang="en-US" sz="1400" kern="1200" baseline="0" dirty="0" err="1" smtClean="0">
+                          <a:solidFill>
+                            <a:schemeClr val="dk1"/>
+                          </a:solidFill>
+                          <a:effectLst/>
+                          <a:latin typeface="Verdana" panose="020B0604030504040204" pitchFamily="34" charset="0"/>
+                          <a:ea typeface="Verdana" panose="020B0604030504040204" pitchFamily="34" charset="0"/>
+                          <a:cs typeface="Verdana" panose="020B0604030504040204" pitchFamily="34" charset="0"/>
+                        </a:rPr>
+                        <a:t>validnim</a:t>
+                      </a:r>
+                      <a:r>
+                        <a:rPr kumimoji="0" lang="en-US" sz="1400" kern="1200" baseline="0" dirty="0" smtClean="0">
+                          <a:solidFill>
+                            <a:schemeClr val="dk1"/>
+                          </a:solidFill>
+                          <a:effectLst/>
+                          <a:latin typeface="Verdana" panose="020B0604030504040204" pitchFamily="34" charset="0"/>
+                          <a:ea typeface="Verdana" panose="020B0604030504040204" pitchFamily="34" charset="0"/>
+                          <a:cs typeface="Verdana" panose="020B0604030504040204" pitchFamily="34" charset="0"/>
+                        </a:rPr>
+                        <a:t> </a:t>
+                      </a:r>
+                      <a:r>
+                        <a:rPr kumimoji="0" lang="en-US" sz="1400" kern="1200" baseline="0" dirty="0" err="1" smtClean="0">
+                          <a:solidFill>
+                            <a:schemeClr val="dk1"/>
+                          </a:solidFill>
+                          <a:effectLst/>
+                          <a:latin typeface="Verdana" panose="020B0604030504040204" pitchFamily="34" charset="0"/>
+                          <a:ea typeface="Verdana" panose="020B0604030504040204" pitchFamily="34" charset="0"/>
+                          <a:cs typeface="Verdana" panose="020B0604030504040204" pitchFamily="34" charset="0"/>
+                        </a:rPr>
+                        <a:t>kredencijalima</a:t>
+                      </a:r>
+                      <a:r>
+                        <a:rPr kumimoji="0" lang="en-US" sz="1400" kern="1200" baseline="0" dirty="0" smtClean="0">
+                          <a:solidFill>
+                            <a:schemeClr val="dk1"/>
+                          </a:solidFill>
+                          <a:effectLst/>
+                          <a:latin typeface="Verdana" panose="020B0604030504040204" pitchFamily="34" charset="0"/>
+                          <a:ea typeface="Verdana" panose="020B0604030504040204" pitchFamily="34" charset="0"/>
+                          <a:cs typeface="Verdana" panose="020B0604030504040204" pitchFamily="34" charset="0"/>
+                        </a:rPr>
+                        <a:t> </a:t>
+                      </a:r>
+                      <a:endParaRPr lang="en-US" sz="1400" baseline="0" dirty="0">
+                        <a:solidFill>
+                          <a:schemeClr val="tx1"/>
+                        </a:solidFill>
+                        <a:latin typeface="Verdana" panose="020B0604030504040204" pitchFamily="34" charset="0"/>
+                        <a:ea typeface="Verdana" panose="020B0604030504040204" pitchFamily="34" charset="0"/>
+                        <a:cs typeface="Verdana" panose="020B0604030504040204" pitchFamily="34" charset="0"/>
+                      </a:endParaRPr>
+                    </a:p>
+                  </a:txBody>
+                  <a:tcPr/>
+                </a:tc>
+                <a:tc>
+                  <a:txBody>
+                    <a:bodyPr/>
+                    <a:lstStyle/>
+                    <a:p>
+                      <a:r>
+                        <a:rPr kumimoji="0" lang="en-US" sz="1600" kern="1200" baseline="0" dirty="0" err="1" smtClean="0">
+                          <a:solidFill>
+                            <a:schemeClr val="dk1"/>
+                          </a:solidFill>
+                          <a:effectLst/>
+                          <a:latin typeface="Verdana" panose="020B0604030504040204" pitchFamily="34" charset="0"/>
+                          <a:ea typeface="+mn-ea"/>
+                          <a:cs typeface="+mn-cs"/>
+                        </a:rPr>
+                        <a:t>Korisnik</a:t>
+                      </a:r>
+                      <a:r>
+                        <a:rPr kumimoji="0" lang="en-US" sz="1600" kern="1200" baseline="0" dirty="0" smtClean="0">
+                          <a:solidFill>
+                            <a:schemeClr val="dk1"/>
+                          </a:solidFill>
+                          <a:effectLst/>
+                          <a:latin typeface="Verdana" panose="020B0604030504040204" pitchFamily="34" charset="0"/>
+                          <a:ea typeface="+mn-ea"/>
+                          <a:cs typeface="+mn-cs"/>
+                        </a:rPr>
+                        <a:t> </a:t>
+                      </a:r>
+                      <a:r>
+                        <a:rPr kumimoji="0" lang="en-US" sz="1600" kern="1200" baseline="0" dirty="0" err="1" smtClean="0">
+                          <a:solidFill>
+                            <a:schemeClr val="dk1"/>
+                          </a:solidFill>
+                          <a:effectLst/>
+                          <a:latin typeface="Verdana" panose="020B0604030504040204" pitchFamily="34" charset="0"/>
+                          <a:ea typeface="+mn-ea"/>
+                          <a:cs typeface="+mn-cs"/>
+                        </a:rPr>
+                        <a:t>koji</a:t>
+                      </a:r>
+                      <a:r>
+                        <a:rPr kumimoji="0" lang="en-US" sz="1600" kern="1200" baseline="0" dirty="0" smtClean="0">
+                          <a:solidFill>
+                            <a:schemeClr val="dk1"/>
+                          </a:solidFill>
+                          <a:effectLst/>
+                          <a:latin typeface="Verdana" panose="020B0604030504040204" pitchFamily="34" charset="0"/>
+                          <a:ea typeface="+mn-ea"/>
+                          <a:cs typeface="+mn-cs"/>
+                        </a:rPr>
+                        <a:t> je </a:t>
+                      </a:r>
+                      <a:r>
+                        <a:rPr kumimoji="0" lang="en-US" sz="1600" kern="1200" baseline="0" dirty="0" err="1" smtClean="0">
+                          <a:solidFill>
+                            <a:schemeClr val="dk1"/>
+                          </a:solidFill>
+                          <a:effectLst/>
+                          <a:latin typeface="Verdana" panose="020B0604030504040204" pitchFamily="34" charset="0"/>
+                          <a:ea typeface="+mn-ea"/>
+                          <a:cs typeface="+mn-cs"/>
+                        </a:rPr>
+                        <a:t>konektovan</a:t>
+                      </a:r>
+                      <a:r>
+                        <a:rPr kumimoji="0" lang="en-US" sz="1600" kern="1200" baseline="0" dirty="0" smtClean="0">
+                          <a:solidFill>
+                            <a:schemeClr val="dk1"/>
+                          </a:solidFill>
+                          <a:effectLst/>
+                          <a:latin typeface="Verdana" panose="020B0604030504040204" pitchFamily="34" charset="0"/>
+                          <a:ea typeface="+mn-ea"/>
+                          <a:cs typeface="+mn-cs"/>
+                        </a:rPr>
+                        <a:t> </a:t>
+                      </a:r>
+                      <a:r>
+                        <a:rPr kumimoji="0" lang="en-US" sz="1600" kern="1200" baseline="0" dirty="0" err="1" smtClean="0">
+                          <a:solidFill>
+                            <a:schemeClr val="dk1"/>
+                          </a:solidFill>
+                          <a:effectLst/>
+                          <a:latin typeface="Verdana" panose="020B0604030504040204" pitchFamily="34" charset="0"/>
+                          <a:ea typeface="+mn-ea"/>
+                          <a:cs typeface="+mn-cs"/>
+                        </a:rPr>
+                        <a:t>na</a:t>
+                      </a:r>
+                      <a:r>
+                        <a:rPr kumimoji="0" lang="en-US" sz="1600" kern="1200" baseline="0" dirty="0" smtClean="0">
+                          <a:solidFill>
+                            <a:schemeClr val="dk1"/>
+                          </a:solidFill>
+                          <a:effectLst/>
+                          <a:latin typeface="Verdana" panose="020B0604030504040204" pitchFamily="34" charset="0"/>
+                          <a:ea typeface="+mn-ea"/>
+                          <a:cs typeface="+mn-cs"/>
+                        </a:rPr>
+                        <a:t> </a:t>
+                      </a:r>
+                      <a:r>
+                        <a:rPr kumimoji="0" lang="en-US" sz="1600" kern="1200" baseline="0" dirty="0" err="1" smtClean="0">
+                          <a:solidFill>
+                            <a:schemeClr val="dk1"/>
+                          </a:solidFill>
+                          <a:effectLst/>
+                          <a:latin typeface="Verdana" panose="020B0604030504040204" pitchFamily="34" charset="0"/>
+                          <a:ea typeface="+mn-ea"/>
+                          <a:cs typeface="+mn-cs"/>
+                        </a:rPr>
+                        <a:t>informacioni</a:t>
+                      </a:r>
+                      <a:r>
+                        <a:rPr kumimoji="0" lang="en-US" sz="1600" kern="1200" baseline="0" dirty="0" smtClean="0">
+                          <a:solidFill>
+                            <a:schemeClr val="dk1"/>
+                          </a:solidFill>
+                          <a:effectLst/>
+                          <a:latin typeface="Verdana" panose="020B0604030504040204" pitchFamily="34" charset="0"/>
+                          <a:ea typeface="+mn-ea"/>
+                          <a:cs typeface="+mn-cs"/>
+                        </a:rPr>
+                        <a:t> </a:t>
+                      </a:r>
+                      <a:r>
+                        <a:rPr kumimoji="0" lang="en-US" sz="1600" kern="1200" baseline="0" dirty="0" err="1" smtClean="0">
+                          <a:solidFill>
+                            <a:schemeClr val="dk1"/>
+                          </a:solidFill>
+                          <a:effectLst/>
+                          <a:latin typeface="Verdana" panose="020B0604030504040204" pitchFamily="34" charset="0"/>
+                          <a:ea typeface="+mn-ea"/>
+                          <a:cs typeface="+mn-cs"/>
+                        </a:rPr>
+                        <a:t>sistem</a:t>
+                      </a:r>
+                      <a:r>
+                        <a:rPr kumimoji="0" lang="en-US" sz="1600" kern="1200" baseline="0" dirty="0" smtClean="0">
+                          <a:solidFill>
+                            <a:schemeClr val="dk1"/>
+                          </a:solidFill>
+                          <a:effectLst/>
+                          <a:latin typeface="Verdana" panose="020B0604030504040204" pitchFamily="34" charset="0"/>
+                          <a:ea typeface="+mn-ea"/>
+                          <a:cs typeface="+mn-cs"/>
+                        </a:rPr>
+                        <a:t> </a:t>
+                      </a:r>
+                      <a:r>
+                        <a:rPr kumimoji="0" lang="en-US" sz="1600" kern="1200" baseline="0" dirty="0" err="1" smtClean="0">
+                          <a:solidFill>
+                            <a:schemeClr val="dk1"/>
+                          </a:solidFill>
+                          <a:effectLst/>
+                          <a:latin typeface="Verdana" panose="020B0604030504040204" pitchFamily="34" charset="0"/>
+                          <a:ea typeface="+mn-ea"/>
+                          <a:cs typeface="+mn-cs"/>
+                        </a:rPr>
+                        <a:t>grada</a:t>
+                      </a:r>
+                      <a:r>
+                        <a:rPr kumimoji="0" lang="en-US" sz="1600" kern="1200" baseline="0" dirty="0" smtClean="0">
+                          <a:solidFill>
+                            <a:schemeClr val="dk1"/>
+                          </a:solidFill>
+                          <a:effectLst/>
+                          <a:latin typeface="Verdana" panose="020B0604030504040204" pitchFamily="34" charset="0"/>
+                          <a:ea typeface="+mn-ea"/>
+                          <a:cs typeface="+mn-cs"/>
+                        </a:rPr>
+                        <a:t> </a:t>
+                      </a:r>
+                      <a:r>
+                        <a:rPr kumimoji="0" lang="en-US" sz="1600" kern="1200" baseline="0" dirty="0" err="1" smtClean="0">
+                          <a:solidFill>
+                            <a:schemeClr val="dk1"/>
+                          </a:solidFill>
+                          <a:effectLst/>
+                          <a:latin typeface="Verdana" panose="020B0604030504040204" pitchFamily="34" charset="0"/>
+                          <a:ea typeface="+mn-ea"/>
+                          <a:cs typeface="+mn-cs"/>
+                        </a:rPr>
+                        <a:t>Novog</a:t>
+                      </a:r>
+                      <a:r>
+                        <a:rPr kumimoji="0" lang="en-US" sz="1600" kern="1200" baseline="0" dirty="0" smtClean="0">
+                          <a:solidFill>
+                            <a:schemeClr val="dk1"/>
+                          </a:solidFill>
+                          <a:effectLst/>
+                          <a:latin typeface="Verdana" panose="020B0604030504040204" pitchFamily="34" charset="0"/>
+                          <a:ea typeface="+mn-ea"/>
+                          <a:cs typeface="+mn-cs"/>
+                        </a:rPr>
+                        <a:t> </a:t>
+                      </a:r>
+                      <a:r>
+                        <a:rPr kumimoji="0" lang="en-US" sz="1600" kern="1200" baseline="0" dirty="0" err="1" smtClean="0">
+                          <a:solidFill>
+                            <a:schemeClr val="dk1"/>
+                          </a:solidFill>
+                          <a:effectLst/>
+                          <a:latin typeface="Verdana" panose="020B0604030504040204" pitchFamily="34" charset="0"/>
+                          <a:ea typeface="+mn-ea"/>
+                          <a:cs typeface="+mn-cs"/>
+                        </a:rPr>
+                        <a:t>Sada</a:t>
+                      </a:r>
+                      <a:r>
+                        <a:rPr kumimoji="0" lang="en-US" sz="1600" kern="1200" baseline="0" dirty="0" smtClean="0">
+                          <a:solidFill>
+                            <a:schemeClr val="dk1"/>
+                          </a:solidFill>
+                          <a:effectLst/>
+                          <a:latin typeface="Verdana" panose="020B0604030504040204" pitchFamily="34" charset="0"/>
+                          <a:ea typeface="+mn-ea"/>
+                          <a:cs typeface="+mn-cs"/>
+                        </a:rPr>
+                        <a:t> </a:t>
+                      </a:r>
+                      <a:r>
+                        <a:rPr kumimoji="0" lang="en-US" sz="1600" kern="1200" baseline="0" dirty="0" err="1" smtClean="0">
+                          <a:solidFill>
+                            <a:schemeClr val="dk1"/>
+                          </a:solidFill>
+                          <a:effectLst/>
+                          <a:latin typeface="Verdana" panose="020B0604030504040204" pitchFamily="34" charset="0"/>
+                          <a:ea typeface="+mn-ea"/>
+                          <a:cs typeface="+mn-cs"/>
+                        </a:rPr>
+                        <a:t>i</a:t>
+                      </a:r>
+                      <a:r>
+                        <a:rPr kumimoji="0" lang="en-US" sz="1600" kern="1200" baseline="0" dirty="0" smtClean="0">
+                          <a:solidFill>
+                            <a:schemeClr val="dk1"/>
+                          </a:solidFill>
+                          <a:effectLst/>
+                          <a:latin typeface="Verdana" panose="020B0604030504040204" pitchFamily="34" charset="0"/>
+                          <a:ea typeface="+mn-ea"/>
+                          <a:cs typeface="+mn-cs"/>
+                        </a:rPr>
+                        <a:t> </a:t>
+                      </a:r>
+                      <a:r>
+                        <a:rPr kumimoji="0" lang="en-US" sz="1600" kern="1200" baseline="0" dirty="0" err="1" smtClean="0">
+                          <a:solidFill>
+                            <a:schemeClr val="dk1"/>
+                          </a:solidFill>
+                          <a:effectLst/>
+                          <a:latin typeface="Verdana" panose="020B0604030504040204" pitchFamily="34" charset="0"/>
+                          <a:ea typeface="+mn-ea"/>
+                          <a:cs typeface="+mn-cs"/>
+                        </a:rPr>
+                        <a:t>ima</a:t>
+                      </a:r>
+                      <a:r>
+                        <a:rPr kumimoji="0" lang="en-US" sz="1600" kern="1200" baseline="0" dirty="0" smtClean="0">
+                          <a:solidFill>
+                            <a:schemeClr val="dk1"/>
+                          </a:solidFill>
+                          <a:effectLst/>
+                          <a:latin typeface="Verdana" panose="020B0604030504040204" pitchFamily="34" charset="0"/>
+                          <a:ea typeface="+mn-ea"/>
+                          <a:cs typeface="+mn-cs"/>
+                        </a:rPr>
+                        <a:t> </a:t>
+                      </a:r>
+                      <a:r>
+                        <a:rPr kumimoji="0" lang="en-US" sz="1600" kern="1200" baseline="0" dirty="0" err="1" smtClean="0">
+                          <a:solidFill>
+                            <a:schemeClr val="dk1"/>
+                          </a:solidFill>
+                          <a:effectLst/>
+                          <a:latin typeface="Verdana" panose="020B0604030504040204" pitchFamily="34" charset="0"/>
+                          <a:ea typeface="+mn-ea"/>
+                          <a:cs typeface="+mn-cs"/>
+                        </a:rPr>
+                        <a:t>validne</a:t>
+                      </a:r>
+                      <a:r>
+                        <a:rPr kumimoji="0" lang="en-US" sz="1600" kern="1200" baseline="0" dirty="0" smtClean="0">
+                          <a:solidFill>
+                            <a:schemeClr val="dk1"/>
+                          </a:solidFill>
+                          <a:effectLst/>
+                          <a:latin typeface="Verdana" panose="020B0604030504040204" pitchFamily="34" charset="0"/>
+                          <a:ea typeface="+mn-ea"/>
+                          <a:cs typeface="+mn-cs"/>
+                        </a:rPr>
+                        <a:t> </a:t>
+                      </a:r>
+                      <a:r>
+                        <a:rPr kumimoji="0" lang="en-US" sz="1600" kern="1200" baseline="0" dirty="0" err="1" smtClean="0">
+                          <a:solidFill>
+                            <a:schemeClr val="dk1"/>
+                          </a:solidFill>
+                          <a:effectLst/>
+                          <a:latin typeface="Verdana" panose="020B0604030504040204" pitchFamily="34" charset="0"/>
+                          <a:ea typeface="+mn-ea"/>
+                          <a:cs typeface="+mn-cs"/>
+                        </a:rPr>
+                        <a:t>kredencijale</a:t>
+                      </a:r>
+                      <a:r>
+                        <a:rPr kumimoji="0" lang="en-US" sz="1600" kern="1200" baseline="0" dirty="0" smtClean="0">
+                          <a:solidFill>
+                            <a:schemeClr val="dk1"/>
+                          </a:solidFill>
+                          <a:effectLst/>
+                          <a:latin typeface="Verdana" panose="020B0604030504040204" pitchFamily="34" charset="0"/>
+                          <a:ea typeface="+mn-ea"/>
+                          <a:cs typeface="+mn-cs"/>
+                        </a:rPr>
+                        <a:t> </a:t>
+                      </a:r>
+                      <a:r>
+                        <a:rPr kumimoji="0" lang="en-US" sz="1600" kern="1200" baseline="0" dirty="0" err="1" smtClean="0">
+                          <a:solidFill>
+                            <a:schemeClr val="dk1"/>
+                          </a:solidFill>
+                          <a:effectLst/>
+                          <a:latin typeface="Verdana" panose="020B0604030504040204" pitchFamily="34" charset="0"/>
+                          <a:ea typeface="+mn-ea"/>
+                          <a:cs typeface="+mn-cs"/>
+                        </a:rPr>
+                        <a:t>sa</a:t>
+                      </a:r>
+                      <a:r>
+                        <a:rPr kumimoji="0" lang="en-US" sz="1600" kern="1200" baseline="0" dirty="0" smtClean="0">
+                          <a:solidFill>
+                            <a:schemeClr val="dk1"/>
+                          </a:solidFill>
+                          <a:effectLst/>
+                          <a:latin typeface="Verdana" panose="020B0604030504040204" pitchFamily="34" charset="0"/>
+                          <a:ea typeface="+mn-ea"/>
+                          <a:cs typeface="+mn-cs"/>
+                        </a:rPr>
+                        <a:t> </a:t>
+                      </a:r>
+                      <a:r>
+                        <a:rPr kumimoji="0" lang="en-US" sz="1600" kern="1200" baseline="0" dirty="0" err="1" smtClean="0">
+                          <a:solidFill>
+                            <a:schemeClr val="dk1"/>
+                          </a:solidFill>
+                          <a:effectLst/>
+                          <a:latin typeface="Verdana" panose="020B0604030504040204" pitchFamily="34" charset="0"/>
+                          <a:ea typeface="+mn-ea"/>
+                          <a:cs typeface="+mn-cs"/>
+                        </a:rPr>
+                        <a:t>kojima</a:t>
+                      </a:r>
+                      <a:r>
+                        <a:rPr kumimoji="0" lang="en-US" sz="1600" kern="1200" baseline="0" dirty="0" smtClean="0">
+                          <a:solidFill>
+                            <a:schemeClr val="dk1"/>
+                          </a:solidFill>
+                          <a:effectLst/>
+                          <a:latin typeface="Verdana" panose="020B0604030504040204" pitchFamily="34" charset="0"/>
+                          <a:ea typeface="+mn-ea"/>
+                          <a:cs typeface="+mn-cs"/>
+                        </a:rPr>
+                        <a:t> </a:t>
+                      </a:r>
+                      <a:r>
+                        <a:rPr kumimoji="0" lang="en-US" sz="1600" kern="1200" baseline="0" dirty="0" err="1" smtClean="0">
+                          <a:solidFill>
+                            <a:schemeClr val="dk1"/>
+                          </a:solidFill>
+                          <a:effectLst/>
+                          <a:latin typeface="Verdana" panose="020B0604030504040204" pitchFamily="34" charset="0"/>
+                          <a:ea typeface="+mn-ea"/>
+                          <a:cs typeface="+mn-cs"/>
+                        </a:rPr>
+                        <a:t>moze</a:t>
+                      </a:r>
+                      <a:r>
+                        <a:rPr kumimoji="0" lang="en-US" sz="1600" kern="1200" baseline="0" dirty="0" smtClean="0">
+                          <a:solidFill>
+                            <a:schemeClr val="dk1"/>
+                          </a:solidFill>
+                          <a:effectLst/>
+                          <a:latin typeface="Verdana" panose="020B0604030504040204" pitchFamily="34" charset="0"/>
+                          <a:ea typeface="+mn-ea"/>
+                          <a:cs typeface="+mn-cs"/>
+                        </a:rPr>
+                        <a:t> da se </a:t>
+                      </a:r>
+                      <a:r>
+                        <a:rPr kumimoji="0" lang="en-US" sz="1600" kern="1200" baseline="0" dirty="0" err="1" smtClean="0">
+                          <a:solidFill>
+                            <a:schemeClr val="dk1"/>
+                          </a:solidFill>
+                          <a:effectLst/>
+                          <a:latin typeface="Verdana" panose="020B0604030504040204" pitchFamily="34" charset="0"/>
+                          <a:ea typeface="+mn-ea"/>
+                          <a:cs typeface="+mn-cs"/>
+                        </a:rPr>
+                        <a:t>uloguje</a:t>
+                      </a:r>
+                      <a:r>
+                        <a:rPr kumimoji="0" lang="en-US" sz="1600" kern="1200" baseline="0" dirty="0" smtClean="0">
+                          <a:solidFill>
+                            <a:schemeClr val="dk1"/>
+                          </a:solidFill>
+                          <a:effectLst/>
+                          <a:latin typeface="Verdana" panose="020B0604030504040204" pitchFamily="34" charset="0"/>
+                          <a:ea typeface="+mn-ea"/>
+                          <a:cs typeface="+mn-cs"/>
+                        </a:rPr>
+                        <a:t> </a:t>
+                      </a:r>
+                      <a:r>
+                        <a:rPr kumimoji="0" lang="en-US" sz="1600" kern="1200" baseline="0" dirty="0" err="1" smtClean="0">
+                          <a:solidFill>
+                            <a:schemeClr val="dk1"/>
+                          </a:solidFill>
+                          <a:effectLst/>
+                          <a:latin typeface="Verdana" panose="020B0604030504040204" pitchFamily="34" charset="0"/>
+                          <a:ea typeface="+mn-ea"/>
+                          <a:cs typeface="+mn-cs"/>
+                        </a:rPr>
+                        <a:t>na</a:t>
+                      </a:r>
+                      <a:r>
+                        <a:rPr kumimoji="0" lang="en-US" sz="1600" kern="1200" baseline="0" dirty="0" smtClean="0">
+                          <a:solidFill>
+                            <a:schemeClr val="dk1"/>
+                          </a:solidFill>
+                          <a:effectLst/>
+                          <a:latin typeface="Verdana" panose="020B0604030504040204" pitchFamily="34" charset="0"/>
+                          <a:ea typeface="+mn-ea"/>
+                          <a:cs typeface="+mn-cs"/>
+                        </a:rPr>
+                        <a:t> </a:t>
+                      </a:r>
+                      <a:r>
+                        <a:rPr kumimoji="0" lang="en-US" sz="1600" kern="1200" baseline="0" dirty="0" err="1" smtClean="0">
+                          <a:solidFill>
+                            <a:schemeClr val="dk1"/>
+                          </a:solidFill>
+                          <a:effectLst/>
+                          <a:latin typeface="Verdana" panose="020B0604030504040204" pitchFamily="34" charset="0"/>
+                          <a:ea typeface="+mn-ea"/>
+                          <a:cs typeface="+mn-cs"/>
+                        </a:rPr>
+                        <a:t>sam</a:t>
+                      </a:r>
+                      <a:r>
+                        <a:rPr kumimoji="0" lang="en-US" sz="1600" kern="1200" baseline="0" dirty="0" smtClean="0">
+                          <a:solidFill>
+                            <a:schemeClr val="dk1"/>
+                          </a:solidFill>
+                          <a:effectLst/>
+                          <a:latin typeface="Verdana" panose="020B0604030504040204" pitchFamily="34" charset="0"/>
+                          <a:ea typeface="+mn-ea"/>
+                          <a:cs typeface="+mn-cs"/>
+                        </a:rPr>
+                        <a:t> </a:t>
+                      </a:r>
+                      <a:r>
+                        <a:rPr kumimoji="0" lang="en-US" sz="1600" kern="1200" baseline="0" dirty="0" err="1" smtClean="0">
+                          <a:solidFill>
+                            <a:schemeClr val="dk1"/>
+                          </a:solidFill>
+                          <a:effectLst/>
+                          <a:latin typeface="Verdana" panose="020B0604030504040204" pitchFamily="34" charset="0"/>
+                          <a:ea typeface="+mn-ea"/>
+                          <a:cs typeface="+mn-cs"/>
+                        </a:rPr>
+                        <a:t>sistem</a:t>
+                      </a:r>
+                      <a:r>
+                        <a:rPr kumimoji="0" lang="en-US" sz="1600" kern="1200" baseline="0" dirty="0" smtClean="0">
+                          <a:solidFill>
+                            <a:schemeClr val="dk1"/>
+                          </a:solidFill>
+                          <a:effectLst/>
+                          <a:latin typeface="Verdana" panose="020B0604030504040204" pitchFamily="34" charset="0"/>
+                          <a:ea typeface="+mn-ea"/>
+                          <a:cs typeface="+mn-cs"/>
+                        </a:rPr>
+                        <a:t>.</a:t>
+                      </a:r>
+                      <a:endParaRPr lang="en-US" sz="1600" baseline="0" dirty="0">
+                        <a:solidFill>
+                          <a:schemeClr val="tx1"/>
+                        </a:solidFill>
+                        <a:latin typeface="Verdana" panose="020B0604030504040204" pitchFamily="34" charset="0"/>
+                      </a:endParaRPr>
+                    </a:p>
+                  </a:txBody>
+                  <a:tcPr/>
+                </a:tc>
+              </a:tr>
+              <a:tr h="383540">
+                <a:tc>
+                  <a:txBody>
+                    <a:bodyPr/>
+                    <a:lstStyle/>
+                    <a:p>
+                      <a:pPr algn="ctr"/>
+                      <a:r>
+                        <a:rPr lang="en-US" baseline="0" dirty="0" smtClean="0">
+                          <a:solidFill>
+                            <a:schemeClr val="tx1"/>
+                          </a:solidFill>
+                          <a:latin typeface="Verdana" panose="020B0604030504040204" pitchFamily="34" charset="0"/>
+                        </a:rPr>
+                        <a:t>3</a:t>
+                      </a:r>
+                      <a:endParaRPr lang="en-US" baseline="0" dirty="0">
+                        <a:solidFill>
+                          <a:schemeClr val="tx1"/>
+                        </a:solidFill>
+                        <a:latin typeface="Verdana" panose="020B0604030504040204" pitchFamily="34" charset="0"/>
+                      </a:endParaRPr>
+                    </a:p>
+                  </a:txBody>
+                  <a:tcPr/>
+                </a:tc>
+                <a:tc>
+                  <a:txBody>
+                    <a:bodyPr/>
+                    <a:lstStyle/>
+                    <a:p>
+                      <a:r>
+                        <a:rPr kumimoji="0" lang="en-US" sz="1400" kern="1200" baseline="0" dirty="0" err="1" smtClean="0">
+                          <a:solidFill>
+                            <a:schemeClr val="dk1"/>
+                          </a:solidFill>
+                          <a:effectLst/>
+                          <a:latin typeface="Verdana" panose="020B0604030504040204" pitchFamily="34" charset="0"/>
+                          <a:ea typeface="Verdana" panose="020B0604030504040204" pitchFamily="34" charset="0"/>
+                          <a:cs typeface="Verdana" panose="020B0604030504040204" pitchFamily="34" charset="0"/>
+                        </a:rPr>
+                        <a:t>Korisnik</a:t>
+                      </a:r>
+                      <a:r>
+                        <a:rPr kumimoji="0" lang="en-US" sz="1400" kern="1200" baseline="0" dirty="0" smtClean="0">
+                          <a:solidFill>
+                            <a:schemeClr val="dk1"/>
+                          </a:solidFill>
+                          <a:effectLst/>
+                          <a:latin typeface="Verdana" panose="020B0604030504040204" pitchFamily="34" charset="0"/>
+                          <a:ea typeface="Verdana" panose="020B0604030504040204" pitchFamily="34" charset="0"/>
+                          <a:cs typeface="Verdana" panose="020B0604030504040204" pitchFamily="34" charset="0"/>
+                        </a:rPr>
+                        <a:t> </a:t>
+                      </a:r>
+                      <a:r>
+                        <a:rPr kumimoji="0" lang="en-US" sz="1400" kern="1200" baseline="0" dirty="0" err="1" smtClean="0">
+                          <a:solidFill>
+                            <a:schemeClr val="dk1"/>
+                          </a:solidFill>
+                          <a:effectLst/>
+                          <a:latin typeface="Verdana" panose="020B0604030504040204" pitchFamily="34" charset="0"/>
+                          <a:ea typeface="Verdana" panose="020B0604030504040204" pitchFamily="34" charset="0"/>
+                          <a:cs typeface="Verdana" panose="020B0604030504040204" pitchFamily="34" charset="0"/>
+                        </a:rPr>
+                        <a:t>sa</a:t>
+                      </a:r>
+                      <a:r>
+                        <a:rPr kumimoji="0" lang="en-US" sz="1400" kern="1200" baseline="0" dirty="0" smtClean="0">
+                          <a:solidFill>
+                            <a:schemeClr val="dk1"/>
+                          </a:solidFill>
+                          <a:effectLst/>
+                          <a:latin typeface="Verdana" panose="020B0604030504040204" pitchFamily="34" charset="0"/>
+                          <a:ea typeface="Verdana" panose="020B0604030504040204" pitchFamily="34" charset="0"/>
+                          <a:cs typeface="Verdana" panose="020B0604030504040204" pitchFamily="34" charset="0"/>
+                        </a:rPr>
+                        <a:t> </a:t>
+                      </a:r>
+                      <a:r>
+                        <a:rPr kumimoji="0" lang="sr-Latn-RS" sz="1400" kern="1200" baseline="0" dirty="0" smtClean="0">
+                          <a:solidFill>
+                            <a:schemeClr val="dk1"/>
+                          </a:solidFill>
+                          <a:effectLst/>
+                          <a:latin typeface="Verdana" panose="020B0604030504040204" pitchFamily="34" charset="0"/>
+                          <a:ea typeface="Verdana" panose="020B0604030504040204" pitchFamily="34" charset="0"/>
+                          <a:cs typeface="Verdana" panose="020B0604030504040204" pitchFamily="34" charset="0"/>
+                        </a:rPr>
+                        <a:t>pogrešnim kredencijalima</a:t>
+                      </a:r>
+                      <a:endParaRPr lang="en-US" sz="1400" baseline="0" dirty="0">
+                        <a:solidFill>
+                          <a:schemeClr val="tx1"/>
+                        </a:solidFill>
+                        <a:latin typeface="Verdana" panose="020B0604030504040204" pitchFamily="34" charset="0"/>
+                        <a:ea typeface="Verdana" panose="020B0604030504040204" pitchFamily="34" charset="0"/>
+                        <a:cs typeface="Verdana" panose="020B0604030504040204" pitchFamily="34" charset="0"/>
+                      </a:endParaRPr>
+                    </a:p>
+                  </a:txBody>
+                  <a:tcPr/>
+                </a:tc>
+                <a:tc>
+                  <a:txBody>
+                    <a:bodyPr/>
+                    <a:lstStyle/>
+                    <a:p>
+                      <a:r>
+                        <a:rPr kumimoji="0" lang="en-US" sz="1600" kern="1200" baseline="0" dirty="0" err="1" smtClean="0">
+                          <a:solidFill>
+                            <a:schemeClr val="dk1"/>
+                          </a:solidFill>
+                          <a:effectLst/>
+                          <a:latin typeface="Verdana" panose="020B0604030504040204" pitchFamily="34" charset="0"/>
+                          <a:ea typeface="+mn-ea"/>
+                          <a:cs typeface="+mn-cs"/>
+                        </a:rPr>
+                        <a:t>Korisnik</a:t>
+                      </a:r>
+                      <a:r>
+                        <a:rPr kumimoji="0" lang="en-US" sz="1600" kern="1200" baseline="0" dirty="0" smtClean="0">
+                          <a:solidFill>
+                            <a:schemeClr val="dk1"/>
+                          </a:solidFill>
+                          <a:effectLst/>
+                          <a:latin typeface="Verdana" panose="020B0604030504040204" pitchFamily="34" charset="0"/>
+                          <a:ea typeface="+mn-ea"/>
+                          <a:cs typeface="+mn-cs"/>
+                        </a:rPr>
+                        <a:t> </a:t>
+                      </a:r>
+                      <a:r>
+                        <a:rPr kumimoji="0" lang="en-US" sz="1600" kern="1200" baseline="0" dirty="0" err="1" smtClean="0">
+                          <a:solidFill>
+                            <a:schemeClr val="dk1"/>
+                          </a:solidFill>
+                          <a:effectLst/>
+                          <a:latin typeface="Verdana" panose="020B0604030504040204" pitchFamily="34" charset="0"/>
+                          <a:ea typeface="+mn-ea"/>
+                          <a:cs typeface="+mn-cs"/>
+                        </a:rPr>
+                        <a:t>koji</a:t>
+                      </a:r>
+                      <a:r>
+                        <a:rPr kumimoji="0" lang="en-US" sz="1600" kern="1200" baseline="0" dirty="0" smtClean="0">
+                          <a:solidFill>
+                            <a:schemeClr val="dk1"/>
+                          </a:solidFill>
+                          <a:effectLst/>
+                          <a:latin typeface="Verdana" panose="020B0604030504040204" pitchFamily="34" charset="0"/>
+                          <a:ea typeface="+mn-ea"/>
+                          <a:cs typeface="+mn-cs"/>
+                        </a:rPr>
+                        <a:t> je </a:t>
+                      </a:r>
+                      <a:r>
+                        <a:rPr kumimoji="0" lang="en-US" sz="1600" kern="1200" baseline="0" dirty="0" err="1" smtClean="0">
+                          <a:solidFill>
+                            <a:schemeClr val="dk1"/>
+                          </a:solidFill>
+                          <a:effectLst/>
+                          <a:latin typeface="Verdana" panose="020B0604030504040204" pitchFamily="34" charset="0"/>
+                          <a:ea typeface="+mn-ea"/>
+                          <a:cs typeface="+mn-cs"/>
+                        </a:rPr>
+                        <a:t>konektovan</a:t>
+                      </a:r>
+                      <a:r>
+                        <a:rPr kumimoji="0" lang="en-US" sz="1600" kern="1200" baseline="0" dirty="0" smtClean="0">
+                          <a:solidFill>
+                            <a:schemeClr val="dk1"/>
+                          </a:solidFill>
+                          <a:effectLst/>
+                          <a:latin typeface="Verdana" panose="020B0604030504040204" pitchFamily="34" charset="0"/>
+                          <a:ea typeface="+mn-ea"/>
+                          <a:cs typeface="+mn-cs"/>
+                        </a:rPr>
+                        <a:t> </a:t>
+                      </a:r>
+                      <a:r>
+                        <a:rPr kumimoji="0" lang="en-US" sz="1600" kern="1200" baseline="0" dirty="0" err="1" smtClean="0">
+                          <a:solidFill>
+                            <a:schemeClr val="dk1"/>
+                          </a:solidFill>
+                          <a:effectLst/>
+                          <a:latin typeface="Verdana" panose="020B0604030504040204" pitchFamily="34" charset="0"/>
+                          <a:ea typeface="+mn-ea"/>
+                          <a:cs typeface="+mn-cs"/>
+                        </a:rPr>
+                        <a:t>na</a:t>
+                      </a:r>
+                      <a:r>
+                        <a:rPr kumimoji="0" lang="en-US" sz="1600" kern="1200" baseline="0" dirty="0" smtClean="0">
+                          <a:solidFill>
+                            <a:schemeClr val="dk1"/>
+                          </a:solidFill>
+                          <a:effectLst/>
+                          <a:latin typeface="Verdana" panose="020B0604030504040204" pitchFamily="34" charset="0"/>
+                          <a:ea typeface="+mn-ea"/>
+                          <a:cs typeface="+mn-cs"/>
+                        </a:rPr>
+                        <a:t> </a:t>
+                      </a:r>
+                      <a:r>
+                        <a:rPr kumimoji="0" lang="en-US" sz="1600" kern="1200" baseline="0" dirty="0" err="1" smtClean="0">
+                          <a:solidFill>
+                            <a:schemeClr val="dk1"/>
+                          </a:solidFill>
+                          <a:effectLst/>
+                          <a:latin typeface="Verdana" panose="020B0604030504040204" pitchFamily="34" charset="0"/>
+                          <a:ea typeface="+mn-ea"/>
+                          <a:cs typeface="+mn-cs"/>
+                        </a:rPr>
+                        <a:t>informaoni</a:t>
+                      </a:r>
+                      <a:r>
+                        <a:rPr kumimoji="0" lang="en-US" sz="1600" kern="1200" baseline="0" dirty="0" smtClean="0">
+                          <a:solidFill>
+                            <a:schemeClr val="dk1"/>
+                          </a:solidFill>
+                          <a:effectLst/>
+                          <a:latin typeface="Verdana" panose="020B0604030504040204" pitchFamily="34" charset="0"/>
+                          <a:ea typeface="+mn-ea"/>
+                          <a:cs typeface="+mn-cs"/>
+                        </a:rPr>
+                        <a:t> </a:t>
+                      </a:r>
+                      <a:r>
+                        <a:rPr kumimoji="0" lang="en-US" sz="1600" kern="1200" baseline="0" dirty="0" err="1" smtClean="0">
+                          <a:solidFill>
+                            <a:schemeClr val="dk1"/>
+                          </a:solidFill>
+                          <a:effectLst/>
+                          <a:latin typeface="Verdana" panose="020B0604030504040204" pitchFamily="34" charset="0"/>
+                          <a:ea typeface="+mn-ea"/>
+                          <a:cs typeface="+mn-cs"/>
+                        </a:rPr>
+                        <a:t>sistem</a:t>
+                      </a:r>
+                      <a:r>
+                        <a:rPr kumimoji="0" lang="en-US" sz="1600" kern="1200" baseline="0" dirty="0" smtClean="0">
+                          <a:solidFill>
+                            <a:schemeClr val="dk1"/>
+                          </a:solidFill>
+                          <a:effectLst/>
+                          <a:latin typeface="Verdana" panose="020B0604030504040204" pitchFamily="34" charset="0"/>
+                          <a:ea typeface="+mn-ea"/>
+                          <a:cs typeface="+mn-cs"/>
+                        </a:rPr>
+                        <a:t> </a:t>
+                      </a:r>
+                      <a:r>
+                        <a:rPr kumimoji="0" lang="en-US" sz="1600" kern="1200" baseline="0" dirty="0" err="1" smtClean="0">
+                          <a:solidFill>
+                            <a:schemeClr val="dk1"/>
+                          </a:solidFill>
+                          <a:effectLst/>
+                          <a:latin typeface="Verdana" panose="020B0604030504040204" pitchFamily="34" charset="0"/>
+                          <a:ea typeface="+mn-ea"/>
+                          <a:cs typeface="+mn-cs"/>
+                        </a:rPr>
+                        <a:t>grada</a:t>
+                      </a:r>
+                      <a:r>
+                        <a:rPr kumimoji="0" lang="en-US" sz="1600" kern="1200" baseline="0" dirty="0" smtClean="0">
+                          <a:solidFill>
+                            <a:schemeClr val="dk1"/>
+                          </a:solidFill>
+                          <a:effectLst/>
+                          <a:latin typeface="Verdana" panose="020B0604030504040204" pitchFamily="34" charset="0"/>
+                          <a:ea typeface="+mn-ea"/>
+                          <a:cs typeface="+mn-cs"/>
+                        </a:rPr>
+                        <a:t> </a:t>
+                      </a:r>
+                      <a:r>
+                        <a:rPr kumimoji="0" lang="en-US" sz="1600" kern="1200" baseline="0" dirty="0" err="1" smtClean="0">
+                          <a:solidFill>
+                            <a:schemeClr val="dk1"/>
+                          </a:solidFill>
+                          <a:effectLst/>
+                          <a:latin typeface="Verdana" panose="020B0604030504040204" pitchFamily="34" charset="0"/>
+                          <a:ea typeface="+mn-ea"/>
+                          <a:cs typeface="+mn-cs"/>
+                        </a:rPr>
+                        <a:t>Novog</a:t>
+                      </a:r>
+                      <a:r>
+                        <a:rPr kumimoji="0" lang="en-US" sz="1600" kern="1200" baseline="0" dirty="0" smtClean="0">
+                          <a:solidFill>
+                            <a:schemeClr val="dk1"/>
+                          </a:solidFill>
+                          <a:effectLst/>
+                          <a:latin typeface="Verdana" panose="020B0604030504040204" pitchFamily="34" charset="0"/>
+                          <a:ea typeface="+mn-ea"/>
+                          <a:cs typeface="+mn-cs"/>
+                        </a:rPr>
+                        <a:t> </a:t>
+                      </a:r>
+                      <a:r>
+                        <a:rPr kumimoji="0" lang="en-US" sz="1600" kern="1200" baseline="0" dirty="0" err="1" smtClean="0">
+                          <a:solidFill>
+                            <a:schemeClr val="dk1"/>
+                          </a:solidFill>
+                          <a:effectLst/>
+                          <a:latin typeface="Verdana" panose="020B0604030504040204" pitchFamily="34" charset="0"/>
+                          <a:ea typeface="+mn-ea"/>
+                          <a:cs typeface="+mn-cs"/>
+                        </a:rPr>
+                        <a:t>Sada</a:t>
+                      </a:r>
+                      <a:r>
+                        <a:rPr kumimoji="0" lang="en-US" sz="1600" kern="1200" baseline="0" dirty="0" smtClean="0">
+                          <a:solidFill>
+                            <a:schemeClr val="dk1"/>
+                          </a:solidFill>
+                          <a:effectLst/>
+                          <a:latin typeface="Verdana" panose="020B0604030504040204" pitchFamily="34" charset="0"/>
+                          <a:ea typeface="+mn-ea"/>
+                          <a:cs typeface="+mn-cs"/>
+                        </a:rPr>
+                        <a:t> </a:t>
+                      </a:r>
+                      <a:r>
+                        <a:rPr kumimoji="0" lang="en-US" sz="1600" kern="1200" baseline="0" dirty="0" err="1" smtClean="0">
+                          <a:solidFill>
+                            <a:schemeClr val="dk1"/>
+                          </a:solidFill>
+                          <a:effectLst/>
+                          <a:latin typeface="Verdana" panose="020B0604030504040204" pitchFamily="34" charset="0"/>
+                          <a:ea typeface="+mn-ea"/>
+                          <a:cs typeface="+mn-cs"/>
+                        </a:rPr>
+                        <a:t>i</a:t>
+                      </a:r>
+                      <a:r>
+                        <a:rPr kumimoji="0" lang="en-US" sz="1600" kern="1200" baseline="0" dirty="0" smtClean="0">
+                          <a:solidFill>
+                            <a:schemeClr val="dk1"/>
+                          </a:solidFill>
+                          <a:effectLst/>
+                          <a:latin typeface="Verdana" panose="020B0604030504040204" pitchFamily="34" charset="0"/>
+                          <a:ea typeface="+mn-ea"/>
+                          <a:cs typeface="+mn-cs"/>
+                        </a:rPr>
+                        <a:t> </a:t>
+                      </a:r>
+                      <a:r>
+                        <a:rPr kumimoji="0" lang="en-US" sz="1600" kern="1200" baseline="0" dirty="0" err="1" smtClean="0">
+                          <a:solidFill>
+                            <a:schemeClr val="dk1"/>
+                          </a:solidFill>
+                          <a:effectLst/>
+                          <a:latin typeface="Verdana" panose="020B0604030504040204" pitchFamily="34" charset="0"/>
+                          <a:ea typeface="+mn-ea"/>
+                          <a:cs typeface="+mn-cs"/>
+                        </a:rPr>
+                        <a:t>pokusava</a:t>
+                      </a:r>
+                      <a:r>
+                        <a:rPr kumimoji="0" lang="en-US" sz="1600" kern="1200" baseline="0" dirty="0" smtClean="0">
+                          <a:solidFill>
+                            <a:schemeClr val="dk1"/>
+                          </a:solidFill>
+                          <a:effectLst/>
+                          <a:latin typeface="Verdana" panose="020B0604030504040204" pitchFamily="34" charset="0"/>
+                          <a:ea typeface="+mn-ea"/>
+                          <a:cs typeface="+mn-cs"/>
+                        </a:rPr>
+                        <a:t> da se </a:t>
+                      </a:r>
+                      <a:r>
+                        <a:rPr kumimoji="0" lang="en-US" sz="1600" kern="1200" baseline="0" dirty="0" err="1" smtClean="0">
+                          <a:solidFill>
+                            <a:schemeClr val="dk1"/>
+                          </a:solidFill>
+                          <a:effectLst/>
+                          <a:latin typeface="Verdana" panose="020B0604030504040204" pitchFamily="34" charset="0"/>
+                          <a:ea typeface="+mn-ea"/>
+                          <a:cs typeface="+mn-cs"/>
+                        </a:rPr>
+                        <a:t>uloguje</a:t>
+                      </a:r>
+                      <a:r>
+                        <a:rPr kumimoji="0" lang="en-US" sz="1600" kern="1200" baseline="0" dirty="0" smtClean="0">
+                          <a:solidFill>
+                            <a:schemeClr val="dk1"/>
+                          </a:solidFill>
+                          <a:effectLst/>
+                          <a:latin typeface="Verdana" panose="020B0604030504040204" pitchFamily="34" charset="0"/>
+                          <a:ea typeface="+mn-ea"/>
+                          <a:cs typeface="+mn-cs"/>
+                        </a:rPr>
+                        <a:t> </a:t>
+                      </a:r>
+                      <a:r>
+                        <a:rPr kumimoji="0" lang="en-US" sz="1600" kern="1200" baseline="0" dirty="0" err="1" smtClean="0">
+                          <a:solidFill>
+                            <a:schemeClr val="dk1"/>
+                          </a:solidFill>
+                          <a:effectLst/>
+                          <a:latin typeface="Verdana" panose="020B0604030504040204" pitchFamily="34" charset="0"/>
+                          <a:ea typeface="+mn-ea"/>
+                          <a:cs typeface="+mn-cs"/>
+                        </a:rPr>
+                        <a:t>na</a:t>
+                      </a:r>
+                      <a:r>
+                        <a:rPr kumimoji="0" lang="en-US" sz="1600" kern="1200" baseline="0" dirty="0" smtClean="0">
+                          <a:solidFill>
+                            <a:schemeClr val="dk1"/>
+                          </a:solidFill>
+                          <a:effectLst/>
+                          <a:latin typeface="Verdana" panose="020B0604030504040204" pitchFamily="34" charset="0"/>
+                          <a:ea typeface="+mn-ea"/>
+                          <a:cs typeface="+mn-cs"/>
+                        </a:rPr>
+                        <a:t> </a:t>
+                      </a:r>
+                      <a:r>
+                        <a:rPr kumimoji="0" lang="en-US" sz="1600" kern="1200" baseline="0" dirty="0" err="1" smtClean="0">
+                          <a:solidFill>
+                            <a:schemeClr val="dk1"/>
+                          </a:solidFill>
+                          <a:effectLst/>
+                          <a:latin typeface="Verdana" panose="020B0604030504040204" pitchFamily="34" charset="0"/>
+                          <a:ea typeface="+mn-ea"/>
+                          <a:cs typeface="+mn-cs"/>
+                        </a:rPr>
+                        <a:t>sistem</a:t>
+                      </a:r>
+                      <a:r>
+                        <a:rPr kumimoji="0" lang="en-US" sz="1600" kern="1200" baseline="0" dirty="0" smtClean="0">
+                          <a:solidFill>
+                            <a:schemeClr val="dk1"/>
+                          </a:solidFill>
+                          <a:effectLst/>
+                          <a:latin typeface="Verdana" panose="020B0604030504040204" pitchFamily="34" charset="0"/>
+                          <a:ea typeface="+mn-ea"/>
+                          <a:cs typeface="+mn-cs"/>
+                        </a:rPr>
+                        <a:t> </a:t>
+                      </a:r>
+                      <a:r>
+                        <a:rPr kumimoji="0" lang="en-US" sz="1600" kern="1200" baseline="0" dirty="0" err="1" smtClean="0">
+                          <a:solidFill>
+                            <a:schemeClr val="dk1"/>
+                          </a:solidFill>
+                          <a:effectLst/>
+                          <a:latin typeface="Verdana" panose="020B0604030504040204" pitchFamily="34" charset="0"/>
+                          <a:ea typeface="+mn-ea"/>
+                          <a:cs typeface="+mn-cs"/>
+                        </a:rPr>
+                        <a:t>sa</a:t>
+                      </a:r>
+                      <a:r>
+                        <a:rPr kumimoji="0" lang="en-US" sz="1600" kern="1200" baseline="0" dirty="0" smtClean="0">
+                          <a:solidFill>
+                            <a:schemeClr val="dk1"/>
+                          </a:solidFill>
+                          <a:effectLst/>
+                          <a:latin typeface="Verdana" panose="020B0604030504040204" pitchFamily="34" charset="0"/>
+                          <a:ea typeface="+mn-ea"/>
+                          <a:cs typeface="+mn-cs"/>
+                        </a:rPr>
+                        <a:t> </a:t>
+                      </a:r>
+                      <a:r>
+                        <a:rPr kumimoji="0" lang="en-US" sz="1600" kern="1200" baseline="0" dirty="0" err="1" smtClean="0">
+                          <a:solidFill>
+                            <a:schemeClr val="dk1"/>
+                          </a:solidFill>
+                          <a:effectLst/>
+                          <a:latin typeface="Verdana" panose="020B0604030504040204" pitchFamily="34" charset="0"/>
+                          <a:ea typeface="+mn-ea"/>
+                          <a:cs typeface="+mn-cs"/>
+                        </a:rPr>
+                        <a:t>pogrešnim</a:t>
+                      </a:r>
+                      <a:r>
+                        <a:rPr kumimoji="0" lang="en-US" sz="1600" kern="1200" baseline="0" dirty="0" smtClean="0">
+                          <a:solidFill>
+                            <a:schemeClr val="dk1"/>
+                          </a:solidFill>
+                          <a:effectLst/>
+                          <a:latin typeface="Verdana" panose="020B0604030504040204" pitchFamily="34" charset="0"/>
+                          <a:ea typeface="+mn-ea"/>
+                          <a:cs typeface="+mn-cs"/>
+                        </a:rPr>
+                        <a:t> </a:t>
+                      </a:r>
+                      <a:r>
+                        <a:rPr kumimoji="0" lang="en-US" sz="1600" kern="1200" baseline="0" dirty="0" err="1" smtClean="0">
+                          <a:solidFill>
+                            <a:schemeClr val="dk1"/>
+                          </a:solidFill>
+                          <a:effectLst/>
+                          <a:latin typeface="Verdana" panose="020B0604030504040204" pitchFamily="34" charset="0"/>
+                          <a:ea typeface="+mn-ea"/>
+                          <a:cs typeface="+mn-cs"/>
+                        </a:rPr>
+                        <a:t>kredencijalima</a:t>
+                      </a:r>
+                      <a:r>
+                        <a:rPr kumimoji="0" lang="en-US" sz="1600" kern="1200" baseline="0" dirty="0" smtClean="0">
+                          <a:solidFill>
+                            <a:schemeClr val="dk1"/>
+                          </a:solidFill>
+                          <a:effectLst/>
+                          <a:latin typeface="Verdana" panose="020B0604030504040204" pitchFamily="34" charset="0"/>
+                          <a:ea typeface="+mn-ea"/>
+                          <a:cs typeface="+mn-cs"/>
+                        </a:rPr>
+                        <a:t>.</a:t>
+                      </a:r>
+                      <a:endParaRPr lang="en-US" sz="1600" baseline="0" dirty="0">
+                        <a:solidFill>
+                          <a:schemeClr val="tx1"/>
+                        </a:solidFill>
+                        <a:latin typeface="Verdana" panose="020B0604030504040204" pitchFamily="34" charset="0"/>
+                      </a:endParaRPr>
+                    </a:p>
+                  </a:txBody>
+                  <a:tcPr/>
+                </a:tc>
+              </a:tr>
+              <a:tr h="383540">
+                <a:tc>
+                  <a:txBody>
+                    <a:bodyPr/>
+                    <a:lstStyle/>
+                    <a:p>
+                      <a:pPr algn="ctr"/>
+                      <a:r>
+                        <a:rPr lang="en-US" baseline="0" dirty="0" smtClean="0">
+                          <a:solidFill>
+                            <a:schemeClr val="tx1"/>
+                          </a:solidFill>
+                          <a:latin typeface="Verdana" panose="020B0604030504040204" pitchFamily="34" charset="0"/>
+                        </a:rPr>
+                        <a:t>4</a:t>
+                      </a:r>
+                      <a:endParaRPr lang="en-US" baseline="0" dirty="0">
+                        <a:solidFill>
+                          <a:schemeClr val="tx1"/>
+                        </a:solidFill>
+                        <a:latin typeface="Verdana" panose="020B0604030504040204" pitchFamily="34" charset="0"/>
+                      </a:endParaRPr>
+                    </a:p>
+                  </a:txBody>
+                  <a:tcPr/>
+                </a:tc>
+                <a:tc>
+                  <a:txBody>
+                    <a:bodyPr/>
+                    <a:lstStyle/>
+                    <a:p>
+                      <a:r>
+                        <a:rPr kumimoji="0" lang="en-US" sz="1600" kern="1200" baseline="0" dirty="0" err="1" smtClean="0">
+                          <a:solidFill>
+                            <a:schemeClr val="dk1"/>
+                          </a:solidFill>
+                          <a:effectLst/>
+                          <a:latin typeface="Verdana" panose="020B0604030504040204" pitchFamily="34" charset="0"/>
+                          <a:ea typeface="+mn-ea"/>
+                          <a:cs typeface="+mn-cs"/>
+                        </a:rPr>
+                        <a:t>Odbornik</a:t>
+                      </a:r>
+                      <a:endParaRPr lang="en-US" sz="1600" baseline="0" dirty="0">
+                        <a:solidFill>
+                          <a:schemeClr val="tx1"/>
+                        </a:solidFill>
+                        <a:latin typeface="Verdana" panose="020B0604030504040204" pitchFamily="34" charset="0"/>
+                      </a:endParaRPr>
+                    </a:p>
+                  </a:txBody>
+                  <a:tcPr/>
+                </a:tc>
+                <a:tc>
+                  <a:txBody>
+                    <a:bodyPr/>
+                    <a:lstStyle/>
+                    <a:p>
+                      <a:r>
+                        <a:rPr kumimoji="0" lang="en-US" sz="1600" kern="1200" baseline="0" dirty="0" err="1" smtClean="0">
+                          <a:solidFill>
+                            <a:schemeClr val="dk1"/>
+                          </a:solidFill>
+                          <a:effectLst/>
+                          <a:latin typeface="Verdana" panose="020B0604030504040204" pitchFamily="34" charset="0"/>
+                          <a:ea typeface="+mn-ea"/>
+                          <a:cs typeface="+mn-cs"/>
+                        </a:rPr>
+                        <a:t>Ulogovani</a:t>
+                      </a:r>
+                      <a:r>
+                        <a:rPr kumimoji="0" lang="en-US" sz="1600" kern="1200" baseline="0" dirty="0" smtClean="0">
+                          <a:solidFill>
+                            <a:schemeClr val="dk1"/>
+                          </a:solidFill>
+                          <a:effectLst/>
+                          <a:latin typeface="Verdana" panose="020B0604030504040204" pitchFamily="34" charset="0"/>
+                          <a:ea typeface="+mn-ea"/>
+                          <a:cs typeface="+mn-cs"/>
+                        </a:rPr>
+                        <a:t> </a:t>
+                      </a:r>
+                      <a:r>
+                        <a:rPr kumimoji="0" lang="en-US" sz="1600" kern="1200" baseline="0" dirty="0" err="1" smtClean="0">
+                          <a:solidFill>
+                            <a:schemeClr val="dk1"/>
+                          </a:solidFill>
+                          <a:effectLst/>
+                          <a:latin typeface="Verdana" panose="020B0604030504040204" pitchFamily="34" charset="0"/>
+                          <a:ea typeface="+mn-ea"/>
+                          <a:cs typeface="+mn-cs"/>
+                        </a:rPr>
+                        <a:t>korisnik</a:t>
+                      </a:r>
+                      <a:r>
+                        <a:rPr kumimoji="0" lang="en-US" sz="1600" kern="1200" baseline="0" dirty="0" smtClean="0">
+                          <a:solidFill>
+                            <a:schemeClr val="dk1"/>
+                          </a:solidFill>
+                          <a:effectLst/>
+                          <a:latin typeface="Verdana" panose="020B0604030504040204" pitchFamily="34" charset="0"/>
+                          <a:ea typeface="+mn-ea"/>
+                          <a:cs typeface="+mn-cs"/>
+                        </a:rPr>
+                        <a:t> </a:t>
+                      </a:r>
+                      <a:r>
+                        <a:rPr kumimoji="0" lang="en-US" sz="1600" kern="1200" baseline="0" dirty="0" err="1" smtClean="0">
+                          <a:solidFill>
+                            <a:schemeClr val="dk1"/>
+                          </a:solidFill>
+                          <a:effectLst/>
+                          <a:latin typeface="Verdana" panose="020B0604030504040204" pitchFamily="34" charset="0"/>
+                          <a:ea typeface="+mn-ea"/>
+                          <a:cs typeface="+mn-cs"/>
+                        </a:rPr>
+                        <a:t>sistema</a:t>
+                      </a:r>
+                      <a:r>
+                        <a:rPr kumimoji="0" lang="en-US" sz="1600" kern="1200" baseline="0" dirty="0" smtClean="0">
+                          <a:solidFill>
+                            <a:schemeClr val="dk1"/>
+                          </a:solidFill>
+                          <a:effectLst/>
+                          <a:latin typeface="Verdana" panose="020B0604030504040204" pitchFamily="34" charset="0"/>
+                          <a:ea typeface="+mn-ea"/>
+                          <a:cs typeface="+mn-cs"/>
+                        </a:rPr>
+                        <a:t> </a:t>
+                      </a:r>
+                      <a:r>
+                        <a:rPr kumimoji="0" lang="en-US" sz="1600" kern="1200" baseline="0" dirty="0" err="1" smtClean="0">
+                          <a:solidFill>
+                            <a:schemeClr val="dk1"/>
+                          </a:solidFill>
+                          <a:effectLst/>
+                          <a:latin typeface="Verdana" panose="020B0604030504040204" pitchFamily="34" charset="0"/>
+                          <a:ea typeface="+mn-ea"/>
+                          <a:cs typeface="+mn-cs"/>
+                        </a:rPr>
+                        <a:t>koji</a:t>
+                      </a:r>
+                      <a:r>
+                        <a:rPr kumimoji="0" lang="en-US" sz="1600" kern="1200" baseline="0" dirty="0" smtClean="0">
+                          <a:solidFill>
+                            <a:schemeClr val="dk1"/>
+                          </a:solidFill>
+                          <a:effectLst/>
+                          <a:latin typeface="Verdana" panose="020B0604030504040204" pitchFamily="34" charset="0"/>
+                          <a:ea typeface="+mn-ea"/>
+                          <a:cs typeface="+mn-cs"/>
+                        </a:rPr>
+                        <a:t> </a:t>
+                      </a:r>
+                      <a:r>
+                        <a:rPr kumimoji="0" lang="en-US" sz="1600" kern="1200" baseline="0" dirty="0" err="1" smtClean="0">
+                          <a:solidFill>
+                            <a:schemeClr val="dk1"/>
+                          </a:solidFill>
+                          <a:effectLst/>
+                          <a:latin typeface="Verdana" panose="020B0604030504040204" pitchFamily="34" charset="0"/>
+                          <a:ea typeface="+mn-ea"/>
+                          <a:cs typeface="+mn-cs"/>
+                        </a:rPr>
+                        <a:t>može</a:t>
+                      </a:r>
+                      <a:r>
+                        <a:rPr kumimoji="0" lang="en-US" sz="1600" kern="1200" baseline="0" dirty="0" smtClean="0">
+                          <a:solidFill>
+                            <a:schemeClr val="dk1"/>
+                          </a:solidFill>
+                          <a:effectLst/>
+                          <a:latin typeface="Verdana" panose="020B0604030504040204" pitchFamily="34" charset="0"/>
+                          <a:ea typeface="+mn-ea"/>
+                          <a:cs typeface="+mn-cs"/>
+                        </a:rPr>
+                        <a:t> da </a:t>
+                      </a:r>
+                      <a:r>
+                        <a:rPr kumimoji="0" lang="en-US" sz="1600" kern="1200" baseline="0" dirty="0" err="1" smtClean="0">
+                          <a:solidFill>
+                            <a:schemeClr val="dk1"/>
+                          </a:solidFill>
+                          <a:effectLst/>
+                          <a:latin typeface="Verdana" panose="020B0604030504040204" pitchFamily="34" charset="0"/>
+                          <a:ea typeface="+mn-ea"/>
+                          <a:cs typeface="+mn-cs"/>
+                        </a:rPr>
+                        <a:t>predlaže</a:t>
+                      </a:r>
+                      <a:r>
+                        <a:rPr kumimoji="0" lang="en-US" sz="1600" kern="1200" baseline="0" dirty="0" smtClean="0">
+                          <a:solidFill>
+                            <a:schemeClr val="dk1"/>
+                          </a:solidFill>
+                          <a:effectLst/>
+                          <a:latin typeface="Verdana" panose="020B0604030504040204" pitchFamily="34" charset="0"/>
+                          <a:ea typeface="+mn-ea"/>
+                          <a:cs typeface="+mn-cs"/>
+                        </a:rPr>
+                        <a:t> </a:t>
+                      </a:r>
+                      <a:r>
+                        <a:rPr kumimoji="0" lang="en-US" sz="1600" kern="1200" baseline="0" dirty="0" err="1" smtClean="0">
+                          <a:solidFill>
+                            <a:schemeClr val="dk1"/>
+                          </a:solidFill>
+                          <a:effectLst/>
+                          <a:latin typeface="Verdana" panose="020B0604030504040204" pitchFamily="34" charset="0"/>
+                          <a:ea typeface="+mn-ea"/>
+                          <a:cs typeface="+mn-cs"/>
+                        </a:rPr>
+                        <a:t>ili</a:t>
+                      </a:r>
+                      <a:r>
+                        <a:rPr kumimoji="0" lang="en-US" sz="1600" kern="1200" baseline="0" dirty="0" smtClean="0">
+                          <a:solidFill>
+                            <a:schemeClr val="dk1"/>
+                          </a:solidFill>
+                          <a:effectLst/>
+                          <a:latin typeface="Verdana" panose="020B0604030504040204" pitchFamily="34" charset="0"/>
+                          <a:ea typeface="+mn-ea"/>
+                          <a:cs typeface="+mn-cs"/>
+                        </a:rPr>
+                        <a:t> </a:t>
+                      </a:r>
+                      <a:r>
+                        <a:rPr kumimoji="0" lang="en-US" sz="1600" kern="1200" baseline="0" dirty="0" err="1" smtClean="0">
+                          <a:solidFill>
+                            <a:schemeClr val="dk1"/>
+                          </a:solidFill>
+                          <a:effectLst/>
+                          <a:latin typeface="Verdana" panose="020B0604030504040204" pitchFamily="34" charset="0"/>
+                          <a:ea typeface="+mn-ea"/>
+                          <a:cs typeface="+mn-cs"/>
+                        </a:rPr>
+                        <a:t>povlači</a:t>
+                      </a:r>
+                      <a:r>
+                        <a:rPr kumimoji="0" lang="en-US" sz="1600" kern="1200" baseline="0" dirty="0" smtClean="0">
+                          <a:solidFill>
+                            <a:schemeClr val="dk1"/>
+                          </a:solidFill>
+                          <a:effectLst/>
+                          <a:latin typeface="Verdana" panose="020B0604030504040204" pitchFamily="34" charset="0"/>
+                          <a:ea typeface="+mn-ea"/>
+                          <a:cs typeface="+mn-cs"/>
+                        </a:rPr>
+                        <a:t> </a:t>
+                      </a:r>
+                      <a:r>
+                        <a:rPr kumimoji="0" lang="en-US" sz="1600" kern="1200" baseline="0" dirty="0" err="1" smtClean="0">
+                          <a:solidFill>
+                            <a:schemeClr val="dk1"/>
+                          </a:solidFill>
+                          <a:effectLst/>
+                          <a:latin typeface="Verdana" panose="020B0604030504040204" pitchFamily="34" charset="0"/>
+                          <a:ea typeface="+mn-ea"/>
+                          <a:cs typeface="+mn-cs"/>
+                        </a:rPr>
+                        <a:t>predložene</a:t>
+                      </a:r>
+                      <a:r>
+                        <a:rPr kumimoji="0" lang="en-US" sz="1600" kern="1200" baseline="0" dirty="0" smtClean="0">
+                          <a:solidFill>
+                            <a:schemeClr val="dk1"/>
+                          </a:solidFill>
+                          <a:effectLst/>
+                          <a:latin typeface="Verdana" panose="020B0604030504040204" pitchFamily="34" charset="0"/>
+                          <a:ea typeface="+mn-ea"/>
+                          <a:cs typeface="+mn-cs"/>
+                        </a:rPr>
+                        <a:t> </a:t>
+                      </a:r>
+                      <a:r>
+                        <a:rPr kumimoji="0" lang="en-US" sz="1600" kern="1200" baseline="0" dirty="0" err="1" smtClean="0">
+                          <a:solidFill>
+                            <a:schemeClr val="dk1"/>
+                          </a:solidFill>
+                          <a:effectLst/>
+                          <a:latin typeface="Verdana" panose="020B0604030504040204" pitchFamily="34" charset="0"/>
+                          <a:ea typeface="+mn-ea"/>
+                          <a:cs typeface="+mn-cs"/>
+                        </a:rPr>
+                        <a:t>akte</a:t>
+                      </a:r>
+                      <a:r>
+                        <a:rPr kumimoji="0" lang="en-US" sz="1600" kern="1200" baseline="0" dirty="0" smtClean="0">
+                          <a:solidFill>
+                            <a:schemeClr val="dk1"/>
+                          </a:solidFill>
+                          <a:effectLst/>
+                          <a:latin typeface="Verdana" panose="020B0604030504040204" pitchFamily="34" charset="0"/>
+                          <a:ea typeface="+mn-ea"/>
+                          <a:cs typeface="+mn-cs"/>
+                        </a:rPr>
+                        <a:t> </a:t>
+                      </a:r>
+                      <a:r>
+                        <a:rPr kumimoji="0" lang="en-US" sz="1600" kern="1200" baseline="0" dirty="0" err="1" smtClean="0">
+                          <a:solidFill>
+                            <a:schemeClr val="dk1"/>
+                          </a:solidFill>
+                          <a:effectLst/>
+                          <a:latin typeface="Verdana" panose="020B0604030504040204" pitchFamily="34" charset="0"/>
+                          <a:ea typeface="+mn-ea"/>
+                          <a:cs typeface="+mn-cs"/>
+                        </a:rPr>
+                        <a:t>i</a:t>
+                      </a:r>
+                      <a:r>
+                        <a:rPr kumimoji="0" lang="en-US" sz="1600" kern="1200" baseline="0" dirty="0" smtClean="0">
+                          <a:solidFill>
+                            <a:schemeClr val="dk1"/>
+                          </a:solidFill>
+                          <a:effectLst/>
+                          <a:latin typeface="Verdana" panose="020B0604030504040204" pitchFamily="34" charset="0"/>
+                          <a:ea typeface="+mn-ea"/>
+                          <a:cs typeface="+mn-cs"/>
+                        </a:rPr>
+                        <a:t> </a:t>
+                      </a:r>
+                      <a:r>
+                        <a:rPr kumimoji="0" lang="en-US" sz="1600" kern="1200" baseline="0" dirty="0" err="1" smtClean="0">
+                          <a:solidFill>
+                            <a:schemeClr val="dk1"/>
+                          </a:solidFill>
+                          <a:effectLst/>
+                          <a:latin typeface="Verdana" panose="020B0604030504040204" pitchFamily="34" charset="0"/>
+                          <a:ea typeface="+mn-ea"/>
+                          <a:cs typeface="+mn-cs"/>
+                        </a:rPr>
+                        <a:t>amandmane</a:t>
+                      </a:r>
+                      <a:r>
+                        <a:rPr kumimoji="0" lang="en-US" sz="1600" kern="1200" baseline="0" dirty="0" smtClean="0">
+                          <a:solidFill>
+                            <a:schemeClr val="dk1"/>
+                          </a:solidFill>
+                          <a:effectLst/>
+                          <a:latin typeface="Verdana" panose="020B0604030504040204" pitchFamily="34" charset="0"/>
+                          <a:ea typeface="+mn-ea"/>
+                          <a:cs typeface="+mn-cs"/>
+                        </a:rPr>
+                        <a:t> </a:t>
+                      </a:r>
+                      <a:r>
+                        <a:rPr kumimoji="0" lang="en-US" sz="1600" kern="1200" baseline="0" dirty="0" err="1" smtClean="0">
+                          <a:solidFill>
+                            <a:schemeClr val="dk1"/>
+                          </a:solidFill>
+                          <a:effectLst/>
+                          <a:latin typeface="Verdana" panose="020B0604030504040204" pitchFamily="34" charset="0"/>
+                          <a:ea typeface="+mn-ea"/>
+                          <a:cs typeface="+mn-cs"/>
+                        </a:rPr>
+                        <a:t>na</a:t>
+                      </a:r>
+                      <a:r>
+                        <a:rPr kumimoji="0" lang="en-US" sz="1600" kern="1200" baseline="0" dirty="0" smtClean="0">
+                          <a:solidFill>
+                            <a:schemeClr val="dk1"/>
+                          </a:solidFill>
+                          <a:effectLst/>
+                          <a:latin typeface="Verdana" panose="020B0604030504040204" pitchFamily="34" charset="0"/>
+                          <a:ea typeface="+mn-ea"/>
+                          <a:cs typeface="+mn-cs"/>
+                        </a:rPr>
+                        <a:t> </a:t>
+                      </a:r>
+                      <a:r>
+                        <a:rPr kumimoji="0" lang="en-US" sz="1600" kern="1200" baseline="0" dirty="0" err="1" smtClean="0">
+                          <a:solidFill>
+                            <a:schemeClr val="dk1"/>
+                          </a:solidFill>
+                          <a:effectLst/>
+                          <a:latin typeface="Verdana" panose="020B0604030504040204" pitchFamily="34" charset="0"/>
+                          <a:ea typeface="+mn-ea"/>
+                          <a:cs typeface="+mn-cs"/>
+                        </a:rPr>
+                        <a:t>usvojene</a:t>
+                      </a:r>
+                      <a:r>
+                        <a:rPr kumimoji="0" lang="en-US" sz="1600" kern="1200" baseline="0" dirty="0" smtClean="0">
+                          <a:solidFill>
+                            <a:schemeClr val="dk1"/>
+                          </a:solidFill>
+                          <a:effectLst/>
+                          <a:latin typeface="Verdana" panose="020B0604030504040204" pitchFamily="34" charset="0"/>
+                          <a:ea typeface="+mn-ea"/>
+                          <a:cs typeface="+mn-cs"/>
+                        </a:rPr>
+                        <a:t> </a:t>
+                      </a:r>
+                      <a:r>
+                        <a:rPr kumimoji="0" lang="en-US" sz="1600" kern="1200" baseline="0" dirty="0" err="1" smtClean="0">
+                          <a:solidFill>
+                            <a:schemeClr val="dk1"/>
+                          </a:solidFill>
+                          <a:effectLst/>
+                          <a:latin typeface="Verdana" panose="020B0604030504040204" pitchFamily="34" charset="0"/>
+                          <a:ea typeface="+mn-ea"/>
+                          <a:cs typeface="+mn-cs"/>
+                        </a:rPr>
+                        <a:t>akte</a:t>
+                      </a:r>
+                      <a:r>
+                        <a:rPr kumimoji="0" lang="en-US" sz="1600" kern="1200" baseline="0" dirty="0" smtClean="0">
+                          <a:solidFill>
+                            <a:schemeClr val="dk1"/>
+                          </a:solidFill>
+                          <a:effectLst/>
+                          <a:latin typeface="Verdana" panose="020B0604030504040204" pitchFamily="34" charset="0"/>
+                          <a:ea typeface="+mn-ea"/>
+                          <a:cs typeface="+mn-cs"/>
+                        </a:rPr>
+                        <a:t>.</a:t>
+                      </a:r>
+                      <a:endParaRPr lang="en-US" sz="1600" baseline="0" dirty="0">
+                        <a:solidFill>
+                          <a:schemeClr val="tx1"/>
+                        </a:solidFill>
+                        <a:latin typeface="Verdana" panose="020B0604030504040204" pitchFamily="34" charset="0"/>
+                      </a:endParaRPr>
+                    </a:p>
+                  </a:txBody>
+                  <a:tcPr/>
+                </a:tc>
+              </a:tr>
+            </a:tbl>
+          </a:graphicData>
+        </a:graphic>
+      </p:graphicFrame>
+    </p:spTree>
+    <p:extLst>
+      <p:ext uri="{BB962C8B-B14F-4D97-AF65-F5344CB8AC3E}">
+        <p14:creationId xmlns:p14="http://schemas.microsoft.com/office/powerpoint/2010/main" val="2566385576"/>
+      </p:ext>
+    </p:extLst>
+  </p:cSld>
+  <p:clrMapOvr>
+    <a:masterClrMapping/>
+  </p:clrMapOvr>
+  <p:timing>
+    <p:tnLst>
+      <p:par>
+        <p:cTn id="1" dur="indefinite" restart="never" nodeType="tmRoot"/>
+      </p:par>
+    </p:tnLst>
+  </p:timing>
+</p:sld>
+</file>
+
+<file path=ppt/slides/slide9.xml><?xml version="1.0" encoding="utf-8"?>
+<p:sld xmlns:a="http://schemas.openxmlformats.org/drawingml/2006/main" xmlns:r="http://schemas.openxmlformats.org/officeDocument/2006/relationships" xmlns:p="http://schemas.openxmlformats.org/presentationml/2006/main">
+  <p:cSld>
+    <p:spTree>
+      <p:nvGrpSpPr>
+        <p:cNvPr id="1" name=""/>
+        <p:cNvGrpSpPr/>
+        <p:nvPr/>
+      </p:nvGrpSpPr>
+      <p:grpSpPr>
+        <a:xfrm>
+          <a:off x="0" y="0"/>
+          <a:ext cx="0" cy="0"/>
+          <a:chOff x="0" y="0"/>
+          <a:chExt cx="0" cy="0"/>
+        </a:xfrm>
+      </p:grpSpPr>
+      <p:graphicFrame>
+        <p:nvGraphicFramePr>
+          <p:cNvPr id="4" name="Table 3"/>
+          <p:cNvGraphicFramePr>
+            <a:graphicFrameLocks noGrp="1"/>
+          </p:cNvGraphicFramePr>
+          <p:nvPr>
+            <p:extLst>
+              <p:ext uri="{D42A27DB-BD31-4B8C-83A1-F6EECF244321}">
+                <p14:modId xmlns:p14="http://schemas.microsoft.com/office/powerpoint/2010/main" val="935161807"/>
+              </p:ext>
+            </p:extLst>
+          </p:nvPr>
+        </p:nvGraphicFramePr>
+        <p:xfrm>
+          <a:off x="762000" y="533400"/>
+          <a:ext cx="7543800" cy="3779965"/>
+        </p:xfrm>
+        <a:graphic>
+          <a:graphicData uri="http://schemas.openxmlformats.org/drawingml/2006/table">
+            <a:tbl>
+              <a:tblPr firstRow="1" bandRow="1">
+                <a:tableStyleId>{5C22544A-7EE6-4342-B048-85BDC9FD1C3A}</a:tableStyleId>
+              </a:tblPr>
+              <a:tblGrid>
+                <a:gridCol w="685800"/>
+                <a:gridCol w="2819400"/>
+                <a:gridCol w="4038600"/>
+              </a:tblGrid>
+              <a:tr h="370840">
+                <a:tc>
+                  <a:txBody>
+                    <a:bodyPr/>
+                    <a:lstStyle/>
+                    <a:p>
+                      <a:pPr algn="ctr"/>
+                      <a:r>
+                        <a:rPr lang="en-US" baseline="0" dirty="0" smtClean="0">
+                          <a:solidFill>
+                            <a:schemeClr val="tx1"/>
+                          </a:solidFill>
+                          <a:latin typeface="Verdana" panose="020B0604030504040204" pitchFamily="34" charset="0"/>
+                        </a:rPr>
+                        <a:t>ID</a:t>
+                      </a:r>
+                      <a:endParaRPr lang="en-US" baseline="0" dirty="0">
+                        <a:solidFill>
+                          <a:schemeClr val="tx1"/>
+                        </a:solidFill>
+                        <a:latin typeface="Verdana" panose="020B0604030504040204" pitchFamily="34" charset="0"/>
+                      </a:endParaRPr>
+                    </a:p>
+                  </a:txBody>
+                  <a:tcPr/>
+                </a:tc>
+                <a:tc>
+                  <a:txBody>
+                    <a:bodyPr/>
+                    <a:lstStyle/>
+                    <a:p>
+                      <a:pPr algn="ctr"/>
+                      <a:r>
+                        <a:rPr lang="en-US" baseline="0" dirty="0" err="1" smtClean="0">
+                          <a:solidFill>
+                            <a:schemeClr val="tx1"/>
+                          </a:solidFill>
+                          <a:latin typeface="Verdana" panose="020B0604030504040204" pitchFamily="34" charset="0"/>
+                        </a:rPr>
+                        <a:t>Naziv</a:t>
+                      </a:r>
+                      <a:endParaRPr lang="en-US" baseline="0" dirty="0">
+                        <a:solidFill>
+                          <a:schemeClr val="tx1"/>
+                        </a:solidFill>
+                        <a:latin typeface="Verdana" panose="020B0604030504040204" pitchFamily="34" charset="0"/>
+                      </a:endParaRPr>
+                    </a:p>
+                  </a:txBody>
+                  <a:tcPr/>
+                </a:tc>
+                <a:tc>
+                  <a:txBody>
+                    <a:bodyPr/>
+                    <a:lstStyle/>
+                    <a:p>
+                      <a:pPr algn="ctr"/>
+                      <a:r>
+                        <a:rPr lang="en-US" baseline="0" dirty="0" err="1" smtClean="0">
+                          <a:solidFill>
+                            <a:schemeClr val="tx1"/>
+                          </a:solidFill>
+                          <a:latin typeface="Verdana" panose="020B0604030504040204" pitchFamily="34" charset="0"/>
+                        </a:rPr>
+                        <a:t>Opis</a:t>
+                      </a:r>
+                      <a:endParaRPr lang="en-US" baseline="0" dirty="0">
+                        <a:solidFill>
+                          <a:schemeClr val="tx1"/>
+                        </a:solidFill>
+                        <a:latin typeface="Verdana" panose="020B0604030504040204" pitchFamily="34" charset="0"/>
+                      </a:endParaRPr>
+                    </a:p>
+                  </a:txBody>
+                  <a:tcPr/>
+                </a:tc>
+              </a:tr>
+              <a:tr h="370840">
+                <a:tc>
+                  <a:txBody>
+                    <a:bodyPr/>
+                    <a:lstStyle/>
+                    <a:p>
+                      <a:pPr algn="ctr"/>
+                      <a:r>
+                        <a:rPr lang="en-US" baseline="0" dirty="0" smtClean="0">
+                          <a:latin typeface="Verdana" panose="020B0604030504040204" pitchFamily="34" charset="0"/>
+                        </a:rPr>
+                        <a:t>5</a:t>
+                      </a:r>
+                      <a:endParaRPr lang="en-US" baseline="0" dirty="0">
+                        <a:latin typeface="Verdana" panose="020B0604030504040204" pitchFamily="34" charset="0"/>
+                      </a:endParaRPr>
+                    </a:p>
+                  </a:txBody>
+                  <a:tcPr/>
+                </a:tc>
+                <a:tc>
+                  <a:txBody>
+                    <a:bodyPr/>
+                    <a:lstStyle/>
+                    <a:p>
+                      <a:r>
+                        <a:rPr kumimoji="0" lang="en-US" sz="1600" kern="1200" baseline="0" dirty="0" err="1" smtClean="0">
+                          <a:solidFill>
+                            <a:schemeClr val="dk1"/>
+                          </a:solidFill>
+                          <a:effectLst/>
+                          <a:latin typeface="Verdana" panose="020B0604030504040204" pitchFamily="34" charset="0"/>
+                          <a:ea typeface="+mn-ea"/>
+                          <a:cs typeface="+mn-cs"/>
+                        </a:rPr>
+                        <a:t>Predsednik</a:t>
+                      </a:r>
+                      <a:r>
+                        <a:rPr kumimoji="0" lang="en-US" sz="1600" kern="1200" baseline="0" dirty="0" smtClean="0">
+                          <a:solidFill>
+                            <a:schemeClr val="dk1"/>
+                          </a:solidFill>
+                          <a:effectLst/>
+                          <a:latin typeface="Verdana" panose="020B0604030504040204" pitchFamily="34" charset="0"/>
+                          <a:ea typeface="+mn-ea"/>
+                          <a:cs typeface="+mn-cs"/>
+                        </a:rPr>
+                        <a:t> </a:t>
+                      </a:r>
+                      <a:r>
+                        <a:rPr kumimoji="0" lang="en-US" sz="1600" kern="1200" baseline="0" dirty="0" err="1" smtClean="0">
+                          <a:solidFill>
+                            <a:schemeClr val="dk1"/>
+                          </a:solidFill>
+                          <a:effectLst/>
+                          <a:latin typeface="Verdana" panose="020B0604030504040204" pitchFamily="34" charset="0"/>
+                          <a:ea typeface="+mn-ea"/>
+                          <a:cs typeface="+mn-cs"/>
+                        </a:rPr>
+                        <a:t>skupštine</a:t>
+                      </a:r>
+                      <a:endParaRPr lang="en-US" sz="1600" baseline="0" dirty="0">
+                        <a:latin typeface="Verdana" panose="020B0604030504040204" pitchFamily="34" charset="0"/>
+                      </a:endParaRPr>
+                    </a:p>
+                  </a:txBody>
+                  <a:tcPr/>
+                </a:tc>
+                <a:tc>
+                  <a:txBody>
+                    <a:bodyPr/>
+                    <a:lstStyle/>
+                    <a:p>
+                      <a:r>
+                        <a:rPr kumimoji="0" lang="en-US" sz="1600" kern="1200" baseline="0" dirty="0" err="1" smtClean="0">
+                          <a:solidFill>
+                            <a:schemeClr val="dk1"/>
+                          </a:solidFill>
+                          <a:effectLst/>
+                          <a:latin typeface="Verdana" panose="020B0604030504040204" pitchFamily="34" charset="0"/>
+                          <a:ea typeface="+mn-ea"/>
+                          <a:cs typeface="+mn-cs"/>
+                        </a:rPr>
+                        <a:t>Ulogovani</a:t>
+                      </a:r>
+                      <a:r>
+                        <a:rPr kumimoji="0" lang="en-US" sz="1600" kern="1200" baseline="0" dirty="0" smtClean="0">
+                          <a:solidFill>
+                            <a:schemeClr val="dk1"/>
+                          </a:solidFill>
+                          <a:effectLst/>
+                          <a:latin typeface="Verdana" panose="020B0604030504040204" pitchFamily="34" charset="0"/>
+                          <a:ea typeface="+mn-ea"/>
+                          <a:cs typeface="+mn-cs"/>
+                        </a:rPr>
+                        <a:t> </a:t>
+                      </a:r>
+                      <a:r>
+                        <a:rPr kumimoji="0" lang="en-US" sz="1600" kern="1200" baseline="0" dirty="0" err="1" smtClean="0">
+                          <a:solidFill>
+                            <a:schemeClr val="dk1"/>
+                          </a:solidFill>
+                          <a:effectLst/>
+                          <a:latin typeface="Verdana" panose="020B0604030504040204" pitchFamily="34" charset="0"/>
+                          <a:ea typeface="+mn-ea"/>
+                          <a:cs typeface="+mn-cs"/>
+                        </a:rPr>
+                        <a:t>korisnik</a:t>
+                      </a:r>
+                      <a:r>
+                        <a:rPr kumimoji="0" lang="en-US" sz="1600" kern="1200" baseline="0" dirty="0" smtClean="0">
+                          <a:solidFill>
+                            <a:schemeClr val="dk1"/>
+                          </a:solidFill>
+                          <a:effectLst/>
+                          <a:latin typeface="Verdana" panose="020B0604030504040204" pitchFamily="34" charset="0"/>
+                          <a:ea typeface="+mn-ea"/>
+                          <a:cs typeface="+mn-cs"/>
+                        </a:rPr>
+                        <a:t> </a:t>
+                      </a:r>
+                      <a:r>
+                        <a:rPr kumimoji="0" lang="en-US" sz="1600" kern="1200" baseline="0" dirty="0" err="1" smtClean="0">
+                          <a:solidFill>
+                            <a:schemeClr val="dk1"/>
+                          </a:solidFill>
+                          <a:effectLst/>
+                          <a:latin typeface="Verdana" panose="020B0604030504040204" pitchFamily="34" charset="0"/>
+                          <a:ea typeface="+mn-ea"/>
+                          <a:cs typeface="+mn-cs"/>
+                        </a:rPr>
+                        <a:t>koji</a:t>
+                      </a:r>
+                      <a:r>
+                        <a:rPr kumimoji="0" lang="en-US" sz="1600" kern="1200" baseline="0" dirty="0" smtClean="0">
+                          <a:solidFill>
+                            <a:schemeClr val="dk1"/>
+                          </a:solidFill>
+                          <a:effectLst/>
+                          <a:latin typeface="Verdana" panose="020B0604030504040204" pitchFamily="34" charset="0"/>
+                          <a:ea typeface="+mn-ea"/>
+                          <a:cs typeface="+mn-cs"/>
+                        </a:rPr>
+                        <a:t> </a:t>
+                      </a:r>
+                      <a:r>
+                        <a:rPr kumimoji="0" lang="en-US" sz="1600" kern="1200" baseline="0" dirty="0" err="1" smtClean="0">
+                          <a:solidFill>
+                            <a:schemeClr val="dk1"/>
+                          </a:solidFill>
+                          <a:effectLst/>
+                          <a:latin typeface="Verdana" panose="020B0604030504040204" pitchFamily="34" charset="0"/>
+                          <a:ea typeface="+mn-ea"/>
+                          <a:cs typeface="+mn-cs"/>
+                        </a:rPr>
+                        <a:t>ima</a:t>
+                      </a:r>
+                      <a:r>
+                        <a:rPr kumimoji="0" lang="en-US" sz="1600" kern="1200" baseline="0" dirty="0" smtClean="0">
+                          <a:solidFill>
+                            <a:schemeClr val="dk1"/>
+                          </a:solidFill>
+                          <a:effectLst/>
+                          <a:latin typeface="Verdana" panose="020B0604030504040204" pitchFamily="34" charset="0"/>
+                          <a:ea typeface="+mn-ea"/>
+                          <a:cs typeface="+mn-cs"/>
+                        </a:rPr>
+                        <a:t> </a:t>
+                      </a:r>
+                      <a:r>
+                        <a:rPr kumimoji="0" lang="en-US" sz="1600" kern="1200" baseline="0" dirty="0" err="1" smtClean="0">
+                          <a:solidFill>
+                            <a:schemeClr val="dk1"/>
+                          </a:solidFill>
+                          <a:effectLst/>
+                          <a:latin typeface="Verdana" panose="020B0604030504040204" pitchFamily="34" charset="0"/>
+                          <a:ea typeface="+mn-ea"/>
+                          <a:cs typeface="+mn-cs"/>
+                        </a:rPr>
+                        <a:t>ista</a:t>
+                      </a:r>
+                      <a:r>
+                        <a:rPr kumimoji="0" lang="en-US" sz="1600" kern="1200" baseline="0" dirty="0" smtClean="0">
+                          <a:solidFill>
+                            <a:schemeClr val="dk1"/>
+                          </a:solidFill>
+                          <a:effectLst/>
+                          <a:latin typeface="Verdana" panose="020B0604030504040204" pitchFamily="34" charset="0"/>
+                          <a:ea typeface="+mn-ea"/>
+                          <a:cs typeface="+mn-cs"/>
+                        </a:rPr>
+                        <a:t> </a:t>
+                      </a:r>
+                      <a:r>
+                        <a:rPr kumimoji="0" lang="en-US" sz="1600" kern="1200" baseline="0" dirty="0" err="1" smtClean="0">
+                          <a:solidFill>
+                            <a:schemeClr val="dk1"/>
+                          </a:solidFill>
+                          <a:effectLst/>
+                          <a:latin typeface="Verdana" panose="020B0604030504040204" pitchFamily="34" charset="0"/>
+                          <a:ea typeface="+mn-ea"/>
+                          <a:cs typeface="+mn-cs"/>
+                        </a:rPr>
+                        <a:t>prava</a:t>
+                      </a:r>
+                      <a:r>
+                        <a:rPr kumimoji="0" lang="en-US" sz="1600" kern="1200" baseline="0" dirty="0" smtClean="0">
+                          <a:solidFill>
+                            <a:schemeClr val="dk1"/>
+                          </a:solidFill>
+                          <a:effectLst/>
+                          <a:latin typeface="Verdana" panose="020B0604030504040204" pitchFamily="34" charset="0"/>
+                          <a:ea typeface="+mn-ea"/>
+                          <a:cs typeface="+mn-cs"/>
+                        </a:rPr>
+                        <a:t> </a:t>
+                      </a:r>
+                      <a:r>
+                        <a:rPr kumimoji="0" lang="en-US" sz="1600" kern="1200" baseline="0" dirty="0" err="1" smtClean="0">
+                          <a:solidFill>
+                            <a:schemeClr val="dk1"/>
+                          </a:solidFill>
+                          <a:effectLst/>
+                          <a:latin typeface="Verdana" panose="020B0604030504040204" pitchFamily="34" charset="0"/>
+                          <a:ea typeface="+mn-ea"/>
+                          <a:cs typeface="+mn-cs"/>
+                        </a:rPr>
+                        <a:t>kao</a:t>
+                      </a:r>
+                      <a:r>
+                        <a:rPr kumimoji="0" lang="en-US" sz="1600" kern="1200" baseline="0" dirty="0" smtClean="0">
+                          <a:solidFill>
+                            <a:schemeClr val="dk1"/>
+                          </a:solidFill>
+                          <a:effectLst/>
+                          <a:latin typeface="Verdana" panose="020B0604030504040204" pitchFamily="34" charset="0"/>
+                          <a:ea typeface="+mn-ea"/>
+                          <a:cs typeface="+mn-cs"/>
+                        </a:rPr>
+                        <a:t> </a:t>
+                      </a:r>
+                      <a:r>
+                        <a:rPr kumimoji="0" lang="en-US" sz="1600" kern="1200" baseline="0" dirty="0" err="1" smtClean="0">
+                          <a:solidFill>
+                            <a:schemeClr val="dk1"/>
+                          </a:solidFill>
+                          <a:effectLst/>
+                          <a:latin typeface="Verdana" panose="020B0604030504040204" pitchFamily="34" charset="0"/>
+                          <a:ea typeface="+mn-ea"/>
+                          <a:cs typeface="+mn-cs"/>
+                        </a:rPr>
+                        <a:t>i</a:t>
+                      </a:r>
+                      <a:r>
+                        <a:rPr kumimoji="0" lang="en-US" sz="1600" kern="1200" baseline="0" dirty="0" smtClean="0">
+                          <a:solidFill>
+                            <a:schemeClr val="dk1"/>
+                          </a:solidFill>
+                          <a:effectLst/>
+                          <a:latin typeface="Verdana" panose="020B0604030504040204" pitchFamily="34" charset="0"/>
+                          <a:ea typeface="+mn-ea"/>
+                          <a:cs typeface="+mn-cs"/>
+                        </a:rPr>
+                        <a:t> </a:t>
+                      </a:r>
+                      <a:r>
+                        <a:rPr kumimoji="0" lang="en-US" sz="1600" kern="1200" baseline="0" dirty="0" err="1" smtClean="0">
+                          <a:solidFill>
+                            <a:schemeClr val="dk1"/>
+                          </a:solidFill>
+                          <a:effectLst/>
+                          <a:latin typeface="Verdana" panose="020B0604030504040204" pitchFamily="34" charset="0"/>
+                          <a:ea typeface="+mn-ea"/>
+                          <a:cs typeface="+mn-cs"/>
+                        </a:rPr>
+                        <a:t>odbornik</a:t>
+                      </a:r>
+                      <a:r>
+                        <a:rPr kumimoji="0" lang="en-US" sz="1600" kern="1200" baseline="0" dirty="0" smtClean="0">
+                          <a:solidFill>
+                            <a:schemeClr val="dk1"/>
+                          </a:solidFill>
+                          <a:effectLst/>
+                          <a:latin typeface="Verdana" panose="020B0604030504040204" pitchFamily="34" charset="0"/>
+                          <a:ea typeface="+mn-ea"/>
+                          <a:cs typeface="+mn-cs"/>
+                        </a:rPr>
+                        <a:t>, </a:t>
+                      </a:r>
+                      <a:r>
+                        <a:rPr kumimoji="0" lang="en-US" sz="1600" kern="1200" baseline="0" dirty="0" err="1" smtClean="0">
+                          <a:solidFill>
+                            <a:schemeClr val="dk1"/>
+                          </a:solidFill>
+                          <a:effectLst/>
+                          <a:latin typeface="Verdana" panose="020B0604030504040204" pitchFamily="34" charset="0"/>
+                          <a:ea typeface="+mn-ea"/>
+                          <a:cs typeface="+mn-cs"/>
+                        </a:rPr>
+                        <a:t>ali</a:t>
+                      </a:r>
+                      <a:r>
+                        <a:rPr kumimoji="0" lang="en-US" sz="1600" kern="1200" baseline="0" dirty="0" smtClean="0">
+                          <a:solidFill>
+                            <a:schemeClr val="dk1"/>
+                          </a:solidFill>
+                          <a:effectLst/>
+                          <a:latin typeface="Verdana" panose="020B0604030504040204" pitchFamily="34" charset="0"/>
+                          <a:ea typeface="+mn-ea"/>
+                          <a:cs typeface="+mn-cs"/>
+                        </a:rPr>
+                        <a:t> </a:t>
+                      </a:r>
+                      <a:r>
+                        <a:rPr kumimoji="0" lang="en-US" sz="1600" kern="1200" baseline="0" dirty="0" err="1" smtClean="0">
+                          <a:solidFill>
+                            <a:schemeClr val="dk1"/>
+                          </a:solidFill>
+                          <a:effectLst/>
+                          <a:latin typeface="Verdana" panose="020B0604030504040204" pitchFamily="34" charset="0"/>
+                          <a:ea typeface="+mn-ea"/>
+                          <a:cs typeface="+mn-cs"/>
+                        </a:rPr>
+                        <a:t>može</a:t>
+                      </a:r>
+                      <a:r>
+                        <a:rPr kumimoji="0" lang="en-US" sz="1600" kern="1200" baseline="0" dirty="0" smtClean="0">
+                          <a:solidFill>
+                            <a:schemeClr val="dk1"/>
+                          </a:solidFill>
+                          <a:effectLst/>
+                          <a:latin typeface="Verdana" panose="020B0604030504040204" pitchFamily="34" charset="0"/>
+                          <a:ea typeface="+mn-ea"/>
+                          <a:cs typeface="+mn-cs"/>
+                        </a:rPr>
+                        <a:t> da </a:t>
+                      </a:r>
+                      <a:r>
+                        <a:rPr kumimoji="0" lang="en-US" sz="1600" kern="1200" baseline="0" dirty="0" err="1" smtClean="0">
+                          <a:solidFill>
+                            <a:schemeClr val="dk1"/>
+                          </a:solidFill>
+                          <a:effectLst/>
+                          <a:latin typeface="Verdana" panose="020B0604030504040204" pitchFamily="34" charset="0"/>
+                          <a:ea typeface="+mn-ea"/>
+                          <a:cs typeface="+mn-cs"/>
+                        </a:rPr>
+                        <a:t>prihvati</a:t>
+                      </a:r>
+                      <a:r>
+                        <a:rPr kumimoji="0" lang="en-US" sz="1600" kern="1200" baseline="0" dirty="0" smtClean="0">
+                          <a:solidFill>
+                            <a:schemeClr val="dk1"/>
+                          </a:solidFill>
+                          <a:effectLst/>
+                          <a:latin typeface="Verdana" panose="020B0604030504040204" pitchFamily="34" charset="0"/>
+                          <a:ea typeface="+mn-ea"/>
+                          <a:cs typeface="+mn-cs"/>
+                        </a:rPr>
+                        <a:t> </a:t>
+                      </a:r>
+                      <a:r>
+                        <a:rPr kumimoji="0" lang="en-US" sz="1600" kern="1200" baseline="0" dirty="0" err="1" smtClean="0">
+                          <a:solidFill>
+                            <a:schemeClr val="dk1"/>
+                          </a:solidFill>
+                          <a:effectLst/>
+                          <a:latin typeface="Verdana" panose="020B0604030504040204" pitchFamily="34" charset="0"/>
+                          <a:ea typeface="+mn-ea"/>
+                          <a:cs typeface="+mn-cs"/>
+                        </a:rPr>
+                        <a:t>predložene</a:t>
+                      </a:r>
+                      <a:r>
+                        <a:rPr kumimoji="0" lang="en-US" sz="1600" kern="1200" baseline="0" dirty="0" smtClean="0">
+                          <a:solidFill>
+                            <a:schemeClr val="dk1"/>
+                          </a:solidFill>
+                          <a:effectLst/>
+                          <a:latin typeface="Verdana" panose="020B0604030504040204" pitchFamily="34" charset="0"/>
+                          <a:ea typeface="+mn-ea"/>
+                          <a:cs typeface="+mn-cs"/>
+                        </a:rPr>
+                        <a:t> </a:t>
+                      </a:r>
+                      <a:r>
+                        <a:rPr kumimoji="0" lang="en-US" sz="1600" kern="1200" baseline="0" dirty="0" err="1" smtClean="0">
+                          <a:solidFill>
+                            <a:schemeClr val="dk1"/>
+                          </a:solidFill>
+                          <a:effectLst/>
+                          <a:latin typeface="Verdana" panose="020B0604030504040204" pitchFamily="34" charset="0"/>
+                          <a:ea typeface="+mn-ea"/>
+                          <a:cs typeface="+mn-cs"/>
+                        </a:rPr>
+                        <a:t>akte</a:t>
+                      </a:r>
+                      <a:r>
+                        <a:rPr kumimoji="0" lang="en-US" sz="1600" kern="1200" baseline="0" dirty="0" smtClean="0">
+                          <a:solidFill>
+                            <a:schemeClr val="dk1"/>
+                          </a:solidFill>
+                          <a:effectLst/>
+                          <a:latin typeface="Verdana" panose="020B0604030504040204" pitchFamily="34" charset="0"/>
+                          <a:ea typeface="+mn-ea"/>
+                          <a:cs typeface="+mn-cs"/>
+                        </a:rPr>
+                        <a:t> </a:t>
+                      </a:r>
+                      <a:r>
+                        <a:rPr kumimoji="0" lang="en-US" sz="1600" kern="1200" baseline="0" dirty="0" err="1" smtClean="0">
+                          <a:solidFill>
+                            <a:schemeClr val="dk1"/>
+                          </a:solidFill>
+                          <a:effectLst/>
+                          <a:latin typeface="Verdana" panose="020B0604030504040204" pitchFamily="34" charset="0"/>
+                          <a:ea typeface="+mn-ea"/>
+                          <a:cs typeface="+mn-cs"/>
+                        </a:rPr>
+                        <a:t>i</a:t>
+                      </a:r>
+                      <a:r>
+                        <a:rPr kumimoji="0" lang="en-US" sz="1600" kern="1200" baseline="0" dirty="0" smtClean="0">
+                          <a:solidFill>
+                            <a:schemeClr val="dk1"/>
+                          </a:solidFill>
+                          <a:effectLst/>
+                          <a:latin typeface="Verdana" panose="020B0604030504040204" pitchFamily="34" charset="0"/>
+                          <a:ea typeface="+mn-ea"/>
+                          <a:cs typeface="+mn-cs"/>
+                        </a:rPr>
+                        <a:t> </a:t>
+                      </a:r>
+                      <a:r>
+                        <a:rPr kumimoji="0" lang="en-US" sz="1600" kern="1200" baseline="0" dirty="0" err="1" smtClean="0">
+                          <a:solidFill>
+                            <a:schemeClr val="dk1"/>
+                          </a:solidFill>
+                          <a:effectLst/>
+                          <a:latin typeface="Verdana" panose="020B0604030504040204" pitchFamily="34" charset="0"/>
+                          <a:ea typeface="+mn-ea"/>
+                          <a:cs typeface="+mn-cs"/>
+                        </a:rPr>
+                        <a:t>amadmane</a:t>
+                      </a:r>
+                      <a:r>
+                        <a:rPr kumimoji="0" lang="en-US" sz="1600" kern="1200" baseline="0" dirty="0" smtClean="0">
+                          <a:solidFill>
+                            <a:schemeClr val="dk1"/>
+                          </a:solidFill>
+                          <a:effectLst/>
+                          <a:latin typeface="Verdana" panose="020B0604030504040204" pitchFamily="34" charset="0"/>
+                          <a:ea typeface="+mn-ea"/>
+                          <a:cs typeface="+mn-cs"/>
+                        </a:rPr>
+                        <a:t>.</a:t>
+                      </a:r>
+                      <a:endParaRPr lang="en-US" sz="1600" baseline="0" dirty="0">
+                        <a:latin typeface="Verdana" panose="020B0604030504040204" pitchFamily="34" charset="0"/>
+                      </a:endParaRPr>
+                    </a:p>
+                  </a:txBody>
+                  <a:tcPr/>
+                </a:tc>
+              </a:tr>
+              <a:tr h="370840">
+                <a:tc>
+                  <a:txBody>
+                    <a:bodyPr/>
+                    <a:lstStyle/>
+                    <a:p>
+                      <a:pPr algn="ctr"/>
+                      <a:r>
+                        <a:rPr lang="en-US" baseline="0" dirty="0" smtClean="0">
+                          <a:latin typeface="Verdana" panose="020B0604030504040204" pitchFamily="34" charset="0"/>
+                        </a:rPr>
+                        <a:t>6</a:t>
+                      </a:r>
+                      <a:endParaRPr lang="en-US" baseline="0" dirty="0">
+                        <a:latin typeface="Verdana" panose="020B0604030504040204" pitchFamily="34" charset="0"/>
+                      </a:endParaRPr>
+                    </a:p>
+                  </a:txBody>
+                  <a:tcPr/>
+                </a:tc>
+                <a:tc>
+                  <a:txBody>
+                    <a:bodyPr/>
+                    <a:lstStyle/>
+                    <a:p>
+                      <a:pPr marL="0" marR="0" algn="just">
+                        <a:lnSpc>
+                          <a:spcPct val="107000"/>
+                        </a:lnSpc>
+                        <a:spcBef>
+                          <a:spcPts val="0"/>
+                        </a:spcBef>
+                        <a:spcAft>
+                          <a:spcPts val="0"/>
+                        </a:spcAft>
+                      </a:pPr>
+                      <a:r>
+                        <a:rPr lang="en-US" sz="1600" baseline="0" dirty="0">
+                          <a:effectLst/>
+                          <a:latin typeface="Verdana" panose="020B0604030504040204" pitchFamily="34" charset="0"/>
+                          <a:ea typeface="Calibri" panose="020F0502020204030204" pitchFamily="34" charset="0"/>
+                          <a:cs typeface="Times New Roman" panose="02020603050405020304" pitchFamily="18" charset="0"/>
+                        </a:rPr>
+                        <a:t>Web Server </a:t>
+                      </a:r>
+                      <a:r>
+                        <a:rPr lang="en-US" sz="1600" baseline="0" dirty="0" err="1">
+                          <a:effectLst/>
+                          <a:latin typeface="Verdana" panose="020B0604030504040204" pitchFamily="34" charset="0"/>
+                          <a:ea typeface="Calibri" panose="020F0502020204030204" pitchFamily="34" charset="0"/>
+                          <a:cs typeface="Times New Roman" panose="02020603050405020304" pitchFamily="18" charset="0"/>
+                        </a:rPr>
+                        <a:t>korisnik</a:t>
+                      </a:r>
+                      <a:endParaRPr lang="en-US" sz="1600" baseline="0" dirty="0">
+                        <a:effectLst/>
+                        <a:latin typeface="Verdana" panose="020B0604030504040204" pitchFamily="34" charset="0"/>
+                        <a:ea typeface="Calibri" panose="020F0502020204030204" pitchFamily="34" charset="0"/>
+                        <a:cs typeface="Times New Roman" panose="02020603050405020304" pitchFamily="18" charset="0"/>
+                      </a:endParaRPr>
+                    </a:p>
+                  </a:txBody>
+                  <a:tcPr marL="68580" marR="68580" marT="0" marB="0"/>
+                </a:tc>
+                <a:tc>
+                  <a:txBody>
+                    <a:bodyPr/>
+                    <a:lstStyle/>
+                    <a:p>
+                      <a:pPr marL="0" marR="0" algn="just">
+                        <a:lnSpc>
+                          <a:spcPct val="107000"/>
+                        </a:lnSpc>
+                        <a:spcBef>
+                          <a:spcPts val="0"/>
+                        </a:spcBef>
+                        <a:spcAft>
+                          <a:spcPts val="0"/>
+                        </a:spcAft>
+                      </a:pPr>
+                      <a:r>
+                        <a:rPr lang="en-US" sz="1600" baseline="0" dirty="0" err="1">
+                          <a:effectLst/>
+                          <a:latin typeface="Verdana" panose="020B0604030504040204" pitchFamily="34" charset="0"/>
+                          <a:ea typeface="Calibri" panose="020F0502020204030204" pitchFamily="34" charset="0"/>
+                          <a:cs typeface="Times New Roman" panose="02020603050405020304" pitchFamily="18" charset="0"/>
+                        </a:rPr>
+                        <a:t>Korisnik</a:t>
+                      </a:r>
+                      <a:r>
+                        <a:rPr lang="en-US" sz="1600" baseline="0" dirty="0">
+                          <a:effectLst/>
+                          <a:latin typeface="Verdana" panose="020B0604030504040204" pitchFamily="34" charset="0"/>
+                          <a:ea typeface="Calibri" panose="020F0502020204030204" pitchFamily="34" charset="0"/>
+                          <a:cs typeface="Times New Roman" panose="02020603050405020304" pitchFamily="18" charset="0"/>
+                        </a:rPr>
+                        <a:t> </a:t>
+                      </a:r>
+                      <a:r>
+                        <a:rPr lang="en-US" sz="1600" baseline="0" dirty="0" err="1">
+                          <a:effectLst/>
+                          <a:latin typeface="Verdana" panose="020B0604030504040204" pitchFamily="34" charset="0"/>
+                          <a:ea typeface="Calibri" panose="020F0502020204030204" pitchFamily="34" charset="0"/>
+                          <a:cs typeface="Times New Roman" panose="02020603050405020304" pitchFamily="18" charset="0"/>
+                        </a:rPr>
+                        <a:t>koji</a:t>
+                      </a:r>
+                      <a:r>
+                        <a:rPr lang="en-US" sz="1600" baseline="0" dirty="0">
+                          <a:effectLst/>
+                          <a:latin typeface="Verdana" panose="020B0604030504040204" pitchFamily="34" charset="0"/>
+                          <a:ea typeface="Calibri" panose="020F0502020204030204" pitchFamily="34" charset="0"/>
+                          <a:cs typeface="Times New Roman" panose="02020603050405020304" pitchFamily="18" charset="0"/>
+                        </a:rPr>
+                        <a:t> </a:t>
+                      </a:r>
+                      <a:r>
+                        <a:rPr lang="en-US" sz="1600" baseline="0" dirty="0" err="1">
+                          <a:effectLst/>
+                          <a:latin typeface="Verdana" panose="020B0604030504040204" pitchFamily="34" charset="0"/>
+                          <a:ea typeface="Calibri" panose="020F0502020204030204" pitchFamily="34" charset="0"/>
+                          <a:cs typeface="Times New Roman" panose="02020603050405020304" pitchFamily="18" charset="0"/>
+                        </a:rPr>
+                        <a:t>će</a:t>
+                      </a:r>
+                      <a:r>
+                        <a:rPr lang="en-US" sz="1600" baseline="0" dirty="0">
+                          <a:effectLst/>
+                          <a:latin typeface="Verdana" panose="020B0604030504040204" pitchFamily="34" charset="0"/>
+                          <a:ea typeface="Calibri" panose="020F0502020204030204" pitchFamily="34" charset="0"/>
+                          <a:cs typeface="Times New Roman" panose="02020603050405020304" pitchFamily="18" charset="0"/>
+                        </a:rPr>
+                        <a:t> u </a:t>
+                      </a:r>
+                      <a:r>
+                        <a:rPr lang="en-US" sz="1600" baseline="0" dirty="0" err="1">
+                          <a:effectLst/>
+                          <a:latin typeface="Verdana" panose="020B0604030504040204" pitchFamily="34" charset="0"/>
+                          <a:ea typeface="Calibri" panose="020F0502020204030204" pitchFamily="34" charset="0"/>
+                          <a:cs typeface="Times New Roman" panose="02020603050405020304" pitchFamily="18" charset="0"/>
+                        </a:rPr>
+                        <a:t>pozadini</a:t>
+                      </a:r>
+                      <a:r>
+                        <a:rPr lang="en-US" sz="1600" baseline="0" dirty="0">
+                          <a:effectLst/>
+                          <a:latin typeface="Verdana" panose="020B0604030504040204" pitchFamily="34" charset="0"/>
+                          <a:ea typeface="Calibri" panose="020F0502020204030204" pitchFamily="34" charset="0"/>
+                          <a:cs typeface="Times New Roman" panose="02020603050405020304" pitchFamily="18" charset="0"/>
+                        </a:rPr>
+                        <a:t> </a:t>
+                      </a:r>
+                      <a:r>
+                        <a:rPr lang="en-US" sz="1600" baseline="0" dirty="0" err="1">
+                          <a:effectLst/>
+                          <a:latin typeface="Verdana" panose="020B0604030504040204" pitchFamily="34" charset="0"/>
+                          <a:ea typeface="Calibri" panose="020F0502020204030204" pitchFamily="34" charset="0"/>
+                          <a:cs typeface="Times New Roman" panose="02020603050405020304" pitchFamily="18" charset="0"/>
+                        </a:rPr>
+                        <a:t>izvršavati</a:t>
+                      </a:r>
+                      <a:r>
+                        <a:rPr lang="en-US" sz="1600" baseline="0" dirty="0">
+                          <a:effectLst/>
+                          <a:latin typeface="Verdana" panose="020B0604030504040204" pitchFamily="34" charset="0"/>
+                          <a:ea typeface="Calibri" panose="020F0502020204030204" pitchFamily="34" charset="0"/>
+                          <a:cs typeface="Times New Roman" panose="02020603050405020304" pitchFamily="18" charset="0"/>
+                        </a:rPr>
+                        <a:t> </a:t>
+                      </a:r>
+                      <a:r>
+                        <a:rPr lang="en-US" sz="1600" baseline="0" dirty="0" err="1">
+                          <a:effectLst/>
+                          <a:latin typeface="Verdana" panose="020B0604030504040204" pitchFamily="34" charset="0"/>
+                          <a:ea typeface="Calibri" panose="020F0502020204030204" pitchFamily="34" charset="0"/>
+                          <a:cs typeface="Times New Roman" panose="02020603050405020304" pitchFamily="18" charset="0"/>
+                        </a:rPr>
+                        <a:t>kod</a:t>
+                      </a:r>
+                      <a:r>
+                        <a:rPr lang="en-US" sz="1600" baseline="0" dirty="0">
+                          <a:effectLst/>
+                          <a:latin typeface="Verdana" panose="020B0604030504040204" pitchFamily="34" charset="0"/>
+                          <a:ea typeface="Calibri" panose="020F0502020204030204" pitchFamily="34" charset="0"/>
+                          <a:cs typeface="Times New Roman" panose="02020603050405020304" pitchFamily="18" charset="0"/>
+                        </a:rPr>
+                        <a:t> </a:t>
+                      </a:r>
+                      <a:r>
+                        <a:rPr lang="en-US" sz="1600" baseline="0" dirty="0" err="1">
+                          <a:effectLst/>
+                          <a:latin typeface="Verdana" panose="020B0604030504040204" pitchFamily="34" charset="0"/>
+                          <a:ea typeface="Calibri" panose="020F0502020204030204" pitchFamily="34" charset="0"/>
+                          <a:cs typeface="Times New Roman" panose="02020603050405020304" pitchFamily="18" charset="0"/>
+                        </a:rPr>
+                        <a:t>koji</a:t>
+                      </a:r>
+                      <a:r>
+                        <a:rPr lang="en-US" sz="1600" baseline="0" dirty="0">
+                          <a:effectLst/>
+                          <a:latin typeface="Verdana" panose="020B0604030504040204" pitchFamily="34" charset="0"/>
+                          <a:ea typeface="Calibri" panose="020F0502020204030204" pitchFamily="34" charset="0"/>
+                          <a:cs typeface="Times New Roman" panose="02020603050405020304" pitchFamily="18" charset="0"/>
+                        </a:rPr>
+                        <a:t> </a:t>
+                      </a:r>
+                      <a:r>
+                        <a:rPr lang="en-US" sz="1600" baseline="0" dirty="0" err="1">
+                          <a:effectLst/>
+                          <a:latin typeface="Verdana" panose="020B0604030504040204" pitchFamily="34" charset="0"/>
+                          <a:ea typeface="Calibri" panose="020F0502020204030204" pitchFamily="34" charset="0"/>
+                          <a:cs typeface="Times New Roman" panose="02020603050405020304" pitchFamily="18" charset="0"/>
+                        </a:rPr>
+                        <a:t>predstavlja</a:t>
+                      </a:r>
+                      <a:r>
+                        <a:rPr lang="en-US" sz="1600" baseline="0" dirty="0">
+                          <a:effectLst/>
+                          <a:latin typeface="Verdana" panose="020B0604030504040204" pitchFamily="34" charset="0"/>
+                          <a:ea typeface="Calibri" panose="020F0502020204030204" pitchFamily="34" charset="0"/>
+                          <a:cs typeface="Times New Roman" panose="02020603050405020304" pitchFamily="18" charset="0"/>
+                        </a:rPr>
+                        <a:t> WEB </a:t>
+                      </a:r>
+                      <a:r>
+                        <a:rPr lang="en-US" sz="1600" baseline="0" dirty="0" err="1">
+                          <a:effectLst/>
+                          <a:latin typeface="Verdana" panose="020B0604030504040204" pitchFamily="34" charset="0"/>
+                          <a:ea typeface="Calibri" panose="020F0502020204030204" pitchFamily="34" charset="0"/>
+                          <a:cs typeface="Times New Roman" panose="02020603050405020304" pitchFamily="18" charset="0"/>
+                        </a:rPr>
+                        <a:t>aplikaciju</a:t>
+                      </a:r>
+                      <a:r>
+                        <a:rPr lang="en-US" sz="1600" baseline="0" dirty="0">
+                          <a:effectLst/>
+                          <a:latin typeface="Verdana" panose="020B0604030504040204" pitchFamily="34" charset="0"/>
+                          <a:ea typeface="Calibri" panose="020F0502020204030204" pitchFamily="34" charset="0"/>
+                          <a:cs typeface="Times New Roman" panose="02020603050405020304" pitchFamily="18" charset="0"/>
+                        </a:rPr>
+                        <a:t> </a:t>
+                      </a:r>
+                      <a:r>
+                        <a:rPr lang="en-US" sz="1600" baseline="0" dirty="0" err="1">
+                          <a:effectLst/>
+                          <a:latin typeface="Verdana" panose="020B0604030504040204" pitchFamily="34" charset="0"/>
+                          <a:ea typeface="Calibri" panose="020F0502020204030204" pitchFamily="34" charset="0"/>
+                          <a:cs typeface="Times New Roman" panose="02020603050405020304" pitchFamily="18" charset="0"/>
+                        </a:rPr>
+                        <a:t>napisanu</a:t>
+                      </a:r>
+                      <a:r>
+                        <a:rPr lang="en-US" sz="1600" baseline="0" dirty="0">
+                          <a:effectLst/>
+                          <a:latin typeface="Verdana" panose="020B0604030504040204" pitchFamily="34" charset="0"/>
+                          <a:ea typeface="Calibri" panose="020F0502020204030204" pitchFamily="34" charset="0"/>
+                          <a:cs typeface="Times New Roman" panose="02020603050405020304" pitchFamily="18" charset="0"/>
+                        </a:rPr>
+                        <a:t> u </a:t>
+                      </a:r>
+                      <a:r>
+                        <a:rPr lang="en-US" sz="1600" baseline="0" dirty="0" err="1">
+                          <a:effectLst/>
+                          <a:latin typeface="Verdana" panose="020B0604030504040204" pitchFamily="34" charset="0"/>
+                          <a:ea typeface="Calibri" panose="020F0502020204030204" pitchFamily="34" charset="0"/>
+                          <a:cs typeface="Times New Roman" panose="02020603050405020304" pitchFamily="18" charset="0"/>
+                        </a:rPr>
+                        <a:t>nekom</a:t>
+                      </a:r>
+                      <a:r>
+                        <a:rPr lang="en-US" sz="1600" baseline="0" dirty="0">
+                          <a:effectLst/>
+                          <a:latin typeface="Verdana" panose="020B0604030504040204" pitchFamily="34" charset="0"/>
+                          <a:ea typeface="Calibri" panose="020F0502020204030204" pitchFamily="34" charset="0"/>
+                          <a:cs typeface="Times New Roman" panose="02020603050405020304" pitchFamily="18" charset="0"/>
+                        </a:rPr>
+                        <a:t> </a:t>
+                      </a:r>
+                      <a:r>
+                        <a:rPr lang="en-US" sz="1600" baseline="0" dirty="0" err="1">
+                          <a:effectLst/>
+                          <a:latin typeface="Verdana" panose="020B0604030504040204" pitchFamily="34" charset="0"/>
+                          <a:ea typeface="Calibri" panose="020F0502020204030204" pitchFamily="34" charset="0"/>
+                          <a:cs typeface="Times New Roman" panose="02020603050405020304" pitchFamily="18" charset="0"/>
+                        </a:rPr>
+                        <a:t>programskom</a:t>
+                      </a:r>
+                      <a:r>
+                        <a:rPr lang="en-US" sz="1600" baseline="0" dirty="0">
+                          <a:effectLst/>
+                          <a:latin typeface="Verdana" panose="020B0604030504040204" pitchFamily="34" charset="0"/>
+                          <a:ea typeface="Calibri" panose="020F0502020204030204" pitchFamily="34" charset="0"/>
+                          <a:cs typeface="Times New Roman" panose="02020603050405020304" pitchFamily="18" charset="0"/>
+                        </a:rPr>
+                        <a:t> </a:t>
+                      </a:r>
+                      <a:r>
+                        <a:rPr lang="en-US" sz="1600" baseline="0" dirty="0" err="1">
+                          <a:effectLst/>
+                          <a:latin typeface="Verdana" panose="020B0604030504040204" pitchFamily="34" charset="0"/>
+                          <a:ea typeface="Calibri" panose="020F0502020204030204" pitchFamily="34" charset="0"/>
+                          <a:cs typeface="Times New Roman" panose="02020603050405020304" pitchFamily="18" charset="0"/>
+                        </a:rPr>
+                        <a:t>jeziku</a:t>
+                      </a:r>
+                      <a:r>
+                        <a:rPr lang="en-US" sz="1600" baseline="0" dirty="0">
+                          <a:effectLst/>
+                          <a:latin typeface="Verdana" panose="020B0604030504040204" pitchFamily="34" charset="0"/>
+                          <a:ea typeface="Calibri" panose="020F0502020204030204" pitchFamily="34" charset="0"/>
+                          <a:cs typeface="Times New Roman" panose="02020603050405020304" pitchFamily="18" charset="0"/>
+                        </a:rPr>
+                        <a:t>, </a:t>
+                      </a:r>
+                      <a:r>
+                        <a:rPr lang="en-US" sz="1600" baseline="0" dirty="0" err="1">
+                          <a:effectLst/>
+                          <a:latin typeface="Verdana" panose="020B0604030504040204" pitchFamily="34" charset="0"/>
+                          <a:ea typeface="Calibri" panose="020F0502020204030204" pitchFamily="34" charset="0"/>
+                          <a:cs typeface="Times New Roman" panose="02020603050405020304" pitchFamily="18" charset="0"/>
+                        </a:rPr>
+                        <a:t>kao</a:t>
+                      </a:r>
+                      <a:r>
+                        <a:rPr lang="en-US" sz="1600" baseline="0" dirty="0">
+                          <a:effectLst/>
+                          <a:latin typeface="Verdana" panose="020B0604030504040204" pitchFamily="34" charset="0"/>
+                          <a:ea typeface="Calibri" panose="020F0502020204030204" pitchFamily="34" charset="0"/>
+                          <a:cs typeface="Times New Roman" panose="02020603050405020304" pitchFamily="18" charset="0"/>
+                        </a:rPr>
+                        <a:t> u </a:t>
+                      </a:r>
+                      <a:r>
+                        <a:rPr lang="en-US" sz="1600" baseline="0" dirty="0" err="1">
+                          <a:effectLst/>
+                          <a:latin typeface="Verdana" panose="020B0604030504040204" pitchFamily="34" charset="0"/>
+                          <a:ea typeface="Calibri" panose="020F0502020204030204" pitchFamily="34" charset="0"/>
+                          <a:cs typeface="Times New Roman" panose="02020603050405020304" pitchFamily="18" charset="0"/>
+                        </a:rPr>
+                        <a:t>proveravati</a:t>
+                      </a:r>
+                      <a:r>
+                        <a:rPr lang="en-US" sz="1600" baseline="0" dirty="0">
+                          <a:effectLst/>
+                          <a:latin typeface="Verdana" panose="020B0604030504040204" pitchFamily="34" charset="0"/>
+                          <a:ea typeface="Calibri" panose="020F0502020204030204" pitchFamily="34" charset="0"/>
+                          <a:cs typeface="Times New Roman" panose="02020603050405020304" pitchFamily="18" charset="0"/>
+                        </a:rPr>
+                        <a:t> </a:t>
+                      </a:r>
+                      <a:r>
+                        <a:rPr lang="en-US" sz="1600" baseline="0" dirty="0" err="1">
+                          <a:effectLst/>
+                          <a:latin typeface="Verdana" panose="020B0604030504040204" pitchFamily="34" charset="0"/>
+                          <a:ea typeface="Calibri" panose="020F0502020204030204" pitchFamily="34" charset="0"/>
+                          <a:cs typeface="Times New Roman" panose="02020603050405020304" pitchFamily="18" charset="0"/>
+                        </a:rPr>
+                        <a:t>aute</a:t>
+                      </a:r>
+                      <a:r>
+                        <a:rPr lang="en-US" sz="1600" baseline="0" dirty="0">
+                          <a:effectLst/>
+                          <a:latin typeface="Verdana" panose="020B0604030504040204" pitchFamily="34" charset="0"/>
+                          <a:ea typeface="Calibri" panose="020F0502020204030204" pitchFamily="34" charset="0"/>
+                          <a:cs typeface="Times New Roman" panose="02020603050405020304" pitchFamily="18" charset="0"/>
+                        </a:rPr>
+                        <a:t>.</a:t>
+                      </a:r>
+                    </a:p>
+                  </a:txBody>
+                  <a:tcPr marL="68580" marR="68580" marT="0" marB="0"/>
+                </a:tc>
+              </a:tr>
+              <a:tr h="124714">
+                <a:tc>
+                  <a:txBody>
+                    <a:bodyPr/>
+                    <a:lstStyle/>
+                    <a:p>
+                      <a:pPr algn="ctr"/>
+                      <a:r>
+                        <a:rPr lang="en-US" baseline="0" dirty="0" smtClean="0">
+                          <a:latin typeface="Verdana" panose="020B0604030504040204" pitchFamily="34" charset="0"/>
+                        </a:rPr>
+                        <a:t>7</a:t>
+                      </a:r>
+                      <a:endParaRPr lang="en-US" baseline="0" dirty="0">
+                        <a:latin typeface="Verdana" panose="020B0604030504040204" pitchFamily="34" charset="0"/>
+                      </a:endParaRPr>
+                    </a:p>
+                  </a:txBody>
+                  <a:tcPr/>
+                </a:tc>
+                <a:tc>
+                  <a:txBody>
+                    <a:bodyPr/>
+                    <a:lstStyle/>
+                    <a:p>
+                      <a:pPr marL="0" marR="0" algn="just">
+                        <a:lnSpc>
+                          <a:spcPct val="107000"/>
+                        </a:lnSpc>
+                        <a:spcBef>
+                          <a:spcPts val="0"/>
+                        </a:spcBef>
+                        <a:spcAft>
+                          <a:spcPts val="0"/>
+                        </a:spcAft>
+                      </a:pPr>
+                      <a:r>
+                        <a:rPr lang="en-US" sz="1600" baseline="0" dirty="0" err="1">
+                          <a:effectLst/>
+                          <a:latin typeface="Verdana" panose="020B0604030504040204" pitchFamily="34" charset="0"/>
+                          <a:ea typeface="Calibri" panose="020F0502020204030204" pitchFamily="34" charset="0"/>
+                          <a:cs typeface="Times New Roman" panose="02020603050405020304" pitchFamily="18" charset="0"/>
+                        </a:rPr>
+                        <a:t>Korisnik</a:t>
+                      </a:r>
+                      <a:r>
+                        <a:rPr lang="en-US" sz="1600" baseline="0" dirty="0">
+                          <a:effectLst/>
+                          <a:latin typeface="Verdana" panose="020B0604030504040204" pitchFamily="34" charset="0"/>
+                          <a:ea typeface="Calibri" panose="020F0502020204030204" pitchFamily="34" charset="0"/>
+                          <a:cs typeface="Times New Roman" panose="02020603050405020304" pitchFamily="18" charset="0"/>
+                        </a:rPr>
+                        <a:t> </a:t>
+                      </a:r>
+                      <a:r>
+                        <a:rPr lang="en-US" sz="1600" baseline="0" dirty="0" err="1">
+                          <a:effectLst/>
+                          <a:latin typeface="Verdana" panose="020B0604030504040204" pitchFamily="34" charset="0"/>
+                          <a:ea typeface="Calibri" panose="020F0502020204030204" pitchFamily="34" charset="0"/>
+                          <a:cs typeface="Times New Roman" panose="02020603050405020304" pitchFamily="18" charset="0"/>
+                        </a:rPr>
+                        <a:t>koji</a:t>
+                      </a:r>
+                      <a:r>
+                        <a:rPr lang="en-US" sz="1600" baseline="0" dirty="0">
+                          <a:effectLst/>
+                          <a:latin typeface="Verdana" panose="020B0604030504040204" pitchFamily="34" charset="0"/>
+                          <a:ea typeface="Calibri" panose="020F0502020204030204" pitchFamily="34" charset="0"/>
+                          <a:cs typeface="Times New Roman" panose="02020603050405020304" pitchFamily="18" charset="0"/>
+                        </a:rPr>
+                        <a:t> </a:t>
+                      </a:r>
+                      <a:r>
+                        <a:rPr lang="en-US" sz="1600" baseline="0" dirty="0" err="1">
+                          <a:effectLst/>
+                          <a:latin typeface="Verdana" panose="020B0604030504040204" pitchFamily="34" charset="0"/>
+                          <a:ea typeface="Calibri" panose="020F0502020204030204" pitchFamily="34" charset="0"/>
+                          <a:cs typeface="Times New Roman" panose="02020603050405020304" pitchFamily="18" charset="0"/>
+                        </a:rPr>
+                        <a:t>piše</a:t>
+                      </a:r>
+                      <a:r>
+                        <a:rPr lang="en-US" sz="1600" baseline="0" dirty="0">
+                          <a:effectLst/>
+                          <a:latin typeface="Verdana" panose="020B0604030504040204" pitchFamily="34" charset="0"/>
+                          <a:ea typeface="Calibri" panose="020F0502020204030204" pitchFamily="34" charset="0"/>
+                          <a:cs typeface="Times New Roman" panose="02020603050405020304" pitchFamily="18" charset="0"/>
+                        </a:rPr>
+                        <a:t> </a:t>
+                      </a:r>
+                      <a:r>
+                        <a:rPr lang="en-US" sz="1600" baseline="0" dirty="0" err="1">
+                          <a:effectLst/>
+                          <a:latin typeface="Verdana" panose="020B0604030504040204" pitchFamily="34" charset="0"/>
+                          <a:ea typeface="Calibri" panose="020F0502020204030204" pitchFamily="34" charset="0"/>
+                          <a:cs typeface="Times New Roman" panose="02020603050405020304" pitchFamily="18" charset="0"/>
+                        </a:rPr>
+                        <a:t>i</a:t>
+                      </a:r>
+                      <a:r>
+                        <a:rPr lang="en-US" sz="1600" baseline="0" dirty="0">
+                          <a:effectLst/>
+                          <a:latin typeface="Verdana" panose="020B0604030504040204" pitchFamily="34" charset="0"/>
+                          <a:ea typeface="Calibri" panose="020F0502020204030204" pitchFamily="34" charset="0"/>
+                          <a:cs typeface="Times New Roman" panose="02020603050405020304" pitchFamily="18" charset="0"/>
+                        </a:rPr>
+                        <a:t> </a:t>
+                      </a:r>
+                      <a:r>
+                        <a:rPr lang="en-US" sz="1600" baseline="0" dirty="0" err="1">
+                          <a:effectLst/>
+                          <a:latin typeface="Verdana" panose="020B0604030504040204" pitchFamily="34" charset="0"/>
+                          <a:ea typeface="Calibri" panose="020F0502020204030204" pitchFamily="34" charset="0"/>
+                          <a:cs typeface="Times New Roman" panose="02020603050405020304" pitchFamily="18" charset="0"/>
+                        </a:rPr>
+                        <a:t>čita</a:t>
+                      </a:r>
+                      <a:r>
+                        <a:rPr lang="en-US" sz="1600" baseline="0" dirty="0">
+                          <a:effectLst/>
+                          <a:latin typeface="Verdana" panose="020B0604030504040204" pitchFamily="34" charset="0"/>
+                          <a:ea typeface="Calibri" panose="020F0502020204030204" pitchFamily="34" charset="0"/>
+                          <a:cs typeface="Times New Roman" panose="02020603050405020304" pitchFamily="18" charset="0"/>
+                        </a:rPr>
+                        <a:t> </a:t>
+                      </a:r>
+                      <a:r>
+                        <a:rPr lang="en-US" sz="1600" baseline="0" dirty="0" err="1">
+                          <a:effectLst/>
+                          <a:latin typeface="Verdana" panose="020B0604030504040204" pitchFamily="34" charset="0"/>
+                          <a:ea typeface="Calibri" panose="020F0502020204030204" pitchFamily="34" charset="0"/>
+                          <a:cs typeface="Times New Roman" panose="02020603050405020304" pitchFamily="18" charset="0"/>
+                        </a:rPr>
+                        <a:t>sa</a:t>
+                      </a:r>
+                      <a:r>
+                        <a:rPr lang="en-US" sz="1600" baseline="0" dirty="0">
+                          <a:effectLst/>
+                          <a:latin typeface="Verdana" panose="020B0604030504040204" pitchFamily="34" charset="0"/>
+                          <a:ea typeface="Calibri" panose="020F0502020204030204" pitchFamily="34" charset="0"/>
+                          <a:cs typeface="Times New Roman" panose="02020603050405020304" pitchFamily="18" charset="0"/>
+                        </a:rPr>
+                        <a:t> </a:t>
+                      </a:r>
+                      <a:r>
+                        <a:rPr lang="en-US" sz="1600" baseline="0" dirty="0" err="1">
+                          <a:effectLst/>
+                          <a:latin typeface="Verdana" panose="020B0604030504040204" pitchFamily="34" charset="0"/>
+                          <a:ea typeface="Calibri" panose="020F0502020204030204" pitchFamily="34" charset="0"/>
+                          <a:cs typeface="Times New Roman" panose="02020603050405020304" pitchFamily="18" charset="0"/>
+                        </a:rPr>
+                        <a:t>baze</a:t>
+                      </a:r>
+                      <a:r>
+                        <a:rPr lang="en-US" sz="1600" baseline="0" dirty="0">
+                          <a:effectLst/>
+                          <a:latin typeface="Verdana" panose="020B0604030504040204" pitchFamily="34" charset="0"/>
+                          <a:ea typeface="Calibri" panose="020F0502020204030204" pitchFamily="34" charset="0"/>
+                          <a:cs typeface="Times New Roman" panose="02020603050405020304" pitchFamily="18" charset="0"/>
+                        </a:rPr>
+                        <a:t> </a:t>
+                      </a:r>
+                      <a:r>
+                        <a:rPr lang="en-US" sz="1600" baseline="0" dirty="0" err="1">
+                          <a:effectLst/>
+                          <a:latin typeface="Verdana" panose="020B0604030504040204" pitchFamily="34" charset="0"/>
+                          <a:ea typeface="Calibri" panose="020F0502020204030204" pitchFamily="34" charset="0"/>
+                          <a:cs typeface="Times New Roman" panose="02020603050405020304" pitchFamily="18" charset="0"/>
+                        </a:rPr>
+                        <a:t>podataka</a:t>
+                      </a:r>
+                      <a:endParaRPr lang="en-US" sz="1600" baseline="0" dirty="0">
+                        <a:effectLst/>
+                        <a:latin typeface="Verdana" panose="020B0604030504040204" pitchFamily="34" charset="0"/>
+                        <a:ea typeface="Calibri" panose="020F0502020204030204" pitchFamily="34" charset="0"/>
+                        <a:cs typeface="Times New Roman" panose="02020603050405020304" pitchFamily="18" charset="0"/>
+                      </a:endParaRPr>
+                    </a:p>
+                  </a:txBody>
+                  <a:tcPr marL="68580" marR="68580" marT="0" marB="0"/>
+                </a:tc>
+                <a:tc>
+                  <a:txBody>
+                    <a:bodyPr/>
+                    <a:lstStyle/>
+                    <a:p>
+                      <a:pPr marL="0" marR="0" algn="just">
+                        <a:lnSpc>
+                          <a:spcPct val="107000"/>
+                        </a:lnSpc>
+                        <a:spcBef>
+                          <a:spcPts val="0"/>
+                        </a:spcBef>
+                        <a:spcAft>
+                          <a:spcPts val="0"/>
+                        </a:spcAft>
+                      </a:pPr>
+                      <a:r>
+                        <a:rPr lang="en-US" sz="1600" baseline="0" dirty="0" err="1">
+                          <a:effectLst/>
+                          <a:latin typeface="Verdana" panose="020B0604030504040204" pitchFamily="34" charset="0"/>
+                          <a:ea typeface="Calibri" panose="020F0502020204030204" pitchFamily="34" charset="0"/>
+                          <a:cs typeface="Times New Roman" panose="02020603050405020304" pitchFamily="18" charset="0"/>
+                        </a:rPr>
+                        <a:t>Korisnik</a:t>
+                      </a:r>
+                      <a:r>
+                        <a:rPr lang="en-US" sz="1600" baseline="0" dirty="0">
+                          <a:effectLst/>
+                          <a:latin typeface="Verdana" panose="020B0604030504040204" pitchFamily="34" charset="0"/>
+                          <a:ea typeface="Calibri" panose="020F0502020204030204" pitchFamily="34" charset="0"/>
+                          <a:cs typeface="Times New Roman" panose="02020603050405020304" pitchFamily="18" charset="0"/>
+                        </a:rPr>
+                        <a:t> </a:t>
+                      </a:r>
+                      <a:r>
+                        <a:rPr lang="en-US" sz="1600" baseline="0" dirty="0" err="1">
+                          <a:effectLst/>
+                          <a:latin typeface="Verdana" panose="020B0604030504040204" pitchFamily="34" charset="0"/>
+                          <a:ea typeface="Calibri" panose="020F0502020204030204" pitchFamily="34" charset="0"/>
+                          <a:cs typeface="Times New Roman" panose="02020603050405020304" pitchFamily="18" charset="0"/>
+                        </a:rPr>
+                        <a:t>uz</a:t>
+                      </a:r>
+                      <a:r>
+                        <a:rPr lang="en-US" sz="1600" baseline="0" dirty="0">
+                          <a:effectLst/>
+                          <a:latin typeface="Verdana" panose="020B0604030504040204" pitchFamily="34" charset="0"/>
+                          <a:ea typeface="Calibri" panose="020F0502020204030204" pitchFamily="34" charset="0"/>
+                          <a:cs typeface="Times New Roman" panose="02020603050405020304" pitchFamily="18" charset="0"/>
+                        </a:rPr>
+                        <a:t> </a:t>
+                      </a:r>
+                      <a:r>
+                        <a:rPr lang="en-US" sz="1600" baseline="0" dirty="0" err="1">
+                          <a:effectLst/>
+                          <a:latin typeface="Verdana" panose="020B0604030504040204" pitchFamily="34" charset="0"/>
+                          <a:ea typeface="Calibri" panose="020F0502020204030204" pitchFamily="34" charset="0"/>
+                          <a:cs typeface="Times New Roman" panose="02020603050405020304" pitchFamily="18" charset="0"/>
+                        </a:rPr>
+                        <a:t>pomoć</a:t>
+                      </a:r>
+                      <a:r>
+                        <a:rPr lang="en-US" sz="1600" baseline="0" dirty="0">
+                          <a:effectLst/>
+                          <a:latin typeface="Verdana" panose="020B0604030504040204" pitchFamily="34" charset="0"/>
+                          <a:ea typeface="Calibri" panose="020F0502020204030204" pitchFamily="34" charset="0"/>
+                          <a:cs typeface="Times New Roman" panose="02020603050405020304" pitchFamily="18" charset="0"/>
+                        </a:rPr>
+                        <a:t> </a:t>
+                      </a:r>
+                      <a:r>
+                        <a:rPr lang="en-US" sz="1600" baseline="0" dirty="0" err="1">
+                          <a:effectLst/>
+                          <a:latin typeface="Verdana" panose="020B0604030504040204" pitchFamily="34" charset="0"/>
+                          <a:ea typeface="Calibri" panose="020F0502020204030204" pitchFamily="34" charset="0"/>
+                          <a:cs typeface="Times New Roman" panose="02020603050405020304" pitchFamily="18" charset="0"/>
+                        </a:rPr>
+                        <a:t>kojeg</a:t>
+                      </a:r>
+                      <a:r>
+                        <a:rPr lang="en-US" sz="1600" baseline="0" dirty="0">
+                          <a:effectLst/>
+                          <a:latin typeface="Verdana" panose="020B0604030504040204" pitchFamily="34" charset="0"/>
+                          <a:ea typeface="Calibri" panose="020F0502020204030204" pitchFamily="34" charset="0"/>
+                          <a:cs typeface="Times New Roman" panose="02020603050405020304" pitchFamily="18" charset="0"/>
+                        </a:rPr>
+                        <a:t> </a:t>
+                      </a:r>
+                      <a:r>
+                        <a:rPr lang="en-US" sz="1600" baseline="0" dirty="0" err="1">
+                          <a:effectLst/>
+                          <a:latin typeface="Verdana" panose="020B0604030504040204" pitchFamily="34" charset="0"/>
+                          <a:ea typeface="Calibri" panose="020F0502020204030204" pitchFamily="34" charset="0"/>
+                          <a:cs typeface="Times New Roman" panose="02020603050405020304" pitchFamily="18" charset="0"/>
+                        </a:rPr>
+                        <a:t>će</a:t>
+                      </a:r>
+                      <a:r>
+                        <a:rPr lang="en-US" sz="1600" baseline="0" dirty="0">
+                          <a:effectLst/>
+                          <a:latin typeface="Verdana" panose="020B0604030504040204" pitchFamily="34" charset="0"/>
+                          <a:ea typeface="Calibri" panose="020F0502020204030204" pitchFamily="34" charset="0"/>
+                          <a:cs typeface="Times New Roman" panose="02020603050405020304" pitchFamily="18" charset="0"/>
+                        </a:rPr>
+                        <a:t> se </a:t>
+                      </a:r>
+                      <a:r>
+                        <a:rPr lang="en-US" sz="1600" baseline="0" dirty="0" err="1">
+                          <a:effectLst/>
+                          <a:latin typeface="Verdana" panose="020B0604030504040204" pitchFamily="34" charset="0"/>
+                          <a:ea typeface="Calibri" panose="020F0502020204030204" pitchFamily="34" charset="0"/>
+                          <a:cs typeface="Times New Roman" panose="02020603050405020304" pitchFamily="18" charset="0"/>
+                        </a:rPr>
+                        <a:t>pisati</a:t>
+                      </a:r>
+                      <a:r>
+                        <a:rPr lang="en-US" sz="1600" baseline="0" dirty="0">
+                          <a:effectLst/>
+                          <a:latin typeface="Verdana" panose="020B0604030504040204" pitchFamily="34" charset="0"/>
+                          <a:ea typeface="Calibri" panose="020F0502020204030204" pitchFamily="34" charset="0"/>
+                          <a:cs typeface="Times New Roman" panose="02020603050405020304" pitchFamily="18" charset="0"/>
+                        </a:rPr>
+                        <a:t> </a:t>
+                      </a:r>
+                      <a:r>
+                        <a:rPr lang="en-US" sz="1600" baseline="0" dirty="0" err="1">
+                          <a:effectLst/>
+                          <a:latin typeface="Verdana" panose="020B0604030504040204" pitchFamily="34" charset="0"/>
+                          <a:ea typeface="Calibri" panose="020F0502020204030204" pitchFamily="34" charset="0"/>
+                          <a:cs typeface="Times New Roman" panose="02020603050405020304" pitchFamily="18" charset="0"/>
+                        </a:rPr>
+                        <a:t>na</a:t>
+                      </a:r>
+                      <a:r>
+                        <a:rPr lang="en-US" sz="1600" baseline="0" dirty="0">
+                          <a:effectLst/>
+                          <a:latin typeface="Verdana" panose="020B0604030504040204" pitchFamily="34" charset="0"/>
+                          <a:ea typeface="Calibri" panose="020F0502020204030204" pitchFamily="34" charset="0"/>
+                          <a:cs typeface="Times New Roman" panose="02020603050405020304" pitchFamily="18" charset="0"/>
+                        </a:rPr>
+                        <a:t> </a:t>
+                      </a:r>
+                      <a:r>
+                        <a:rPr lang="en-US" sz="1600" baseline="0" dirty="0" err="1">
+                          <a:effectLst/>
+                          <a:latin typeface="Verdana" panose="020B0604030504040204" pitchFamily="34" charset="0"/>
+                          <a:ea typeface="Calibri" panose="020F0502020204030204" pitchFamily="34" charset="0"/>
+                          <a:cs typeface="Times New Roman" panose="02020603050405020304" pitchFamily="18" charset="0"/>
+                        </a:rPr>
+                        <a:t>bazu</a:t>
+                      </a:r>
+                      <a:r>
+                        <a:rPr lang="en-US" sz="1600" baseline="0" dirty="0">
+                          <a:effectLst/>
+                          <a:latin typeface="Verdana" panose="020B0604030504040204" pitchFamily="34" charset="0"/>
+                          <a:ea typeface="Calibri" panose="020F0502020204030204" pitchFamily="34" charset="0"/>
+                          <a:cs typeface="Times New Roman" panose="02020603050405020304" pitchFamily="18" charset="0"/>
+                        </a:rPr>
+                        <a:t> </a:t>
+                      </a:r>
+                      <a:r>
+                        <a:rPr lang="en-US" sz="1600" baseline="0" dirty="0" err="1">
+                          <a:effectLst/>
+                          <a:latin typeface="Verdana" panose="020B0604030504040204" pitchFamily="34" charset="0"/>
+                          <a:ea typeface="Calibri" panose="020F0502020204030204" pitchFamily="34" charset="0"/>
+                          <a:cs typeface="Times New Roman" panose="02020603050405020304" pitchFamily="18" charset="0"/>
+                        </a:rPr>
+                        <a:t>podataka</a:t>
+                      </a:r>
+                      <a:r>
+                        <a:rPr lang="en-US" sz="1600" baseline="0" dirty="0">
+                          <a:effectLst/>
+                          <a:latin typeface="Verdana" panose="020B0604030504040204" pitchFamily="34" charset="0"/>
+                          <a:ea typeface="Calibri" panose="020F0502020204030204" pitchFamily="34" charset="0"/>
+                          <a:cs typeface="Times New Roman" panose="02020603050405020304" pitchFamily="18" charset="0"/>
+                        </a:rPr>
+                        <a:t> </a:t>
+                      </a:r>
+                      <a:r>
+                        <a:rPr lang="en-US" sz="1600" baseline="0" dirty="0" err="1">
+                          <a:effectLst/>
+                          <a:latin typeface="Verdana" panose="020B0604030504040204" pitchFamily="34" charset="0"/>
+                          <a:ea typeface="Calibri" panose="020F0502020204030204" pitchFamily="34" charset="0"/>
+                          <a:cs typeface="Times New Roman" panose="02020603050405020304" pitchFamily="18" charset="0"/>
+                        </a:rPr>
+                        <a:t>i</a:t>
+                      </a:r>
+                      <a:r>
+                        <a:rPr lang="en-US" sz="1600" baseline="0" dirty="0">
+                          <a:effectLst/>
+                          <a:latin typeface="Verdana" panose="020B0604030504040204" pitchFamily="34" charset="0"/>
+                          <a:ea typeface="Calibri" panose="020F0502020204030204" pitchFamily="34" charset="0"/>
+                          <a:cs typeface="Times New Roman" panose="02020603050405020304" pitchFamily="18" charset="0"/>
+                        </a:rPr>
+                        <a:t> </a:t>
+                      </a:r>
+                      <a:r>
+                        <a:rPr lang="en-US" sz="1600" baseline="0" dirty="0" err="1">
+                          <a:effectLst/>
+                          <a:latin typeface="Verdana" panose="020B0604030504040204" pitchFamily="34" charset="0"/>
+                          <a:ea typeface="Calibri" panose="020F0502020204030204" pitchFamily="34" charset="0"/>
+                          <a:cs typeface="Times New Roman" panose="02020603050405020304" pitchFamily="18" charset="0"/>
+                        </a:rPr>
+                        <a:t>čitati</a:t>
+                      </a:r>
+                      <a:r>
+                        <a:rPr lang="en-US" sz="1600" baseline="0" dirty="0">
+                          <a:effectLst/>
+                          <a:latin typeface="Verdana" panose="020B0604030504040204" pitchFamily="34" charset="0"/>
+                          <a:ea typeface="Calibri" panose="020F0502020204030204" pitchFamily="34" charset="0"/>
+                          <a:cs typeface="Times New Roman" panose="02020603050405020304" pitchFamily="18" charset="0"/>
+                        </a:rPr>
+                        <a:t> </a:t>
+                      </a:r>
+                      <a:r>
+                        <a:rPr lang="en-US" sz="1600" baseline="0" dirty="0" err="1">
+                          <a:effectLst/>
+                          <a:latin typeface="Verdana" panose="020B0604030504040204" pitchFamily="34" charset="0"/>
+                          <a:ea typeface="Calibri" panose="020F0502020204030204" pitchFamily="34" charset="0"/>
+                          <a:cs typeface="Times New Roman" panose="02020603050405020304" pitchFamily="18" charset="0"/>
+                        </a:rPr>
+                        <a:t>sa</a:t>
+                      </a:r>
+                      <a:r>
+                        <a:rPr lang="en-US" sz="1600" baseline="0" dirty="0">
+                          <a:effectLst/>
+                          <a:latin typeface="Verdana" panose="020B0604030504040204" pitchFamily="34" charset="0"/>
+                          <a:ea typeface="Calibri" panose="020F0502020204030204" pitchFamily="34" charset="0"/>
+                          <a:cs typeface="Times New Roman" panose="02020603050405020304" pitchFamily="18" charset="0"/>
+                        </a:rPr>
+                        <a:t> </a:t>
+                      </a:r>
+                      <a:r>
+                        <a:rPr lang="en-US" sz="1600" baseline="0" dirty="0" err="1">
+                          <a:effectLst/>
+                          <a:latin typeface="Verdana" panose="020B0604030504040204" pitchFamily="34" charset="0"/>
+                          <a:ea typeface="Calibri" panose="020F0502020204030204" pitchFamily="34" charset="0"/>
+                          <a:cs typeface="Times New Roman" panose="02020603050405020304" pitchFamily="18" charset="0"/>
+                        </a:rPr>
+                        <a:t>baze</a:t>
+                      </a:r>
+                      <a:r>
+                        <a:rPr lang="en-US" sz="1600" baseline="0" dirty="0">
+                          <a:effectLst/>
+                          <a:latin typeface="Verdana" panose="020B0604030504040204" pitchFamily="34" charset="0"/>
+                          <a:ea typeface="Calibri" panose="020F0502020204030204" pitchFamily="34" charset="0"/>
+                          <a:cs typeface="Times New Roman" panose="02020603050405020304" pitchFamily="18" charset="0"/>
+                        </a:rPr>
+                        <a:t> </a:t>
+                      </a:r>
+                      <a:r>
+                        <a:rPr lang="en-US" sz="1600" baseline="0" dirty="0" err="1">
+                          <a:effectLst/>
+                          <a:latin typeface="Verdana" panose="020B0604030504040204" pitchFamily="34" charset="0"/>
+                          <a:ea typeface="Calibri" panose="020F0502020204030204" pitchFamily="34" charset="0"/>
+                          <a:cs typeface="Times New Roman" panose="02020603050405020304" pitchFamily="18" charset="0"/>
+                        </a:rPr>
+                        <a:t>podataka</a:t>
+                      </a:r>
+                      <a:r>
+                        <a:rPr lang="en-US" sz="1600" baseline="0" dirty="0">
+                          <a:effectLst/>
+                          <a:latin typeface="Verdana" panose="020B0604030504040204" pitchFamily="34" charset="0"/>
+                          <a:ea typeface="Calibri" panose="020F0502020204030204" pitchFamily="34" charset="0"/>
+                          <a:cs typeface="Times New Roman" panose="02020603050405020304" pitchFamily="18" charset="0"/>
+                        </a:rPr>
+                        <a:t>. </a:t>
+                      </a:r>
+                      <a:r>
+                        <a:rPr lang="en-US" sz="1600" baseline="0" dirty="0" err="1">
+                          <a:effectLst/>
+                          <a:latin typeface="Verdana" panose="020B0604030504040204" pitchFamily="34" charset="0"/>
+                          <a:ea typeface="Calibri" panose="020F0502020204030204" pitchFamily="34" charset="0"/>
+                          <a:cs typeface="Times New Roman" panose="02020603050405020304" pitchFamily="18" charset="0"/>
+                        </a:rPr>
+                        <a:t>Predstavljaće</a:t>
+                      </a:r>
+                      <a:r>
+                        <a:rPr lang="en-US" sz="1600" baseline="0" dirty="0">
+                          <a:effectLst/>
+                          <a:latin typeface="Verdana" panose="020B0604030504040204" pitchFamily="34" charset="0"/>
+                          <a:ea typeface="Calibri" panose="020F0502020204030204" pitchFamily="34" charset="0"/>
+                          <a:cs typeface="Times New Roman" panose="02020603050405020304" pitchFamily="18" charset="0"/>
+                        </a:rPr>
+                        <a:t> </a:t>
+                      </a:r>
+                      <a:r>
+                        <a:rPr lang="en-US" sz="1600" baseline="0" dirty="0" err="1">
+                          <a:effectLst/>
+                          <a:latin typeface="Verdana" panose="020B0604030504040204" pitchFamily="34" charset="0"/>
+                          <a:ea typeface="Calibri" panose="020F0502020204030204" pitchFamily="34" charset="0"/>
+                          <a:cs typeface="Times New Roman" panose="02020603050405020304" pitchFamily="18" charset="0"/>
+                        </a:rPr>
+                        <a:t>pozadinsku</a:t>
+                      </a:r>
+                      <a:r>
+                        <a:rPr lang="en-US" sz="1600" baseline="0" dirty="0">
+                          <a:effectLst/>
+                          <a:latin typeface="Verdana" panose="020B0604030504040204" pitchFamily="34" charset="0"/>
+                          <a:ea typeface="Calibri" panose="020F0502020204030204" pitchFamily="34" charset="0"/>
+                          <a:cs typeface="Times New Roman" panose="02020603050405020304" pitchFamily="18" charset="0"/>
+                        </a:rPr>
+                        <a:t> </a:t>
+                      </a:r>
+                      <a:r>
+                        <a:rPr lang="en-US" sz="1600" baseline="0" dirty="0" err="1">
+                          <a:effectLst/>
+                          <a:latin typeface="Verdana" panose="020B0604030504040204" pitchFamily="34" charset="0"/>
+                          <a:ea typeface="Calibri" panose="020F0502020204030204" pitchFamily="34" charset="0"/>
+                          <a:cs typeface="Times New Roman" panose="02020603050405020304" pitchFamily="18" charset="0"/>
+                        </a:rPr>
+                        <a:t>aplikaciju</a:t>
+                      </a:r>
+                      <a:r>
+                        <a:rPr lang="en-US" sz="1600" baseline="0" dirty="0">
+                          <a:effectLst/>
+                          <a:latin typeface="Verdana" panose="020B0604030504040204" pitchFamily="34" charset="0"/>
+                          <a:ea typeface="Calibri" panose="020F0502020204030204" pitchFamily="34" charset="0"/>
+                          <a:cs typeface="Times New Roman" panose="02020603050405020304" pitchFamily="18" charset="0"/>
+                        </a:rPr>
+                        <a:t>.</a:t>
+                      </a:r>
+                    </a:p>
+                  </a:txBody>
+                  <a:tcPr marL="68580" marR="68580" marT="0" marB="0"/>
+                </a:tc>
+              </a:tr>
+              <a:tr h="124714">
+                <a:tc>
+                  <a:txBody>
+                    <a:bodyPr/>
+                    <a:lstStyle/>
+                    <a:p>
+                      <a:pPr algn="ctr"/>
+                      <a:r>
+                        <a:rPr lang="sr-Latn-RS" baseline="0" dirty="0" smtClean="0">
+                          <a:latin typeface="Verdana" panose="020B0604030504040204" pitchFamily="34" charset="0"/>
+                        </a:rPr>
+                        <a:t>8</a:t>
+                      </a:r>
+                      <a:endParaRPr lang="en-US" baseline="0" dirty="0">
+                        <a:latin typeface="Verdana" panose="020B0604030504040204" pitchFamily="34" charset="0"/>
+                      </a:endParaRPr>
+                    </a:p>
+                  </a:txBody>
+                  <a:tcPr/>
+                </a:tc>
+                <a:tc>
+                  <a:txBody>
+                    <a:bodyPr/>
+                    <a:lstStyle/>
+                    <a:p>
+                      <a:pPr marL="0" marR="0" algn="just">
+                        <a:lnSpc>
+                          <a:spcPct val="107000"/>
+                        </a:lnSpc>
+                        <a:spcBef>
+                          <a:spcPts val="0"/>
+                        </a:spcBef>
+                        <a:spcAft>
+                          <a:spcPts val="0"/>
+                        </a:spcAft>
+                      </a:pPr>
+                      <a:r>
+                        <a:rPr lang="sr-Latn-RS" sz="1600" baseline="0" dirty="0" smtClean="0">
+                          <a:effectLst/>
+                          <a:latin typeface="Verdana" panose="020B0604030504040204" pitchFamily="34" charset="0"/>
+                          <a:ea typeface="Calibri" panose="020F0502020204030204" pitchFamily="34" charset="0"/>
+                          <a:cs typeface="Times New Roman" panose="02020603050405020304" pitchFamily="18" charset="0"/>
+                        </a:rPr>
+                        <a:t>Korisnik koji čita sa baze podataka</a:t>
+                      </a:r>
+                      <a:endParaRPr lang="en-US" sz="1600" baseline="0" dirty="0">
+                        <a:effectLst/>
+                        <a:latin typeface="Verdana" panose="020B0604030504040204" pitchFamily="34" charset="0"/>
+                        <a:ea typeface="Calibri" panose="020F0502020204030204" pitchFamily="34" charset="0"/>
+                        <a:cs typeface="Times New Roman" panose="02020603050405020304" pitchFamily="18" charset="0"/>
+                      </a:endParaRPr>
+                    </a:p>
+                  </a:txBody>
+                  <a:tcPr marL="68580" marR="68580" marT="0" marB="0"/>
+                </a:tc>
+                <a:tc>
+                  <a:txBody>
+                    <a:bodyPr/>
+                    <a:lstStyle/>
+                    <a:p>
+                      <a:pPr marL="0" marR="0" algn="just">
+                        <a:lnSpc>
+                          <a:spcPct val="107000"/>
+                        </a:lnSpc>
+                        <a:spcBef>
+                          <a:spcPts val="0"/>
+                        </a:spcBef>
+                        <a:spcAft>
+                          <a:spcPts val="0"/>
+                        </a:spcAft>
+                      </a:pPr>
+                      <a:r>
+                        <a:rPr lang="sr-Latn-RS" sz="1600" baseline="0" dirty="0" smtClean="0">
+                          <a:effectLst/>
+                          <a:latin typeface="Verdana" panose="020B0604030504040204" pitchFamily="34" charset="0"/>
+                          <a:ea typeface="Calibri" panose="020F0502020204030204" pitchFamily="34" charset="0"/>
+                          <a:cs typeface="Times New Roman" panose="02020603050405020304" pitchFamily="18" charset="0"/>
+                        </a:rPr>
+                        <a:t>Korisnik koji ima mogućnost samo čitanja sa baze podataka.</a:t>
+                      </a:r>
+                      <a:endParaRPr lang="en-US" sz="1600" baseline="0" dirty="0">
+                        <a:effectLst/>
+                        <a:latin typeface="Verdana" panose="020B0604030504040204" pitchFamily="34" charset="0"/>
+                        <a:ea typeface="Calibri" panose="020F0502020204030204" pitchFamily="34" charset="0"/>
+                        <a:cs typeface="Times New Roman" panose="02020603050405020304" pitchFamily="18" charset="0"/>
+                      </a:endParaRPr>
+                    </a:p>
+                  </a:txBody>
+                  <a:tcPr marL="68580" marR="68580" marT="0" marB="0"/>
+                </a:tc>
+              </a:tr>
+            </a:tbl>
+          </a:graphicData>
+        </a:graphic>
+      </p:graphicFrame>
+    </p:spTree>
+    <p:extLst>
+      <p:ext uri="{BB962C8B-B14F-4D97-AF65-F5344CB8AC3E}">
+        <p14:creationId xmlns:p14="http://schemas.microsoft.com/office/powerpoint/2010/main" val="1047267701"/>
+      </p:ext>
+    </p:extLst>
+  </p:cSld>
+  <p:clrMapOvr>
+    <a:masterClrMapping/>
+  </p:clrMapOvr>
   <p:timing>
     <p:tnLst>
       <p:par>
